--- a/documents/Managing System/MetricsAndQoS/MetricsAndQoS.pptx
+++ b/documents/Managing System/MetricsAndQoS/MetricsAndQoS.pptx
@@ -3046,7 +3046,7 @@
           <a:p>
             <a:fld id="{D758E45E-C8C5-BA4F-AA2C-0C40076B5C28}" type="datetimeFigureOut">
               <a:rPr lang="en-GB" smtClean="0"/>
-              <a:t>06/11/2022</a:t>
+              <a:t>07/11/2022</a:t>
             </a:fld>
             <a:endParaRPr lang="en-GB"/>
           </a:p>
@@ -3547,7 +3547,7 @@
           <a:p>
             <a:fld id="{62C199F6-8AFD-9248-B232-FB99D0FCDA97}" type="datetimeFigureOut">
               <a:rPr lang="en-GB" smtClean="0"/>
-              <a:t>06/11/2022</a:t>
+              <a:t>07/11/2022</a:t>
             </a:fld>
             <a:endParaRPr lang="en-GB" dirty="0"/>
           </a:p>
@@ -3747,7 +3747,7 @@
           <a:p>
             <a:fld id="{62C199F6-8AFD-9248-B232-FB99D0FCDA97}" type="datetimeFigureOut">
               <a:rPr lang="en-GB" smtClean="0"/>
-              <a:t>06/11/2022</a:t>
+              <a:t>07/11/2022</a:t>
             </a:fld>
             <a:endParaRPr lang="en-GB" dirty="0"/>
           </a:p>
@@ -3957,7 +3957,7 @@
           <a:p>
             <a:fld id="{62C199F6-8AFD-9248-B232-FB99D0FCDA97}" type="datetimeFigureOut">
               <a:rPr lang="en-GB" smtClean="0"/>
-              <a:t>06/11/2022</a:t>
+              <a:t>07/11/2022</a:t>
             </a:fld>
             <a:endParaRPr lang="en-GB" dirty="0"/>
           </a:p>
@@ -4157,7 +4157,7 @@
           <a:p>
             <a:fld id="{62C199F6-8AFD-9248-B232-FB99D0FCDA97}" type="datetimeFigureOut">
               <a:rPr lang="en-GB" smtClean="0"/>
-              <a:t>06/11/2022</a:t>
+              <a:t>07/11/2022</a:t>
             </a:fld>
             <a:endParaRPr lang="en-GB" dirty="0"/>
           </a:p>
@@ -4433,7 +4433,7 @@
           <a:p>
             <a:fld id="{62C199F6-8AFD-9248-B232-FB99D0FCDA97}" type="datetimeFigureOut">
               <a:rPr lang="en-GB" smtClean="0"/>
-              <a:t>06/11/2022</a:t>
+              <a:t>07/11/2022</a:t>
             </a:fld>
             <a:endParaRPr lang="en-GB" dirty="0"/>
           </a:p>
@@ -4701,7 +4701,7 @@
           <a:p>
             <a:fld id="{62C199F6-8AFD-9248-B232-FB99D0FCDA97}" type="datetimeFigureOut">
               <a:rPr lang="en-GB" smtClean="0"/>
-              <a:t>06/11/2022</a:t>
+              <a:t>07/11/2022</a:t>
             </a:fld>
             <a:endParaRPr lang="en-GB" dirty="0"/>
           </a:p>
@@ -5116,7 +5116,7 @@
           <a:p>
             <a:fld id="{62C199F6-8AFD-9248-B232-FB99D0FCDA97}" type="datetimeFigureOut">
               <a:rPr lang="en-GB" smtClean="0"/>
-              <a:t>06/11/2022</a:t>
+              <a:t>07/11/2022</a:t>
             </a:fld>
             <a:endParaRPr lang="en-GB" dirty="0"/>
           </a:p>
@@ -5258,7 +5258,7 @@
           <a:p>
             <a:fld id="{62C199F6-8AFD-9248-B232-FB99D0FCDA97}" type="datetimeFigureOut">
               <a:rPr lang="en-GB" smtClean="0"/>
-              <a:t>06/11/2022</a:t>
+              <a:t>07/11/2022</a:t>
             </a:fld>
             <a:endParaRPr lang="en-GB" dirty="0"/>
           </a:p>
@@ -5371,7 +5371,7 @@
           <a:p>
             <a:fld id="{62C199F6-8AFD-9248-B232-FB99D0FCDA97}" type="datetimeFigureOut">
               <a:rPr lang="en-GB" smtClean="0"/>
-              <a:t>06/11/2022</a:t>
+              <a:t>07/11/2022</a:t>
             </a:fld>
             <a:endParaRPr lang="en-GB" dirty="0"/>
           </a:p>
@@ -5684,7 +5684,7 @@
           <a:p>
             <a:fld id="{62C199F6-8AFD-9248-B232-FB99D0FCDA97}" type="datetimeFigureOut">
               <a:rPr lang="en-GB" smtClean="0"/>
-              <a:t>06/11/2022</a:t>
+              <a:t>07/11/2022</a:t>
             </a:fld>
             <a:endParaRPr lang="en-GB" dirty="0"/>
           </a:p>
@@ -5973,7 +5973,7 @@
           <a:p>
             <a:fld id="{62C199F6-8AFD-9248-B232-FB99D0FCDA97}" type="datetimeFigureOut">
               <a:rPr lang="en-GB" smtClean="0"/>
-              <a:t>06/11/2022</a:t>
+              <a:t>07/11/2022</a:t>
             </a:fld>
             <a:endParaRPr lang="en-GB" dirty="0"/>
           </a:p>
@@ -6216,7 +6216,7 @@
           <a:p>
             <a:fld id="{62C199F6-8AFD-9248-B232-FB99D0FCDA97}" type="datetimeFigureOut">
               <a:rPr lang="en-GB" smtClean="0"/>
-              <a:t>06/11/2022</a:t>
+              <a:t>07/11/2022</a:t>
             </a:fld>
             <a:endParaRPr lang="en-GB" dirty="0"/>
           </a:p>
@@ -7154,8 +7154,8 @@
         </p:nvSpPr>
         <p:spPr>
           <a:xfrm>
-            <a:off x="3292673" y="3220547"/>
-            <a:ext cx="2083055" cy="600164"/>
+            <a:off x="3118563" y="3220547"/>
+            <a:ext cx="2468669" cy="600164"/>
           </a:xfrm>
           <a:prstGeom prst="rect">
             <a:avLst/>
@@ -7175,7 +7175,7 @@
                 <a:ea typeface="CMU Concrete" panose="02000603000000000000" pitchFamily="2" charset="0"/>
                 <a:cs typeface="CMU Concrete" panose="02000603000000000000" pitchFamily="2" charset="0"/>
               </a:rPr>
-              <a:t>n</a:t>
+              <a:t>n=MWS</a:t>
             </a:r>
             <a:r>
               <a:rPr lang="en-GB" sz="1100" noProof="1">
@@ -7424,7 +7424,6 @@
           </a:bodyPr>
           <a:lstStyle/>
           <a:p>
-            <a:pPr/>
             <a:r>
               <a:rPr lang="it-IT" sz="1100" noProof="1">
                 <a:latin typeface="CMU Serif Roman" panose="02000603000000000000" pitchFamily="2" charset="0"/>
@@ -8689,7 +8688,6 @@
           </a:bodyPr>
           <a:lstStyle/>
           <a:p>
-            <a:pPr/>
             <a:r>
               <a:rPr lang="it-IT" sz="1100" noProof="1">
                 <a:latin typeface="CMU Serif Roman" panose="02000603000000000000" pitchFamily="2" charset="0"/>
@@ -8742,7 +8740,6 @@
           </a:bodyPr>
           <a:lstStyle/>
           <a:p>
-            <a:pPr/>
             <a:r>
               <a:rPr lang="it-IT" sz="1100" noProof="1">
                 <a:latin typeface="CMU Serif Roman" panose="02000603000000000000" pitchFamily="2" charset="0"/>
@@ -9440,7 +9437,7 @@
                 <a:ea typeface="CMU Concrete Roman" panose="02000603000000000000" pitchFamily="2" charset="0"/>
                 <a:cs typeface="CMU Concrete Roman" panose="02000603000000000000" pitchFamily="2" charset="0"/>
               </a:rPr>
-              <a:t>m</a:t>
+              <a:t>k</a:t>
             </a:r>
             <a:r>
               <a:rPr lang="en-GB" sz="1100" dirty="0">
@@ -9448,15 +9445,7 @@
                 <a:ea typeface="CMU Serif Roman" panose="02000603000000000000" pitchFamily="2" charset="0"/>
                 <a:cs typeface="CMU Serif Roman" panose="02000603000000000000" pitchFamily="2" charset="0"/>
               </a:rPr>
-              <a:t> Valid </a:t>
-            </a:r>
-            <a:r>
-              <a:rPr lang="en-GB" sz="1100" dirty="0">
-                <a:latin typeface="CMU Serif Roman" panose="02000603000000000000" pitchFamily="2" charset="0"/>
-                <a:ea typeface="CMU Serif Roman" panose="02000603000000000000" pitchFamily="2" charset="0"/>
-                <a:cs typeface="CMU Serif Roman" panose="02000603000000000000" pitchFamily="2" charset="0"/>
-              </a:rPr>
-              <a:t>Values</a:t>
+              <a:t> Valid Values</a:t>
             </a:r>
           </a:p>
         </p:txBody>
@@ -9993,11 +9982,6 @@
               </a:rPr>
               <a:t>Latest value</a:t>
             </a:r>
-            <a:endParaRPr lang="en-GB" sz="1100" dirty="0">
-              <a:latin typeface="CMU Serif Roman" panose="02000603000000000000" pitchFamily="2" charset="0"/>
-              <a:ea typeface="CMU Serif Roman" panose="02000603000000000000" pitchFamily="2" charset="0"/>
-              <a:cs typeface="CMU Serif Roman" panose="02000603000000000000" pitchFamily="2" charset="0"/>
-            </a:endParaRPr>
           </a:p>
           <a:p>
             <a:pPr algn="ctr"/>
@@ -10570,7 +10554,7 @@
                 <a:ea typeface="CMU Serif Roman" panose="02000603000000000000" pitchFamily="2" charset="0"/>
                 <a:cs typeface="CMU Serif Roman" panose="02000603000000000000" pitchFamily="2" charset="0"/>
               </a:rPr>
-              <a:t>with a new latest value </a:t>
+              <a:t>with a new latest value</a:t>
             </a:r>
             <a:endParaRPr lang="en-GB" sz="1100" dirty="0">
               <a:latin typeface="CMU Serif Roman" panose="02000603000000000000" pitchFamily="2" charset="0"/>
@@ -10626,7 +10610,7 @@
                 <a:ea typeface="CMU Concrete Roman" panose="02000603000000000000" pitchFamily="2" charset="0"/>
                 <a:cs typeface="CMU Concrete Roman" panose="02000603000000000000" pitchFamily="2" charset="0"/>
               </a:rPr>
-              <a:t>m</a:t>
+              <a:t>k=AWS</a:t>
             </a:r>
             <a:r>
               <a:rPr lang="en-GB" sz="1100" noProof="1">
@@ -10634,7 +10618,7 @@
                 <a:ea typeface="CMU Serif Roman" panose="02000603000000000000" pitchFamily="2" charset="0"/>
                 <a:cs typeface="CMU Serif Roman" panose="02000603000000000000" pitchFamily="2" charset="0"/>
               </a:rPr>
-              <a:t> valid values </a:t>
+              <a:t> valid values</a:t>
             </a:r>
             <a:endParaRPr lang="en-GB" sz="1100" dirty="0">
               <a:latin typeface="CMU Serif Roman" panose="02000603000000000000" pitchFamily="2" charset="0"/>
@@ -11568,21 +11552,8 @@
                 <a:ea typeface="CMU Serif Roman" panose="02000603000000000000" pitchFamily="2" charset="0"/>
                 <a:cs typeface="CMU Serif Roman" panose="02000603000000000000" pitchFamily="2" charset="0"/>
               </a:rPr>
-              <a:t>Instance </a:t>
-            </a:r>
-            <a:r>
-              <a:rPr lang="en-GB" sz="1100" dirty="0">
-                <a:latin typeface="CMU Serif Roman" panose="02000603000000000000" pitchFamily="2" charset="0"/>
-                <a:ea typeface="CMU Serif Roman" panose="02000603000000000000" pitchFamily="2" charset="0"/>
-                <a:cs typeface="CMU Serif Roman" panose="02000603000000000000" pitchFamily="2" charset="0"/>
-              </a:rPr>
-              <a:t>QoS current value</a:t>
-            </a:r>
-            <a:endParaRPr lang="en-GB" sz="1100" dirty="0">
-              <a:latin typeface="CMU Serif Roman" panose="02000603000000000000" pitchFamily="2" charset="0"/>
-              <a:ea typeface="CMU Serif Roman" panose="02000603000000000000" pitchFamily="2" charset="0"/>
-              <a:cs typeface="CMU Serif Roman" panose="02000603000000000000" pitchFamily="2" charset="0"/>
-            </a:endParaRPr>
+              <a:t>Instance QoS current value</a:t>
+            </a:r>
           </a:p>
         </p:txBody>
       </p:sp>
@@ -11621,7 +11592,7 @@
                 <a:ea typeface="CMU Serif Roman" panose="02000603000000000000" pitchFamily="2" charset="0"/>
                 <a:cs typeface="CMU Serif Roman" panose="02000603000000000000" pitchFamily="2" charset="0"/>
               </a:rPr>
-              <a:t>∀ instance of the services </a:t>
+              <a:t>∀ instance of the services</a:t>
             </a:r>
           </a:p>
           <a:p>
@@ -11829,8 +11800,8 @@
         </p:nvSpPr>
         <p:spPr>
           <a:xfrm>
-            <a:off x="5179450" y="5095504"/>
-            <a:ext cx="1283747" cy="261610"/>
+            <a:off x="5070109" y="5114069"/>
+            <a:ext cx="1512000" cy="261610"/>
           </a:xfrm>
           <a:prstGeom prst="rect">
             <a:avLst/>
@@ -11850,7 +11821,7 @@
                 <a:ea typeface="CMU Concrete Roman" panose="02000603000000000000" pitchFamily="2" charset="0"/>
                 <a:cs typeface="CMU Concrete Roman" panose="02000603000000000000" pitchFamily="2" charset="0"/>
               </a:rPr>
-              <a:t>m</a:t>
+              <a:t>m ≤ k</a:t>
             </a:r>
             <a:r>
               <a:rPr lang="en-GB" sz="1100" dirty="0">
@@ -11858,15 +11829,7 @@
                 <a:ea typeface="CMU Serif Roman" panose="02000603000000000000" pitchFamily="2" charset="0"/>
                 <a:cs typeface="CMU Serif Roman" panose="02000603000000000000" pitchFamily="2" charset="0"/>
               </a:rPr>
-              <a:t> Valid </a:t>
-            </a:r>
-            <a:r>
-              <a:rPr lang="en-GB" sz="1100" dirty="0">
-                <a:latin typeface="CMU Serif Roman" panose="02000603000000000000" pitchFamily="2" charset="0"/>
-                <a:ea typeface="CMU Serif Roman" panose="02000603000000000000" pitchFamily="2" charset="0"/>
-                <a:cs typeface="CMU Serif Roman" panose="02000603000000000000" pitchFamily="2" charset="0"/>
-              </a:rPr>
-              <a:t>Values</a:t>
+              <a:t> Valid Values</a:t>
             </a:r>
           </a:p>
         </p:txBody>

--- a/documents/Managing System/MetricsAndQoS/MetricsAndQoS.pptx
+++ b/documents/Managing System/MetricsAndQoS/MetricsAndQoS.pptx
@@ -6646,7 +6646,7 @@
           <p:nvPr>
             <p:extLst>
               <p:ext uri="{D42A27DB-BD31-4B8C-83A1-F6EECF244321}">
-                <p14:modId xmlns:p14="http://schemas.microsoft.com/office/powerpoint/2010/main" val="2118006278"/>
+                <p14:modId xmlns:p14="http://schemas.microsoft.com/office/powerpoint/2010/main" val="2356061600"/>
               </p:ext>
             </p:extLst>
           </p:nvPr>
@@ -6676,7 +6676,7 @@
         <p:spPr>
           <a:xfrm>
             <a:off x="3344278" y="1493222"/>
-            <a:ext cx="1019503" cy="430887"/>
+            <a:ext cx="1019503" cy="461665"/>
           </a:xfrm>
           <a:prstGeom prst="rect">
             <a:avLst/>
@@ -6691,7 +6691,7 @@
           <a:p>
             <a:pPr algn="ctr"/>
             <a:r>
-              <a:rPr lang="en-GB" sz="1100" noProof="1">
+              <a:rPr lang="en-GB" sz="1200" noProof="1">
                 <a:latin typeface="CMU Serif Roman" panose="02000603000000000000" pitchFamily="2" charset="0"/>
                 <a:ea typeface="CMU Serif Roman" panose="02000603000000000000" pitchFamily="2" charset="0"/>
                 <a:cs typeface="CMU Serif Roman" panose="02000603000000000000" pitchFamily="2" charset="0"/>
@@ -6757,7 +6757,7 @@
         <p:spPr>
           <a:xfrm>
             <a:off x="5398533" y="908781"/>
-            <a:ext cx="1394934" cy="261610"/>
+            <a:ext cx="1511952" cy="276999"/>
           </a:xfrm>
           <a:prstGeom prst="rect">
             <a:avLst/>
@@ -6771,7 +6771,7 @@
           <a:lstStyle/>
           <a:p>
             <a:r>
-              <a:rPr lang="en-GB" sz="1100" noProof="1">
+              <a:rPr lang="en-GB" sz="1200" noProof="1">
                 <a:latin typeface="CMU Serif Roman" panose="02000603000000000000" pitchFamily="2" charset="0"/>
                 <a:ea typeface="CMU Serif Roman" panose="02000603000000000000" pitchFamily="2" charset="0"/>
                 <a:cs typeface="CMU Serif Roman" panose="02000603000000000000" pitchFamily="2" charset="0"/>
@@ -6831,7 +6831,7 @@
           <a:lstStyle/>
           <a:p>
             <a:pPr algn="ctr"/>
-            <a:endParaRPr lang="en-GB" noProof="1">
+            <a:endParaRPr lang="en-GB" sz="1200" noProof="1">
               <a:latin typeface="CMU Serif Roman" panose="02000603000000000000" pitchFamily="2" charset="0"/>
               <a:ea typeface="CMU Serif Roman" panose="02000603000000000000" pitchFamily="2" charset="0"/>
               <a:cs typeface="CMU Serif Roman" panose="02000603000000000000" pitchFamily="2" charset="0"/>
@@ -6853,8 +6853,8 @@
         </p:nvSpPr>
         <p:spPr>
           <a:xfrm>
-            <a:off x="7746966" y="1870071"/>
-            <a:ext cx="1418884" cy="430887"/>
+            <a:off x="7658517" y="1846608"/>
+            <a:ext cx="1543820" cy="461665"/>
           </a:xfrm>
           <a:prstGeom prst="rect">
             <a:avLst/>
@@ -6869,7 +6869,7 @@
           <a:p>
             <a:pPr algn="ctr"/>
             <a:r>
-              <a:rPr lang="en-GB" sz="1100" noProof="1">
+              <a:rPr lang="en-GB" sz="1200" noProof="1">
                 <a:latin typeface="CMU Serif Roman" panose="02000603000000000000" pitchFamily="2" charset="0"/>
                 <a:ea typeface="CMU Serif Roman" panose="02000603000000000000" pitchFamily="2" charset="0"/>
                 <a:cs typeface="CMU Serif Roman" panose="02000603000000000000" pitchFamily="2" charset="0"/>
@@ -6929,7 +6929,7 @@
           <a:lstStyle/>
           <a:p>
             <a:pPr algn="ctr"/>
-            <a:endParaRPr lang="en-GB" noProof="1">
+            <a:endParaRPr lang="en-GB" sz="1200" noProof="1">
               <a:latin typeface="CMU Serif Roman" panose="02000603000000000000" pitchFamily="2" charset="0"/>
               <a:ea typeface="CMU Serif Roman" panose="02000603000000000000" pitchFamily="2" charset="0"/>
               <a:cs typeface="CMU Serif Roman" panose="02000603000000000000" pitchFamily="2" charset="0"/>
@@ -6987,7 +6987,7 @@
           <a:lstStyle/>
           <a:p>
             <a:pPr algn="ctr"/>
-            <a:endParaRPr lang="en-GB" noProof="1">
+            <a:endParaRPr lang="en-GB" sz="1200" noProof="1">
               <a:latin typeface="CMU Serif Roman" panose="02000603000000000000" pitchFamily="2" charset="0"/>
               <a:ea typeface="CMU Serif Roman" panose="02000603000000000000" pitchFamily="2" charset="0"/>
               <a:cs typeface="CMU Serif Roman" panose="02000603000000000000" pitchFamily="2" charset="0"/>
@@ -7084,7 +7084,7 @@
           <a:lstStyle/>
           <a:p>
             <a:pPr algn="ctr"/>
-            <a:endParaRPr lang="en-GB" noProof="1">
+            <a:endParaRPr lang="en-GB" sz="1200" noProof="1">
               <a:latin typeface="CMU Serif Roman" panose="02000603000000000000" pitchFamily="2" charset="0"/>
               <a:ea typeface="CMU Serif Roman" panose="02000603000000000000" pitchFamily="2" charset="0"/>
               <a:cs typeface="CMU Serif Roman" panose="02000603000000000000" pitchFamily="2" charset="0"/>
@@ -7132,7 +7132,7 @@
           <a:lstStyle/>
           <a:p>
             <a:pPr algn="ctr"/>
-            <a:endParaRPr lang="en-GB" noProof="1">
+            <a:endParaRPr lang="en-GB" sz="1200" noProof="1">
               <a:latin typeface="CMU Serif Roman" panose="02000603000000000000" pitchFamily="2" charset="0"/>
               <a:ea typeface="CMU Serif Roman" panose="02000603000000000000" pitchFamily="2" charset="0"/>
               <a:cs typeface="CMU Serif Roman" panose="02000603000000000000" pitchFamily="2" charset="0"/>
@@ -7154,8 +7154,8 @@
         </p:nvSpPr>
         <p:spPr>
           <a:xfrm>
-            <a:off x="3118563" y="3220547"/>
-            <a:ext cx="2468669" cy="600164"/>
+            <a:off x="3010560" y="3213903"/>
+            <a:ext cx="2684996" cy="646331"/>
           </a:xfrm>
           <a:prstGeom prst="rect">
             <a:avLst/>
@@ -7170,7 +7170,7 @@
           <a:p>
             <a:pPr algn="ctr"/>
             <a:r>
-              <a:rPr lang="en-GB" sz="1100" noProof="1">
+              <a:rPr lang="en-GB" sz="1200" noProof="1">
                 <a:latin typeface="CMU Concrete" panose="02000603000000000000" pitchFamily="2" charset="0"/>
                 <a:ea typeface="CMU Concrete" panose="02000603000000000000" pitchFamily="2" charset="0"/>
                 <a:cs typeface="CMU Concrete" panose="02000603000000000000" pitchFamily="2" charset="0"/>
@@ -7178,7 +7178,7 @@
               <a:t>n=MWS</a:t>
             </a:r>
             <a:r>
-              <a:rPr lang="en-GB" sz="1100" noProof="1">
+              <a:rPr lang="en-GB" sz="1200" noProof="1">
                 <a:latin typeface="CMU Serif Roman" panose="02000603000000000000" pitchFamily="2" charset="0"/>
                 <a:ea typeface="CMU Serif Roman" panose="02000603000000000000" pitchFamily="2" charset="0"/>
                 <a:cs typeface="CMU Serif Roman" panose="02000603000000000000" pitchFamily="2" charset="0"/>
@@ -7189,7 +7189,7 @@
           <a:p>
             <a:pPr algn="ctr"/>
             <a:r>
-              <a:rPr lang="en-GB" sz="1100" noProof="1">
+              <a:rPr lang="en-GB" sz="1200" noProof="1">
                 <a:latin typeface="CMU Serif Roman" panose="02000603000000000000" pitchFamily="2" charset="0"/>
                 <a:ea typeface="CMU Serif Roman" panose="02000603000000000000" pitchFamily="2" charset="0"/>
                 <a:cs typeface="CMU Serif Roman" panose="02000603000000000000" pitchFamily="2" charset="0"/>
@@ -7197,7 +7197,7 @@
               <a:t>m</a:t>
             </a:r>
             <a:r>
-              <a:rPr lang="en-GB" sz="1100" baseline="-25000" noProof="1">
+              <a:rPr lang="en-GB" sz="1200" baseline="-25000" noProof="1">
                 <a:latin typeface="CMU Serif Roman" panose="02000603000000000000" pitchFamily="2" charset="0"/>
                 <a:ea typeface="CMU Serif Roman" panose="02000603000000000000" pitchFamily="2" charset="0"/>
                 <a:cs typeface="CMU Serif Roman" panose="02000603000000000000" pitchFamily="2" charset="0"/>
@@ -7205,7 +7205,7 @@
               <a:t>i</a:t>
             </a:r>
             <a:r>
-              <a:rPr lang="en-GB" sz="1100" noProof="1">
+              <a:rPr lang="en-GB" sz="1200" noProof="1">
                 <a:latin typeface="CMU Serif Roman" panose="02000603000000000000" pitchFamily="2" charset="0"/>
                 <a:ea typeface="CMU Serif Roman" panose="02000603000000000000" pitchFamily="2" charset="0"/>
                 <a:cs typeface="CMU Serif Roman" panose="02000603000000000000" pitchFamily="2" charset="0"/>
@@ -7213,7 +7213,7 @@
               <a:t> ≠ m</a:t>
             </a:r>
             <a:r>
-              <a:rPr lang="en-GB" sz="1100" baseline="-25000" noProof="1">
+              <a:rPr lang="en-GB" sz="1200" baseline="-25000" noProof="1">
                 <a:latin typeface="CMU Serif Roman" panose="02000603000000000000" pitchFamily="2" charset="0"/>
                 <a:ea typeface="CMU Serif Roman" panose="02000603000000000000" pitchFamily="2" charset="0"/>
                 <a:cs typeface="CMU Serif Roman" panose="02000603000000000000" pitchFamily="2" charset="0"/>
@@ -7221,7 +7221,7 @@
               <a:t>j</a:t>
             </a:r>
             <a:r>
-              <a:rPr lang="en-GB" sz="1100" noProof="1">
+              <a:rPr lang="en-GB" sz="1200" noProof="1">
                 <a:latin typeface="CMU Serif Roman" panose="02000603000000000000" pitchFamily="2" charset="0"/>
                 <a:ea typeface="CMU Serif Roman" panose="02000603000000000000" pitchFamily="2" charset="0"/>
                 <a:cs typeface="CMU Serif Roman" panose="02000603000000000000" pitchFamily="2" charset="0"/>
@@ -7232,7 +7232,7 @@
           <a:p>
             <a:pPr algn="ctr"/>
             <a:r>
-              <a:rPr lang="en-GB" sz="1100" noProof="1">
+              <a:rPr lang="en-GB" sz="1200" noProof="1">
                 <a:latin typeface="CMU Serif Roman" panose="02000603000000000000" pitchFamily="2" charset="0"/>
                 <a:ea typeface="CMU Serif Roman" panose="02000603000000000000" pitchFamily="2" charset="0"/>
                 <a:cs typeface="CMU Serif Roman" panose="02000603000000000000" pitchFamily="2" charset="0"/>
@@ -7240,7 +7240,7 @@
               <a:t>m</a:t>
             </a:r>
             <a:r>
-              <a:rPr lang="en-GB" sz="1100" baseline="-25000" noProof="1">
+              <a:rPr lang="en-GB" sz="1200" baseline="-25000" noProof="1">
                 <a:latin typeface="CMU Serif Roman" panose="02000603000000000000" pitchFamily="2" charset="0"/>
                 <a:ea typeface="CMU Serif Roman" panose="02000603000000000000" pitchFamily="2" charset="0"/>
                 <a:cs typeface="CMU Serif Roman" panose="02000603000000000000" pitchFamily="2" charset="0"/>
@@ -7248,7 +7248,7 @@
               <a:t>i  </a:t>
             </a:r>
             <a:r>
-              <a:rPr lang="en-GB" sz="1100" noProof="1">
+              <a:rPr lang="en-GB" sz="1200" noProof="1">
                 <a:latin typeface="CMU Serif Roman" panose="02000603000000000000" pitchFamily="2" charset="0"/>
                 <a:ea typeface="CMU Serif Roman" panose="02000603000000000000" pitchFamily="2" charset="0"/>
                 <a:cs typeface="CMU Serif Roman" panose="02000603000000000000" pitchFamily="2" charset="0"/>
@@ -7274,7 +7274,7 @@
         </p:nvCxnSpPr>
         <p:spPr>
           <a:xfrm>
-            <a:off x="5529635" y="2806761"/>
+            <a:off x="5601196" y="2806761"/>
             <a:ext cx="2468670" cy="0"/>
           </a:xfrm>
           <a:prstGeom prst="straightConnector1">
@@ -7314,7 +7314,7 @@
         <p:spPr>
           <a:xfrm>
             <a:off x="5674601" y="2545151"/>
-            <a:ext cx="2125903" cy="261610"/>
+            <a:ext cx="2311851" cy="276999"/>
           </a:xfrm>
           <a:prstGeom prst="rect">
             <a:avLst/>
@@ -7328,7 +7328,7 @@
           <a:lstStyle/>
           <a:p>
             <a:r>
-              <a:rPr lang="en-GB" sz="1100" noProof="1">
+              <a:rPr lang="en-GB" sz="1200" noProof="1">
                 <a:latin typeface="CMU Serif Roman" panose="02000603000000000000" pitchFamily="2" charset="0"/>
                 <a:ea typeface="CMU Serif Roman" panose="02000603000000000000" pitchFamily="2" charset="0"/>
                 <a:cs typeface="CMU Serif Roman" panose="02000603000000000000" pitchFamily="2" charset="0"/>
@@ -7388,7 +7388,7 @@
           <a:lstStyle/>
           <a:p>
             <a:pPr algn="ctr"/>
-            <a:endParaRPr lang="en-GB" noProof="1">
+            <a:endParaRPr lang="en-GB" sz="1200" noProof="1">
               <a:latin typeface="CMU Serif Roman" panose="02000603000000000000" pitchFamily="2" charset="0"/>
               <a:ea typeface="CMU Serif Roman" panose="02000603000000000000" pitchFamily="2" charset="0"/>
               <a:cs typeface="CMU Serif Roman" panose="02000603000000000000" pitchFamily="2" charset="0"/>
@@ -7411,7 +7411,7 @@
         <p:spPr>
           <a:xfrm>
             <a:off x="3429959" y="2322978"/>
-            <a:ext cx="348172" cy="261610"/>
+            <a:ext cx="364202" cy="276999"/>
           </a:xfrm>
           <a:prstGeom prst="rect">
             <a:avLst/>
@@ -7425,7 +7425,7 @@
           <a:lstStyle/>
           <a:p>
             <a:r>
-              <a:rPr lang="it-IT" sz="1100" noProof="1">
+              <a:rPr lang="it-IT" sz="1200" noProof="1">
                 <a:latin typeface="CMU Serif Roman" panose="02000603000000000000" pitchFamily="2" charset="0"/>
                 <a:ea typeface="CMU Serif Roman" panose="02000603000000000000" pitchFamily="2" charset="0"/>
                 <a:cs typeface="CMU Serif Roman" panose="02000603000000000000" pitchFamily="2" charset="0"/>
@@ -7433,14 +7433,14 @@
               <a:t>m</a:t>
             </a:r>
             <a:r>
-              <a:rPr lang="it-IT" sz="1100" baseline="-25000" noProof="1">
+              <a:rPr lang="it-IT" sz="1200" baseline="-25000" noProof="1">
                 <a:latin typeface="CMU Serif Roman" panose="02000603000000000000" pitchFamily="2" charset="0"/>
                 <a:ea typeface="CMU Serif Roman" panose="02000603000000000000" pitchFamily="2" charset="0"/>
                 <a:cs typeface="CMU Serif Roman" panose="02000603000000000000" pitchFamily="2" charset="0"/>
               </a:rPr>
               <a:t>1</a:t>
             </a:r>
-            <a:endParaRPr lang="en-GB" sz="1100" baseline="-25000" noProof="1">
+            <a:endParaRPr lang="en-GB" sz="1200" baseline="-25000" noProof="1">
               <a:latin typeface="CMU Serif Roman" panose="02000603000000000000" pitchFamily="2" charset="0"/>
               <a:ea typeface="CMU Serif Roman" panose="02000603000000000000" pitchFamily="2" charset="0"/>
               <a:cs typeface="CMU Serif Roman" panose="02000603000000000000" pitchFamily="2" charset="0"/>
@@ -7463,7 +7463,7 @@
         <p:spPr>
           <a:xfrm>
             <a:off x="7938256" y="3161399"/>
-            <a:ext cx="1152633" cy="261610"/>
+            <a:ext cx="1152633" cy="276999"/>
           </a:xfrm>
           <a:prstGeom prst="rect">
             <a:avLst/>
@@ -7478,7 +7478,7 @@
           <a:p>
             <a:pPr algn="ctr"/>
             <a:r>
-              <a:rPr lang="en-GB" sz="1100" noProof="1">
+              <a:rPr lang="en-GB" sz="1200" noProof="1">
                 <a:latin typeface="CMU Serif Roman" panose="02000603000000000000" pitchFamily="2" charset="0"/>
                 <a:ea typeface="CMU Serif Roman" panose="02000603000000000000" pitchFamily="2" charset="0"/>
                 <a:cs typeface="CMU Serif Roman" panose="02000603000000000000" pitchFamily="2" charset="0"/>
@@ -7543,7 +7543,7 @@
           <a:lstStyle/>
           <a:p>
             <a:pPr algn="ctr"/>
-            <a:endParaRPr lang="en-GB" noProof="1">
+            <a:endParaRPr lang="en-GB" sz="1200" noProof="1">
               <a:latin typeface="CMU Serif Roman" panose="02000603000000000000" pitchFamily="2" charset="0"/>
               <a:ea typeface="CMU Serif Roman" panose="02000603000000000000" pitchFamily="2" charset="0"/>
               <a:cs typeface="CMU Serif Roman" panose="02000603000000000000" pitchFamily="2" charset="0"/>
@@ -7606,7 +7606,7 @@
           <a:lstStyle/>
           <a:p>
             <a:pPr algn="ctr"/>
-            <a:endParaRPr lang="en-GB" noProof="1">
+            <a:endParaRPr lang="en-GB" sz="1200" noProof="1">
               <a:latin typeface="CMU Serif Roman" panose="02000603000000000000" pitchFamily="2" charset="0"/>
               <a:ea typeface="CMU Serif Roman" panose="02000603000000000000" pitchFamily="2" charset="0"/>
               <a:cs typeface="CMU Serif Roman" panose="02000603000000000000" pitchFamily="2" charset="0"/>
@@ -7708,7 +7708,7 @@
           <a:lstStyle/>
           <a:p>
             <a:pPr algn="ctr"/>
-            <a:endParaRPr lang="en-GB" noProof="1">
+            <a:endParaRPr lang="en-GB" sz="1200" noProof="1">
               <a:latin typeface="CMU Serif Roman" panose="02000603000000000000" pitchFamily="2" charset="0"/>
               <a:ea typeface="CMU Serif Roman" panose="02000603000000000000" pitchFamily="2" charset="0"/>
               <a:cs typeface="CMU Serif Roman" panose="02000603000000000000" pitchFamily="2" charset="0"/>
@@ -7771,7 +7771,7 @@
           <a:lstStyle/>
           <a:p>
             <a:pPr algn="ctr"/>
-            <a:endParaRPr lang="en-GB" noProof="1">
+            <a:endParaRPr lang="en-GB" sz="1200" noProof="1">
               <a:latin typeface="CMU Serif Roman" panose="02000603000000000000" pitchFamily="2" charset="0"/>
               <a:ea typeface="CMU Serif Roman" panose="02000603000000000000" pitchFamily="2" charset="0"/>
               <a:cs typeface="CMU Serif Roman" panose="02000603000000000000" pitchFamily="2" charset="0"/>
@@ -7834,7 +7834,7 @@
           <a:lstStyle/>
           <a:p>
             <a:pPr algn="ctr"/>
-            <a:endParaRPr lang="en-GB" noProof="1">
+            <a:endParaRPr lang="en-GB" sz="1200" noProof="1">
               <a:latin typeface="CMU Serif Roman" panose="02000603000000000000" pitchFamily="2" charset="0"/>
               <a:ea typeface="CMU Serif Roman" panose="02000603000000000000" pitchFamily="2" charset="0"/>
               <a:cs typeface="CMU Serif Roman" panose="02000603000000000000" pitchFamily="2" charset="0"/>
@@ -7936,7 +7936,7 @@
           <a:lstStyle/>
           <a:p>
             <a:pPr algn="ctr"/>
-            <a:endParaRPr lang="en-GB" noProof="1">
+            <a:endParaRPr lang="en-GB" sz="1200" noProof="1">
               <a:latin typeface="CMU Serif Roman" panose="02000603000000000000" pitchFamily="2" charset="0"/>
               <a:ea typeface="CMU Serif Roman" panose="02000603000000000000" pitchFamily="2" charset="0"/>
               <a:cs typeface="CMU Serif Roman" panose="02000603000000000000" pitchFamily="2" charset="0"/>
@@ -8043,7 +8043,7 @@
           <a:lstStyle/>
           <a:p>
             <a:pPr algn="ctr"/>
-            <a:endParaRPr lang="en-GB" noProof="1">
+            <a:endParaRPr lang="en-GB" sz="1200" noProof="1">
               <a:latin typeface="CMU Serif Roman" panose="02000603000000000000" pitchFamily="2" charset="0"/>
               <a:ea typeface="CMU Serif Roman" panose="02000603000000000000" pitchFamily="2" charset="0"/>
               <a:cs typeface="CMU Serif Roman" panose="02000603000000000000" pitchFamily="2" charset="0"/>
@@ -8066,7 +8066,7 @@
         <p:spPr>
           <a:xfrm>
             <a:off x="8456408" y="4154376"/>
-            <a:ext cx="886781" cy="261610"/>
+            <a:ext cx="955711" cy="276999"/>
           </a:xfrm>
           <a:prstGeom prst="rect">
             <a:avLst/>
@@ -8080,7 +8080,7 @@
           <a:lstStyle/>
           <a:p>
             <a:r>
-              <a:rPr lang="en-GB" sz="1100" noProof="1">
+              <a:rPr lang="en-GB" sz="1200" noProof="1">
                 <a:latin typeface="CMU Serif Roman" panose="02000603000000000000" pitchFamily="2" charset="0"/>
                 <a:ea typeface="CMU Serif Roman" panose="02000603000000000000" pitchFamily="2" charset="0"/>
                 <a:cs typeface="CMU Serif Roman" panose="02000603000000000000" pitchFamily="2" charset="0"/>
@@ -8145,7 +8145,7 @@
           <a:lstStyle/>
           <a:p>
             <a:pPr algn="ctr"/>
-            <a:endParaRPr lang="en-GB" noProof="1">
+            <a:endParaRPr lang="en-GB" sz="1200" noProof="1">
               <a:latin typeface="CMU Serif Roman" panose="02000603000000000000" pitchFamily="2" charset="0"/>
               <a:ea typeface="CMU Serif Roman" panose="02000603000000000000" pitchFamily="2" charset="0"/>
               <a:cs typeface="CMU Serif Roman" panose="02000603000000000000" pitchFamily="2" charset="0"/>
@@ -8168,7 +8168,7 @@
         <p:spPr>
           <a:xfrm>
             <a:off x="8456408" y="4749870"/>
-            <a:ext cx="984565" cy="261610"/>
+            <a:ext cx="1063112" cy="276999"/>
           </a:xfrm>
           <a:prstGeom prst="rect">
             <a:avLst/>
@@ -8182,7 +8182,7 @@
           <a:lstStyle/>
           <a:p>
             <a:r>
-              <a:rPr lang="en-GB" sz="1100" noProof="1">
+              <a:rPr lang="en-GB" sz="1200" noProof="1">
                 <a:latin typeface="CMU Serif Roman" panose="02000603000000000000" pitchFamily="2" charset="0"/>
                 <a:ea typeface="CMU Serif Roman" panose="02000603000000000000" pitchFamily="2" charset="0"/>
                 <a:cs typeface="CMU Serif Roman" panose="02000603000000000000" pitchFamily="2" charset="0"/>
@@ -8206,8 +8206,8 @@
         </p:nvSpPr>
         <p:spPr>
           <a:xfrm>
-            <a:off x="3184363" y="4695626"/>
-            <a:ext cx="849913" cy="261610"/>
+            <a:off x="3150700" y="4695626"/>
+            <a:ext cx="917239" cy="276999"/>
           </a:xfrm>
           <a:prstGeom prst="rect">
             <a:avLst/>
@@ -8222,7 +8222,7 @@
           <a:p>
             <a:pPr algn="ctr"/>
             <a:r>
-              <a:rPr lang="en-GB" sz="1100" noProof="1">
+              <a:rPr lang="en-GB" sz="1200" noProof="1">
                 <a:latin typeface="CMU Serif Roman" panose="02000603000000000000" pitchFamily="2" charset="0"/>
                 <a:ea typeface="CMU Serif Roman" panose="02000603000000000000" pitchFamily="2" charset="0"/>
                 <a:cs typeface="CMU Serif Roman" panose="02000603000000000000" pitchFamily="2" charset="0"/>
@@ -8246,8 +8246,8 @@
         </p:nvSpPr>
         <p:spPr>
           <a:xfrm>
-            <a:off x="6644679" y="4695626"/>
-            <a:ext cx="941283" cy="261610"/>
+            <a:off x="6608611" y="4695626"/>
+            <a:ext cx="1013419" cy="276999"/>
           </a:xfrm>
           <a:prstGeom prst="rect">
             <a:avLst/>
@@ -8262,7 +8262,7 @@
           <a:p>
             <a:pPr algn="ctr"/>
             <a:r>
-              <a:rPr lang="en-GB" sz="1100" noProof="1">
+              <a:rPr lang="en-GB" sz="1200" noProof="1">
                 <a:latin typeface="CMU Serif Roman" panose="02000603000000000000" pitchFamily="2" charset="0"/>
                 <a:ea typeface="CMU Serif Roman" panose="02000603000000000000" pitchFamily="2" charset="0"/>
                 <a:cs typeface="CMU Serif Roman" panose="02000603000000000000" pitchFamily="2" charset="0"/>
@@ -8312,7 +8312,7 @@
           <a:lstStyle/>
           <a:p>
             <a:pPr algn="ctr"/>
-            <a:endParaRPr lang="en-GB" noProof="1">
+            <a:endParaRPr lang="en-GB" sz="1200" noProof="1">
               <a:latin typeface="CMU Serif Roman" panose="02000603000000000000" pitchFamily="2" charset="0"/>
               <a:ea typeface="CMU Serif Roman" panose="02000603000000000000" pitchFamily="2" charset="0"/>
               <a:cs typeface="CMU Serif Roman" panose="02000603000000000000" pitchFamily="2" charset="0"/>
@@ -8335,7 +8335,7 @@
         <p:spPr>
           <a:xfrm>
             <a:off x="5329557" y="5004810"/>
-            <a:ext cx="942887" cy="261610"/>
+            <a:ext cx="1016625" cy="276999"/>
           </a:xfrm>
           <a:prstGeom prst="rect">
             <a:avLst/>
@@ -8349,7 +8349,7 @@
           <a:lstStyle/>
           <a:p>
             <a:r>
-              <a:rPr lang="en-GB" sz="1100" noProof="1">
+              <a:rPr lang="en-GB" sz="1200" noProof="1">
                 <a:latin typeface="CMU Serif Roman" panose="02000603000000000000" pitchFamily="2" charset="0"/>
                 <a:ea typeface="CMU Serif Roman" panose="02000603000000000000" pitchFamily="2" charset="0"/>
                 <a:cs typeface="CMU Serif Roman" panose="02000603000000000000" pitchFamily="2" charset="0"/>
@@ -8461,7 +8461,7 @@
         <p:spPr>
           <a:xfrm>
             <a:off x="4324314" y="5334091"/>
-            <a:ext cx="2083055" cy="261610"/>
+            <a:ext cx="2083055" cy="276999"/>
           </a:xfrm>
           <a:prstGeom prst="rect">
             <a:avLst/>
@@ -8476,7 +8476,7 @@
           <a:p>
             <a:pPr algn="ctr"/>
             <a:r>
-              <a:rPr lang="en-GB" sz="1100" noProof="1">
+              <a:rPr lang="en-GB" sz="1200" noProof="1">
                 <a:latin typeface="CMU Serif Roman" panose="02000603000000000000" pitchFamily="2" charset="0"/>
                 <a:ea typeface="CMU Serif Roman" panose="02000603000000000000" pitchFamily="2" charset="0"/>
                 <a:cs typeface="CMU Serif Roman" panose="02000603000000000000" pitchFamily="2" charset="0"/>
@@ -8500,8 +8500,8 @@
         </p:nvSpPr>
         <p:spPr>
           <a:xfrm>
-            <a:off x="1562135" y="2620549"/>
-            <a:ext cx="1534394" cy="430887"/>
+            <a:off x="2097074" y="2689152"/>
+            <a:ext cx="974947" cy="276999"/>
           </a:xfrm>
           <a:prstGeom prst="rect">
             <a:avLst/>
@@ -8516,7 +8516,7 @@
           <a:p>
             <a:pPr algn="r"/>
             <a:r>
-              <a:rPr lang="en-GB" sz="1100" noProof="1">
+              <a:rPr lang="en-GB" sz="1200" noProof="1">
                 <a:latin typeface="CMU Serif Roman" panose="02000603000000000000" pitchFamily="2" charset="0"/>
                 <a:ea typeface="CMU Serif Roman" panose="02000603000000000000" pitchFamily="2" charset="0"/>
                 <a:cs typeface="CMU Serif Roman" panose="02000603000000000000" pitchFamily="2" charset="0"/>
@@ -8524,65 +8524,80 @@
               <a:t>∀ instance </a:t>
             </a:r>
             <a:r>
-              <a:rPr lang="en-GB" sz="1100" noProof="1">
+              <a:rPr lang="en-GB" sz="1200" noProof="1">
                 <a:latin typeface="CMU Concrete" panose="02000603000000000000" pitchFamily="2" charset="0"/>
                 <a:ea typeface="CMU Concrete" panose="02000603000000000000" pitchFamily="2" charset="0"/>
                 <a:cs typeface="CMU Concrete" panose="02000603000000000000" pitchFamily="2" charset="0"/>
               </a:rPr>
               <a:t>i</a:t>
             </a:r>
-            <a:r>
-              <a:rPr lang="en-GB" sz="1100" i="1" noProof="1">
-                <a:latin typeface="CMU SERIF ROMAN" panose="02000603000000000000" pitchFamily="2" charset="0"/>
-                <a:ea typeface="CMU SERIF ROMAN" panose="02000603000000000000" pitchFamily="2" charset="0"/>
-                <a:cs typeface="CMU SERIF ROMAN" panose="02000603000000000000" pitchFamily="2" charset="0"/>
-              </a:rPr>
-              <a:t> </a:t>
-            </a:r>
-            <a:r>
-              <a:rPr lang="en-GB" sz="1100" noProof="1">
+            <a:endParaRPr lang="en-GB" sz="1200" noProof="1">
+              <a:latin typeface="CMU Serif Roman" panose="02000603000000000000" pitchFamily="2" charset="0"/>
+              <a:ea typeface="CMU Serif Roman" panose="02000603000000000000" pitchFamily="2" charset="0"/>
+              <a:cs typeface="CMU Serif Roman" panose="02000603000000000000" pitchFamily="2" charset="0"/>
+            </a:endParaRPr>
+          </a:p>
+        </p:txBody>
+      </p:sp>
+      <p:sp>
+        <p:nvSpPr>
+          <p:cNvPr id="9" name="CasellaDiTesto 8">
+            <a:extLst>
+              <a:ext uri="{FF2B5EF4-FFF2-40B4-BE49-F238E27FC236}">
+                <a16:creationId xmlns:a16="http://schemas.microsoft.com/office/drawing/2014/main" id="{046DB53E-48F6-5765-5BD1-4A1DE29B65E2}"/>
+              </a:ext>
+            </a:extLst>
+          </p:cNvPr>
+          <p:cNvSpPr txBox="1"/>
+          <p:nvPr/>
+        </p:nvSpPr>
+        <p:spPr>
+          <a:xfrm>
+            <a:off x="2097074" y="4340421"/>
+            <a:ext cx="974947" cy="276999"/>
+          </a:xfrm>
+          <a:prstGeom prst="rect">
+            <a:avLst/>
+          </a:prstGeom>
+          <a:noFill/>
+        </p:spPr>
+        <p:txBody>
+          <a:bodyPr wrap="none" rtlCol="0">
+            <a:spAutoFit/>
+          </a:bodyPr>
+          <a:lstStyle/>
+          <a:p>
+            <a:pPr algn="r"/>
+            <a:r>
+              <a:rPr lang="en-GB" sz="1200" noProof="1">
                 <a:latin typeface="CMU Serif Roman" panose="02000603000000000000" pitchFamily="2" charset="0"/>
                 <a:ea typeface="CMU Serif Roman" panose="02000603000000000000" pitchFamily="2" charset="0"/>
                 <a:cs typeface="CMU Serif Roman" panose="02000603000000000000" pitchFamily="2" charset="0"/>
               </a:rPr>
-              <a:t>| </a:t>
-            </a:r>
-          </a:p>
-          <a:p>
-            <a:pPr algn="r"/>
-            <a:r>
-              <a:rPr lang="en-GB" sz="1100" noProof="1">
-                <a:latin typeface="CMU Serif Roman" panose="02000603000000000000" pitchFamily="2" charset="0"/>
-                <a:ea typeface="CMU Serif Roman" panose="02000603000000000000" pitchFamily="2" charset="0"/>
-                <a:cs typeface="CMU Serif Roman" panose="02000603000000000000" pitchFamily="2" charset="0"/>
-              </a:rPr>
-              <a:t> </a:t>
-            </a:r>
-            <a:r>
-              <a:rPr lang="en-GB" sz="1100" noProof="1">
+              <a:t>∀ instance </a:t>
+            </a:r>
+            <a:r>
+              <a:rPr lang="en-GB" sz="1200" noProof="1">
                 <a:latin typeface="CMU Concrete Roman" panose="02000603000000000000" pitchFamily="2" charset="0"/>
                 <a:ea typeface="CMU Concrete Roman" panose="02000603000000000000" pitchFamily="2" charset="0"/>
                 <a:cs typeface="CMU Concrete Roman" panose="02000603000000000000" pitchFamily="2" charset="0"/>
               </a:rPr>
               <a:t>i</a:t>
             </a:r>
-            <a:r>
-              <a:rPr lang="en-GB" sz="1100" noProof="1">
-                <a:latin typeface="CMU Serif Roman" panose="02000603000000000000" pitchFamily="2" charset="0"/>
-                <a:ea typeface="CMU Serif Roman" panose="02000603000000000000" pitchFamily="2" charset="0"/>
-                <a:cs typeface="CMU Serif Roman" panose="02000603000000000000" pitchFamily="2" charset="0"/>
-              </a:rPr>
-              <a:t>‘s status is ACTIVE</a:t>
-            </a:r>
-          </a:p>
-        </p:txBody>
-      </p:sp>
-      <p:sp>
-        <p:nvSpPr>
-          <p:cNvPr id="9" name="CasellaDiTesto 8">
-            <a:extLst>
-              <a:ext uri="{FF2B5EF4-FFF2-40B4-BE49-F238E27FC236}">
-                <a16:creationId xmlns:a16="http://schemas.microsoft.com/office/drawing/2014/main" id="{046DB53E-48F6-5765-5BD1-4A1DE29B65E2}"/>
+            <a:endParaRPr lang="en-GB" sz="1200" noProof="1">
+              <a:latin typeface="CMU Serif Roman" panose="02000603000000000000" pitchFamily="2" charset="0"/>
+              <a:ea typeface="CMU Serif Roman" panose="02000603000000000000" pitchFamily="2" charset="0"/>
+              <a:cs typeface="CMU Serif Roman" panose="02000603000000000000" pitchFamily="2" charset="0"/>
+            </a:endParaRPr>
+          </a:p>
+        </p:txBody>
+      </p:sp>
+      <p:sp>
+        <p:nvSpPr>
+          <p:cNvPr id="10" name="CasellaDiTesto 9">
+            <a:extLst>
+              <a:ext uri="{FF2B5EF4-FFF2-40B4-BE49-F238E27FC236}">
+                <a16:creationId xmlns:a16="http://schemas.microsoft.com/office/drawing/2014/main" id="{A2B50703-6CAB-6A91-711F-EE50527D8DCC}"/>
               </a:ext>
             </a:extLst>
           </p:cNvPr>
@@ -8591,8 +8606,8 @@
         </p:nvSpPr>
         <p:spPr>
           <a:xfrm>
-            <a:off x="1585378" y="4285181"/>
-            <a:ext cx="1487908" cy="430887"/>
+            <a:off x="4472097" y="2322978"/>
+            <a:ext cx="341760" cy="276999"/>
           </a:xfrm>
           <a:prstGeom prst="rect">
             <a:avLst/>
@@ -8605,91 +8620,8 @@
           </a:bodyPr>
           <a:lstStyle/>
           <a:p>
-            <a:pPr algn="r"/>
-            <a:r>
-              <a:rPr lang="en-GB" sz="1100" noProof="1">
-                <a:latin typeface="CMU Serif Roman" panose="02000603000000000000" pitchFamily="2" charset="0"/>
-                <a:ea typeface="CMU Serif Roman" panose="02000603000000000000" pitchFamily="2" charset="0"/>
-                <a:cs typeface="CMU Serif Roman" panose="02000603000000000000" pitchFamily="2" charset="0"/>
-              </a:rPr>
-              <a:t>∀ instance </a:t>
-            </a:r>
-            <a:r>
-              <a:rPr lang="en-GB" sz="1100" noProof="1">
-                <a:latin typeface="CMU Concrete Roman" panose="02000603000000000000" pitchFamily="2" charset="0"/>
-                <a:ea typeface="CMU Concrete Roman" panose="02000603000000000000" pitchFamily="2" charset="0"/>
-                <a:cs typeface="CMU Concrete Roman" panose="02000603000000000000" pitchFamily="2" charset="0"/>
-              </a:rPr>
-              <a:t>i</a:t>
-            </a:r>
-            <a:r>
-              <a:rPr lang="en-GB" sz="1100" i="1" noProof="1">
-                <a:latin typeface="CMU SERIF ROMAN" panose="02000603000000000000" pitchFamily="2" charset="0"/>
-                <a:ea typeface="CMU SERIF ROMAN" panose="02000603000000000000" pitchFamily="2" charset="0"/>
-                <a:cs typeface="CMU SERIF ROMAN" panose="02000603000000000000" pitchFamily="2" charset="0"/>
-              </a:rPr>
-              <a:t> </a:t>
-            </a:r>
-            <a:r>
-              <a:rPr lang="en-GB" sz="1100" noProof="1">
-                <a:latin typeface="CMU Serif Roman" panose="02000603000000000000" pitchFamily="2" charset="0"/>
-                <a:ea typeface="CMU Serif Roman" panose="02000603000000000000" pitchFamily="2" charset="0"/>
-                <a:cs typeface="CMU Serif Roman" panose="02000603000000000000" pitchFamily="2" charset="0"/>
-              </a:rPr>
-              <a:t>|  </a:t>
-            </a:r>
-          </a:p>
-          <a:p>
-            <a:pPr algn="r"/>
-            <a:r>
-              <a:rPr lang="en-GB" sz="1100" noProof="1">
-                <a:latin typeface="CMU Concrete Roman" panose="02000603000000000000" pitchFamily="2" charset="0"/>
-                <a:ea typeface="CMU Concrete Roman" panose="02000603000000000000" pitchFamily="2" charset="0"/>
-                <a:cs typeface="CMU Concrete Roman" panose="02000603000000000000" pitchFamily="2" charset="0"/>
-              </a:rPr>
-              <a:t>i</a:t>
-            </a:r>
-            <a:r>
-              <a:rPr lang="en-GB" sz="1100" noProof="1">
-                <a:latin typeface="CMU Serif Roman" panose="02000603000000000000" pitchFamily="2" charset="0"/>
-                <a:ea typeface="CMU Serif Roman" panose="02000603000000000000" pitchFamily="2" charset="0"/>
-                <a:cs typeface="CMU Serif Roman" panose="02000603000000000000" pitchFamily="2" charset="0"/>
-              </a:rPr>
-              <a:t>‘s status is ACTIVE</a:t>
-            </a:r>
-          </a:p>
-        </p:txBody>
-      </p:sp>
-      <p:sp>
-        <p:nvSpPr>
-          <p:cNvPr id="10" name="CasellaDiTesto 9">
-            <a:extLst>
-              <a:ext uri="{FF2B5EF4-FFF2-40B4-BE49-F238E27FC236}">
-                <a16:creationId xmlns:a16="http://schemas.microsoft.com/office/drawing/2014/main" id="{A2B50703-6CAB-6A91-711F-EE50527D8DCC}"/>
-              </a:ext>
-            </a:extLst>
-          </p:cNvPr>
-          <p:cNvSpPr txBox="1"/>
-          <p:nvPr/>
-        </p:nvSpPr>
-        <p:spPr>
-          <a:xfrm>
-            <a:off x="4472097" y="2322978"/>
-            <a:ext cx="327334" cy="261610"/>
-          </a:xfrm>
-          <a:prstGeom prst="rect">
-            <a:avLst/>
-          </a:prstGeom>
-          <a:noFill/>
-        </p:spPr>
-        <p:txBody>
-          <a:bodyPr wrap="none" rtlCol="0">
-            <a:spAutoFit/>
-          </a:bodyPr>
-          <a:lstStyle/>
-          <a:p>
-            <a:r>
-              <a:rPr lang="it-IT" sz="1100" noProof="1">
+            <a:r>
+              <a:rPr lang="it-IT" sz="1200" noProof="1">
                 <a:latin typeface="CMU Serif Roman" panose="02000603000000000000" pitchFamily="2" charset="0"/>
                 <a:ea typeface="CMU Serif Roman" panose="02000603000000000000" pitchFamily="2" charset="0"/>
                 <a:cs typeface="CMU Serif Roman" panose="02000603000000000000" pitchFamily="2" charset="0"/>
@@ -8697,14 +8629,14 @@
               <a:t>m</a:t>
             </a:r>
             <a:r>
-              <a:rPr lang="it-IT" sz="1100" baseline="-25000" noProof="1">
+              <a:rPr lang="it-IT" sz="1200" baseline="-25000" noProof="1">
                 <a:latin typeface="CMU Serif Roman" panose="02000603000000000000" pitchFamily="2" charset="0"/>
                 <a:ea typeface="CMU Serif Roman" panose="02000603000000000000" pitchFamily="2" charset="0"/>
                 <a:cs typeface="CMU Serif Roman" panose="02000603000000000000" pitchFamily="2" charset="0"/>
               </a:rPr>
               <a:t>i</a:t>
             </a:r>
-            <a:endParaRPr lang="en-GB" sz="1100" baseline="-25000" noProof="1">
+            <a:endParaRPr lang="en-GB" sz="1200" baseline="-25000" noProof="1">
               <a:latin typeface="CMU Serif Roman" panose="02000603000000000000" pitchFamily="2" charset="0"/>
               <a:ea typeface="CMU Serif Roman" panose="02000603000000000000" pitchFamily="2" charset="0"/>
               <a:cs typeface="CMU Serif Roman" panose="02000603000000000000" pitchFamily="2" charset="0"/>
@@ -8727,7 +8659,7 @@
         <p:spPr>
           <a:xfrm>
             <a:off x="4942108" y="2322978"/>
-            <a:ext cx="354584" cy="261610"/>
+            <a:ext cx="370614" cy="276999"/>
           </a:xfrm>
           <a:prstGeom prst="rect">
             <a:avLst/>
@@ -8741,7 +8673,7 @@
           <a:lstStyle/>
           <a:p>
             <a:r>
-              <a:rPr lang="it-IT" sz="1100" noProof="1">
+              <a:rPr lang="it-IT" sz="1200" noProof="1">
                 <a:latin typeface="CMU Serif Roman" panose="02000603000000000000" pitchFamily="2" charset="0"/>
                 <a:ea typeface="CMU Serif Roman" panose="02000603000000000000" pitchFamily="2" charset="0"/>
                 <a:cs typeface="CMU Serif Roman" panose="02000603000000000000" pitchFamily="2" charset="0"/>
@@ -8749,14 +8681,14 @@
               <a:t>m</a:t>
             </a:r>
             <a:r>
-              <a:rPr lang="it-IT" sz="1100" baseline="-25000" noProof="1">
+              <a:rPr lang="it-IT" sz="1200" baseline="-25000" noProof="1">
                 <a:latin typeface="CMU Serif Roman" panose="02000603000000000000" pitchFamily="2" charset="0"/>
                 <a:ea typeface="CMU Serif Roman" panose="02000603000000000000" pitchFamily="2" charset="0"/>
                 <a:cs typeface="CMU Serif Roman" panose="02000603000000000000" pitchFamily="2" charset="0"/>
               </a:rPr>
               <a:t>n</a:t>
             </a:r>
-            <a:endParaRPr lang="en-GB" sz="1100" baseline="-25000" noProof="1">
+            <a:endParaRPr lang="en-GB" sz="1200" baseline="-25000" noProof="1">
               <a:latin typeface="CMU Serif Roman" panose="02000603000000000000" pitchFamily="2" charset="0"/>
               <a:ea typeface="CMU Serif Roman" panose="02000603000000000000" pitchFamily="2" charset="0"/>
               <a:cs typeface="CMU Serif Roman" panose="02000603000000000000" pitchFamily="2" charset="0"/>
@@ -8778,7 +8710,7 @@
         </p:nvSpPr>
         <p:spPr>
           <a:xfrm>
-            <a:off x="7782803" y="505535"/>
+            <a:off x="7776384" y="505535"/>
             <a:ext cx="1308086" cy="1308086"/>
           </a:xfrm>
           <a:prstGeom prst="ellipse">
@@ -8807,7 +8739,7 @@
           <a:lstStyle/>
           <a:p>
             <a:pPr algn="ctr"/>
-            <a:endParaRPr lang="en-GB">
+            <a:endParaRPr lang="en-GB" sz="1200">
               <a:latin typeface="CMU Serif Roman" panose="02000603000000000000" pitchFamily="2" charset="0"/>
               <a:ea typeface="CMU Serif Roman" panose="02000603000000000000" pitchFamily="2" charset="0"/>
               <a:cs typeface="CMU Serif Roman" panose="02000603000000000000" pitchFamily="2" charset="0"/>
@@ -8865,7 +8797,7 @@
           <a:lstStyle/>
           <a:p>
             <a:pPr algn="ctr"/>
-            <a:endParaRPr lang="en-GB" noProof="1">
+            <a:endParaRPr lang="en-GB" sz="1200" noProof="1">
               <a:latin typeface="CMU Serif Roman" panose="02000603000000000000" pitchFamily="2" charset="0"/>
               <a:ea typeface="CMU Serif Roman" panose="02000603000000000000" pitchFamily="2" charset="0"/>
               <a:cs typeface="CMU Serif Roman" panose="02000603000000000000" pitchFamily="2" charset="0"/>
@@ -8923,7 +8855,7 @@
           <a:lstStyle/>
           <a:p>
             <a:pPr algn="ctr"/>
-            <a:endParaRPr lang="en-GB" noProof="1">
+            <a:endParaRPr lang="en-GB" sz="1200" noProof="1">
               <a:latin typeface="CMU Serif Roman" panose="02000603000000000000" pitchFamily="2" charset="0"/>
               <a:ea typeface="CMU Serif Roman" panose="02000603000000000000" pitchFamily="2" charset="0"/>
               <a:cs typeface="CMU Serif Roman" panose="02000603000000000000" pitchFamily="2" charset="0"/>
@@ -9016,7 +8948,7 @@
           <a:lstStyle/>
           <a:p>
             <a:pPr algn="ctr"/>
-            <a:endParaRPr lang="en-GB" dirty="0">
+            <a:endParaRPr lang="en-GB" sz="1200" dirty="0">
               <a:latin typeface="CMU Serif Roman" panose="02000603000000000000" pitchFamily="2" charset="0"/>
               <a:ea typeface="CMU Serif Roman" panose="02000603000000000000" pitchFamily="2" charset="0"/>
               <a:cs typeface="CMU Serif Roman" panose="02000603000000000000" pitchFamily="2" charset="0"/>
@@ -9118,7 +9050,7 @@
           <a:lstStyle/>
           <a:p>
             <a:pPr algn="ctr"/>
-            <a:endParaRPr lang="en-GB" dirty="0">
+            <a:endParaRPr lang="en-GB" sz="1200" dirty="0">
               <a:latin typeface="CMU Serif Roman" panose="02000603000000000000" pitchFamily="2" charset="0"/>
               <a:ea typeface="CMU Serif Roman" panose="02000603000000000000" pitchFamily="2" charset="0"/>
               <a:cs typeface="CMU Serif Roman" panose="02000603000000000000" pitchFamily="2" charset="0"/>
@@ -9181,7 +9113,7 @@
           <a:lstStyle/>
           <a:p>
             <a:pPr algn="ctr"/>
-            <a:endParaRPr lang="en-GB" dirty="0">
+            <a:endParaRPr lang="en-GB" sz="1200" dirty="0">
               <a:latin typeface="CMU Serif Roman" panose="02000603000000000000" pitchFamily="2" charset="0"/>
               <a:ea typeface="CMU Serif Roman" panose="02000603000000000000" pitchFamily="2" charset="0"/>
               <a:cs typeface="CMU Serif Roman" panose="02000603000000000000" pitchFamily="2" charset="0"/>
@@ -9244,7 +9176,7 @@
           <a:lstStyle/>
           <a:p>
             <a:pPr algn="ctr"/>
-            <a:endParaRPr lang="en-GB" dirty="0">
+            <a:endParaRPr lang="en-GB" sz="1200" dirty="0">
               <a:latin typeface="CMU Serif Roman" panose="02000603000000000000" pitchFamily="2" charset="0"/>
               <a:ea typeface="CMU Serif Roman" panose="02000603000000000000" pitchFamily="2" charset="0"/>
               <a:cs typeface="CMU Serif Roman" panose="02000603000000000000" pitchFamily="2" charset="0"/>
@@ -9346,7 +9278,7 @@
           <a:lstStyle/>
           <a:p>
             <a:pPr algn="ctr"/>
-            <a:endParaRPr lang="en-GB" dirty="0">
+            <a:endParaRPr lang="en-GB" sz="1200" dirty="0">
               <a:latin typeface="CMU Serif Roman" panose="02000603000000000000" pitchFamily="2" charset="0"/>
               <a:ea typeface="CMU Serif Roman" panose="02000603000000000000" pitchFamily="2" charset="0"/>
               <a:cs typeface="CMU Serif Roman" panose="02000603000000000000" pitchFamily="2" charset="0"/>
@@ -9394,7 +9326,7 @@
           <a:lstStyle/>
           <a:p>
             <a:pPr algn="ctr"/>
-            <a:endParaRPr lang="en-GB" dirty="0">
+            <a:endParaRPr lang="en-GB" sz="1200" dirty="0">
               <a:latin typeface="CMU Serif Roman" panose="02000603000000000000" pitchFamily="2" charset="0"/>
               <a:ea typeface="CMU Serif Roman" panose="02000603000000000000" pitchFamily="2" charset="0"/>
               <a:cs typeface="CMU Serif Roman" panose="02000603000000000000" pitchFamily="2" charset="0"/>
@@ -9416,8 +9348,8 @@
         </p:nvSpPr>
         <p:spPr>
           <a:xfrm>
-            <a:off x="5182559" y="2917062"/>
-            <a:ext cx="1283747" cy="261610"/>
+            <a:off x="5182559" y="2925013"/>
+            <a:ext cx="1283747" cy="276999"/>
           </a:xfrm>
           <a:prstGeom prst="rect">
             <a:avLst/>
@@ -9432,7 +9364,7 @@
           <a:p>
             <a:pPr algn="ctr"/>
             <a:r>
-              <a:rPr lang="en-GB" sz="1100" dirty="0">
+              <a:rPr lang="en-GB" sz="1200" dirty="0">
                 <a:latin typeface="CMU Concrete Roman" panose="02000603000000000000" pitchFamily="2" charset="0"/>
                 <a:ea typeface="CMU Concrete Roman" panose="02000603000000000000" pitchFamily="2" charset="0"/>
                 <a:cs typeface="CMU Concrete Roman" panose="02000603000000000000" pitchFamily="2" charset="0"/>
@@ -9440,7 +9372,7 @@
               <a:t>k</a:t>
             </a:r>
             <a:r>
-              <a:rPr lang="en-GB" sz="1100" dirty="0">
+              <a:rPr lang="en-GB" sz="1200" dirty="0">
                 <a:latin typeface="CMU Serif Roman" panose="02000603000000000000" pitchFamily="2" charset="0"/>
                 <a:ea typeface="CMU Serif Roman" panose="02000603000000000000" pitchFamily="2" charset="0"/>
                 <a:cs typeface="CMU Serif Roman" panose="02000603000000000000" pitchFamily="2" charset="0"/>
@@ -9464,7 +9396,7 @@
         </p:nvSpPr>
         <p:spPr>
           <a:xfrm>
-            <a:off x="9009070" y="2415638"/>
+            <a:off x="9231701" y="2383834"/>
             <a:ext cx="289932" cy="412595"/>
           </a:xfrm>
           <a:prstGeom prst="rect">
@@ -9500,7 +9432,7 @@
           <a:lstStyle/>
           <a:p>
             <a:pPr algn="ctr"/>
-            <a:endParaRPr lang="en-GB" dirty="0">
+            <a:endParaRPr lang="en-GB" sz="1200" dirty="0">
               <a:latin typeface="CMU Serif Roman" panose="02000603000000000000" pitchFamily="2" charset="0"/>
               <a:ea typeface="CMU Serif Roman" panose="02000603000000000000" pitchFamily="2" charset="0"/>
               <a:cs typeface="CMU Serif Roman" panose="02000603000000000000" pitchFamily="2" charset="0"/>
@@ -9522,8 +9454,8 @@
         </p:nvSpPr>
         <p:spPr>
           <a:xfrm>
-            <a:off x="8512163" y="2883963"/>
-            <a:ext cx="1283747" cy="430887"/>
+            <a:off x="8562041" y="2881061"/>
+            <a:ext cx="1647975" cy="461665"/>
           </a:xfrm>
           <a:prstGeom prst="rect">
             <a:avLst/>
@@ -9538,12 +9470,12 @@
           <a:p>
             <a:pPr algn="ctr"/>
             <a:r>
-              <a:rPr lang="en-GB" sz="1100" dirty="0">
+              <a:rPr lang="en-GB" sz="1200" dirty="0">
                 <a:latin typeface="CMU Serif Roman" panose="02000603000000000000" pitchFamily="2" charset="0"/>
                 <a:ea typeface="CMU Serif Roman" panose="02000603000000000000" pitchFamily="2" charset="0"/>
                 <a:cs typeface="CMU Serif Roman" panose="02000603000000000000" pitchFamily="2" charset="0"/>
               </a:rPr>
-              <a:t>Service QoS current value</a:t>
+              <a:t>new QoS current value of the service</a:t>
             </a:r>
           </a:p>
         </p:txBody>
@@ -9593,7 +9525,7 @@
           <a:lstStyle/>
           <a:p>
             <a:pPr algn="ctr"/>
-            <a:endParaRPr lang="en-GB">
+            <a:endParaRPr lang="en-GB" sz="1200">
               <a:latin typeface="CMU Serif Roman" panose="02000603000000000000" pitchFamily="2" charset="0"/>
               <a:ea typeface="CMU Serif Roman" panose="02000603000000000000" pitchFamily="2" charset="0"/>
               <a:cs typeface="CMU Serif Roman" panose="02000603000000000000" pitchFamily="2" charset="0"/>
@@ -9656,7 +9588,7 @@
           <a:lstStyle/>
           <a:p>
             <a:pPr algn="ctr"/>
-            <a:endParaRPr lang="en-GB" dirty="0">
+            <a:endParaRPr lang="en-GB" sz="1200" dirty="0">
               <a:latin typeface="CMU Serif Roman" panose="02000603000000000000" pitchFamily="2" charset="0"/>
               <a:ea typeface="CMU Serif Roman" panose="02000603000000000000" pitchFamily="2" charset="0"/>
               <a:cs typeface="CMU Serif Roman" panose="02000603000000000000" pitchFamily="2" charset="0"/>
@@ -9719,7 +9651,7 @@
           <a:lstStyle/>
           <a:p>
             <a:pPr algn="ctr"/>
-            <a:endParaRPr lang="en-GB" dirty="0">
+            <a:endParaRPr lang="en-GB" sz="1200" dirty="0">
               <a:latin typeface="CMU Serif Roman" panose="02000603000000000000" pitchFamily="2" charset="0"/>
               <a:ea typeface="CMU Serif Roman" panose="02000603000000000000" pitchFamily="2" charset="0"/>
               <a:cs typeface="CMU Serif Roman" panose="02000603000000000000" pitchFamily="2" charset="0"/>
@@ -9782,7 +9714,7 @@
           <a:lstStyle/>
           <a:p>
             <a:pPr algn="ctr"/>
-            <a:endParaRPr lang="en-GB" dirty="0">
+            <a:endParaRPr lang="en-GB" sz="1200" dirty="0">
               <a:latin typeface="CMU Serif Roman" panose="02000603000000000000" pitchFamily="2" charset="0"/>
               <a:ea typeface="CMU Serif Roman" panose="02000603000000000000" pitchFamily="2" charset="0"/>
               <a:cs typeface="CMU Serif Roman" panose="02000603000000000000" pitchFamily="2" charset="0"/>
@@ -9804,8 +9736,8 @@
         </p:nvSpPr>
         <p:spPr>
           <a:xfrm>
-            <a:off x="3858417" y="1652431"/>
-            <a:ext cx="1718740" cy="430887"/>
+            <a:off x="3784679" y="1652431"/>
+            <a:ext cx="1866217" cy="461665"/>
           </a:xfrm>
           <a:prstGeom prst="rect">
             <a:avLst/>
@@ -9820,7 +9752,7 @@
           <a:p>
             <a:pPr algn="ctr"/>
             <a:r>
-              <a:rPr lang="en-GB" sz="1100" dirty="0">
+              <a:rPr lang="en-GB" sz="1200" dirty="0">
                 <a:latin typeface="CMU Serif Roman" panose="02000603000000000000" pitchFamily="2" charset="0"/>
                 <a:ea typeface="CMU Serif Roman" panose="02000603000000000000" pitchFamily="2" charset="0"/>
                 <a:cs typeface="CMU Serif Roman" panose="02000603000000000000" pitchFamily="2" charset="0"/>
@@ -9831,7 +9763,7 @@
           <a:p>
             <a:pPr algn="ctr"/>
             <a:r>
-              <a:rPr lang="en-GB" sz="1100" dirty="0">
+              <a:rPr lang="en-GB" sz="1200" dirty="0">
                 <a:latin typeface="CMU Serif Roman" panose="02000603000000000000" pitchFamily="2" charset="0"/>
                 <a:ea typeface="CMU Serif Roman" panose="02000603000000000000" pitchFamily="2" charset="0"/>
                 <a:cs typeface="CMU Serif Roman" panose="02000603000000000000" pitchFamily="2" charset="0"/>
@@ -9857,8 +9789,8 @@
         </p:nvCxnSpPr>
         <p:spPr>
           <a:xfrm>
-            <a:off x="5750399" y="885455"/>
-            <a:ext cx="2020627" cy="0"/>
+            <a:off x="5694740" y="885455"/>
+            <a:ext cx="2328126" cy="0"/>
           </a:xfrm>
           <a:prstGeom prst="straightConnector1">
             <a:avLst/>
@@ -9896,7 +9828,7 @@
         </p:nvSpPr>
         <p:spPr>
           <a:xfrm>
-            <a:off x="8184102" y="682300"/>
+            <a:off x="8382884" y="682300"/>
             <a:ext cx="289932" cy="412595"/>
           </a:xfrm>
           <a:prstGeom prst="rect">
@@ -9937,7 +9869,7 @@
           <a:lstStyle/>
           <a:p>
             <a:pPr algn="ctr"/>
-            <a:endParaRPr lang="en-GB" dirty="0">
+            <a:endParaRPr lang="en-GB" sz="1200" dirty="0">
               <a:latin typeface="CMU Serif Roman" panose="02000603000000000000" pitchFamily="2" charset="0"/>
               <a:ea typeface="CMU Serif Roman" panose="02000603000000000000" pitchFamily="2" charset="0"/>
               <a:cs typeface="CMU Serif Roman" panose="02000603000000000000" pitchFamily="2" charset="0"/>
@@ -9959,8 +9891,8 @@
         </p:nvSpPr>
         <p:spPr>
           <a:xfrm>
-            <a:off x="7848666" y="1153457"/>
-            <a:ext cx="997389" cy="430887"/>
+            <a:off x="7741275" y="1153457"/>
+            <a:ext cx="1609736" cy="461665"/>
           </a:xfrm>
           <a:prstGeom prst="rect">
             <a:avLst/>
@@ -9975,18 +9907,18 @@
           <a:p>
             <a:pPr algn="ctr"/>
             <a:r>
-              <a:rPr lang="en-GB" sz="1100" dirty="0">
+              <a:rPr lang="en-GB" sz="1200" dirty="0">
                 <a:latin typeface="CMU Serif Roman" panose="02000603000000000000" pitchFamily="2" charset="0"/>
                 <a:ea typeface="CMU Serif Roman" panose="02000603000000000000" pitchFamily="2" charset="0"/>
                 <a:cs typeface="CMU Serif Roman" panose="02000603000000000000" pitchFamily="2" charset="0"/>
               </a:rPr>
-              <a:t>Latest value</a:t>
+              <a:t>new QoS latest value</a:t>
             </a:r>
           </a:p>
           <a:p>
             <a:pPr algn="ctr"/>
             <a:r>
-              <a:rPr lang="en-GB" sz="1100" dirty="0">
+              <a:rPr lang="en-GB" sz="1200" dirty="0">
                 <a:latin typeface="CMU Serif Roman" panose="02000603000000000000" pitchFamily="2" charset="0"/>
                 <a:ea typeface="CMU Serif Roman" panose="02000603000000000000" pitchFamily="2" charset="0"/>
                 <a:cs typeface="CMU Serif Roman" panose="02000603000000000000" pitchFamily="2" charset="0"/>
@@ -10051,7 +9983,7 @@
           <a:lstStyle/>
           <a:p>
             <a:pPr algn="ctr"/>
-            <a:endParaRPr lang="en-GB" dirty="0">
+            <a:endParaRPr lang="en-GB" sz="1200" dirty="0">
               <a:latin typeface="CMU Serif Roman" panose="02000603000000000000" pitchFamily="2" charset="0"/>
               <a:ea typeface="CMU Serif Roman" panose="02000603000000000000" pitchFamily="2" charset="0"/>
               <a:cs typeface="CMU Serif Roman" panose="02000603000000000000" pitchFamily="2" charset="0"/>
@@ -10114,7 +10046,7 @@
           <a:lstStyle/>
           <a:p>
             <a:pPr algn="ctr"/>
-            <a:endParaRPr lang="en-GB" dirty="0">
+            <a:endParaRPr lang="en-GB" sz="1200" dirty="0">
               <a:latin typeface="CMU Serif Roman" panose="02000603000000000000" pitchFamily="2" charset="0"/>
               <a:ea typeface="CMU Serif Roman" panose="02000603000000000000" pitchFamily="2" charset="0"/>
               <a:cs typeface="CMU Serif Roman" panose="02000603000000000000" pitchFamily="2" charset="0"/>
@@ -10216,7 +10148,7 @@
           <a:lstStyle/>
           <a:p>
             <a:pPr algn="ctr"/>
-            <a:endParaRPr lang="en-GB" dirty="0">
+            <a:endParaRPr lang="en-GB" sz="1200" dirty="0">
               <a:latin typeface="CMU Serif Roman" panose="02000603000000000000" pitchFamily="2" charset="0"/>
               <a:ea typeface="CMU Serif Roman" panose="02000603000000000000" pitchFamily="2" charset="0"/>
               <a:cs typeface="CMU Serif Roman" panose="02000603000000000000" pitchFamily="2" charset="0"/>
@@ -10279,7 +10211,7 @@
           <a:lstStyle/>
           <a:p>
             <a:pPr algn="ctr"/>
-            <a:endParaRPr lang="en-GB" dirty="0">
+            <a:endParaRPr lang="en-GB" sz="1200" dirty="0">
               <a:latin typeface="CMU Serif Roman" panose="02000603000000000000" pitchFamily="2" charset="0"/>
               <a:ea typeface="CMU Serif Roman" panose="02000603000000000000" pitchFamily="2" charset="0"/>
               <a:cs typeface="CMU Serif Roman" panose="02000603000000000000" pitchFamily="2" charset="0"/>
@@ -10381,7 +10313,7 @@
           <a:lstStyle/>
           <a:p>
             <a:pPr algn="ctr"/>
-            <a:endParaRPr lang="en-GB" dirty="0">
+            <a:endParaRPr lang="en-GB" sz="1200" dirty="0">
               <a:latin typeface="CMU Serif Roman" panose="02000603000000000000" pitchFamily="2" charset="0"/>
               <a:ea typeface="CMU Serif Roman" panose="02000603000000000000" pitchFamily="2" charset="0"/>
               <a:cs typeface="CMU Serif Roman" panose="02000603000000000000" pitchFamily="2" charset="0"/>
@@ -10403,8 +10335,8 @@
         </p:nvSpPr>
         <p:spPr>
           <a:xfrm>
-            <a:off x="5725706" y="618269"/>
-            <a:ext cx="2040943" cy="253916"/>
+            <a:off x="5676951" y="608456"/>
+            <a:ext cx="2311851" cy="276999"/>
           </a:xfrm>
           <a:prstGeom prst="rect">
             <a:avLst/>
@@ -10418,7 +10350,7 @@
           <a:lstStyle/>
           <a:p>
             <a:r>
-              <a:rPr lang="en-GB" sz="1050" dirty="0">
+              <a:rPr lang="en-GB" sz="1200" dirty="0">
                 <a:latin typeface="CMU Serif Roman" panose="02000603000000000000" pitchFamily="2" charset="0"/>
                 <a:ea typeface="CMU Serif Roman" panose="02000603000000000000" pitchFamily="2" charset="0"/>
                 <a:cs typeface="CMU Serif Roman" panose="02000603000000000000" pitchFamily="2" charset="0"/>
@@ -10428,53 +10360,12 @@
           </a:p>
         </p:txBody>
       </p:sp>
-      <p:cxnSp>
-        <p:nvCxnSpPr>
-          <p:cNvPr id="8" name="Connettore 2 7">
-            <a:extLst>
-              <a:ext uri="{FF2B5EF4-FFF2-40B4-BE49-F238E27FC236}">
-                <a16:creationId xmlns:a16="http://schemas.microsoft.com/office/drawing/2014/main" id="{B7D2B843-F07E-2CC7-C07A-91D26196FD02}"/>
-              </a:ext>
-            </a:extLst>
-          </p:cNvPr>
-          <p:cNvCxnSpPr>
-            <a:cxnSpLocks/>
-          </p:cNvCxnSpPr>
-          <p:nvPr/>
-        </p:nvCxnSpPr>
-        <p:spPr>
-          <a:xfrm>
-            <a:off x="6699054" y="2616646"/>
-            <a:ext cx="2020627" cy="0"/>
-          </a:xfrm>
-          <a:prstGeom prst="straightConnector1">
-            <a:avLst/>
-          </a:prstGeom>
-          <a:ln>
-            <a:tailEnd type="triangle"/>
-          </a:ln>
-        </p:spPr>
-        <p:style>
-          <a:lnRef idx="1">
-            <a:schemeClr val="accent1"/>
-          </a:lnRef>
-          <a:fillRef idx="0">
-            <a:schemeClr val="accent1"/>
-          </a:fillRef>
-          <a:effectRef idx="0">
-            <a:schemeClr val="accent1"/>
-          </a:effectRef>
-          <a:fontRef idx="minor">
-            <a:schemeClr val="tx1"/>
-          </a:fontRef>
-        </p:style>
-      </p:cxnSp>
-      <p:sp>
-        <p:nvSpPr>
-          <p:cNvPr id="9" name="CasellaDiTesto 8">
-            <a:extLst>
-              <a:ext uri="{FF2B5EF4-FFF2-40B4-BE49-F238E27FC236}">
-                <a16:creationId xmlns:a16="http://schemas.microsoft.com/office/drawing/2014/main" id="{C2E27845-ADA0-B9DC-293B-1685B041039C}"/>
+      <p:sp>
+        <p:nvSpPr>
+          <p:cNvPr id="10" name="CasellaDiTesto 9">
+            <a:extLst>
+              <a:ext uri="{FF2B5EF4-FFF2-40B4-BE49-F238E27FC236}">
+                <a16:creationId xmlns:a16="http://schemas.microsoft.com/office/drawing/2014/main" id="{AC9C5121-B7F9-A58F-3F26-8F0EDA4F3175}"/>
               </a:ext>
             </a:extLst>
           </p:cNvPr>
@@ -10483,8 +10374,8 @@
         </p:nvSpPr>
         <p:spPr>
           <a:xfrm>
-            <a:off x="6668819" y="2349460"/>
-            <a:ext cx="2040943" cy="253916"/>
+            <a:off x="1100150" y="656741"/>
+            <a:ext cx="2565126" cy="461665"/>
           </a:xfrm>
           <a:prstGeom prst="rect">
             <a:avLst/>
@@ -10497,48 +10388,9 @@
           </a:bodyPr>
           <a:lstStyle/>
           <a:p>
-            <a:r>
-              <a:rPr lang="en-GB" sz="1050" dirty="0">
-                <a:latin typeface="CMU Serif Roman" panose="02000603000000000000" pitchFamily="2" charset="0"/>
-                <a:ea typeface="CMU Serif Roman" panose="02000603000000000000" pitchFamily="2" charset="0"/>
-                <a:cs typeface="CMU Serif Roman" panose="02000603000000000000" pitchFamily="2" charset="0"/>
-              </a:rPr>
-              <a:t>During each Analysis execution</a:t>
-            </a:r>
-          </a:p>
-        </p:txBody>
-      </p:sp>
-      <p:sp>
-        <p:nvSpPr>
-          <p:cNvPr id="10" name="CasellaDiTesto 9">
-            <a:extLst>
-              <a:ext uri="{FF2B5EF4-FFF2-40B4-BE49-F238E27FC236}">
-                <a16:creationId xmlns:a16="http://schemas.microsoft.com/office/drawing/2014/main" id="{AC9C5121-B7F9-A58F-3F26-8F0EDA4F3175}"/>
-              </a:ext>
-            </a:extLst>
-          </p:cNvPr>
-          <p:cNvSpPr txBox="1"/>
-          <p:nvPr/>
-        </p:nvSpPr>
-        <p:spPr>
-          <a:xfrm>
-            <a:off x="1308542" y="656741"/>
-            <a:ext cx="2356734" cy="430887"/>
-          </a:xfrm>
-          <a:prstGeom prst="rect">
-            <a:avLst/>
-          </a:prstGeom>
-          <a:noFill/>
-        </p:spPr>
-        <p:txBody>
-          <a:bodyPr wrap="none" rtlCol="0">
-            <a:spAutoFit/>
-          </a:bodyPr>
-          <a:lstStyle/>
-          <a:p>
             <a:pPr algn="r"/>
             <a:r>
-              <a:rPr lang="en-GB" sz="1100" noProof="1">
+              <a:rPr lang="en-GB" sz="1200" noProof="1">
                 <a:latin typeface="CMU Serif Roman" panose="02000603000000000000" pitchFamily="2" charset="0"/>
                 <a:ea typeface="CMU Serif Roman" panose="02000603000000000000" pitchFamily="2" charset="0"/>
                 <a:cs typeface="CMU Serif Roman" panose="02000603000000000000" pitchFamily="2" charset="0"/>
@@ -10549,14 +10401,14 @@
           <a:p>
             <a:pPr algn="r"/>
             <a:r>
-              <a:rPr lang="en-GB" sz="1100" noProof="1">
+              <a:rPr lang="en-GB" sz="1200" noProof="1">
                 <a:latin typeface="CMU Serif Roman" panose="02000603000000000000" pitchFamily="2" charset="0"/>
                 <a:ea typeface="CMU Serif Roman" panose="02000603000000000000" pitchFamily="2" charset="0"/>
                 <a:cs typeface="CMU Serif Roman" panose="02000603000000000000" pitchFamily="2" charset="0"/>
               </a:rPr>
               <a:t>with a new latest value</a:t>
             </a:r>
-            <a:endParaRPr lang="en-GB" sz="1100" dirty="0">
+            <a:endParaRPr lang="en-GB" sz="1200" dirty="0">
               <a:latin typeface="CMU Serif Roman" panose="02000603000000000000" pitchFamily="2" charset="0"/>
               <a:ea typeface="CMU Serif Roman" panose="02000603000000000000" pitchFamily="2" charset="0"/>
               <a:cs typeface="CMU Serif Roman" panose="02000603000000000000" pitchFamily="2" charset="0"/>
@@ -10578,8 +10430,8 @@
         </p:nvSpPr>
         <p:spPr>
           <a:xfrm>
-            <a:off x="1466637" y="2379138"/>
-            <a:ext cx="1550424" cy="430887"/>
+            <a:off x="1413097" y="2355285"/>
+            <a:ext cx="1683474" cy="461665"/>
           </a:xfrm>
           <a:prstGeom prst="rect">
             <a:avLst/>
@@ -10594,7 +10446,7 @@
           <a:p>
             <a:pPr algn="r"/>
             <a:r>
-              <a:rPr lang="en-GB" sz="1100" noProof="1">
+              <a:rPr lang="en-GB" sz="1200" noProof="1">
                 <a:latin typeface="CMU Serif Roman" panose="02000603000000000000" pitchFamily="2" charset="0"/>
                 <a:ea typeface="CMU Serif Roman" panose="02000603000000000000" pitchFamily="2" charset="0"/>
                 <a:cs typeface="CMU Serif Roman" panose="02000603000000000000" pitchFamily="2" charset="0"/>
@@ -10605,7 +10457,7 @@
           <a:p>
             <a:pPr algn="r"/>
             <a:r>
-              <a:rPr lang="en-GB" sz="1100" noProof="1">
+              <a:rPr lang="en-GB" sz="1200" noProof="1">
                 <a:latin typeface="CMU Concrete Roman" panose="02000603000000000000" pitchFamily="2" charset="0"/>
                 <a:ea typeface="CMU Concrete Roman" panose="02000603000000000000" pitchFamily="2" charset="0"/>
                 <a:cs typeface="CMU Concrete Roman" panose="02000603000000000000" pitchFamily="2" charset="0"/>
@@ -10613,14 +10465,14 @@
               <a:t>k=AWS</a:t>
             </a:r>
             <a:r>
-              <a:rPr lang="en-GB" sz="1100" noProof="1">
+              <a:rPr lang="en-GB" sz="1200" noProof="1">
                 <a:latin typeface="CMU Serif Roman" panose="02000603000000000000" pitchFamily="2" charset="0"/>
                 <a:ea typeface="CMU Serif Roman" panose="02000603000000000000" pitchFamily="2" charset="0"/>
                 <a:cs typeface="CMU Serif Roman" panose="02000603000000000000" pitchFamily="2" charset="0"/>
               </a:rPr>
               <a:t> valid values</a:t>
             </a:r>
-            <a:endParaRPr lang="en-GB" sz="1100" dirty="0">
+            <a:endParaRPr lang="en-GB" sz="1200" dirty="0">
               <a:latin typeface="CMU Serif Roman" panose="02000603000000000000" pitchFamily="2" charset="0"/>
               <a:ea typeface="CMU Serif Roman" panose="02000603000000000000" pitchFamily="2" charset="0"/>
               <a:cs typeface="CMU Serif Roman" panose="02000603000000000000" pitchFamily="2" charset="0"/>
@@ -10642,8 +10494,8 @@
         </p:nvSpPr>
         <p:spPr>
           <a:xfrm>
-            <a:off x="2332257" y="3549008"/>
-            <a:ext cx="684804" cy="261610"/>
+            <a:off x="2389326" y="3549008"/>
+            <a:ext cx="729687" cy="276999"/>
           </a:xfrm>
           <a:prstGeom prst="rect">
             <a:avLst/>
@@ -10658,14 +10510,14 @@
           <a:p>
             <a:pPr algn="ctr"/>
             <a:r>
-              <a:rPr lang="en-GB" sz="1100" noProof="1">
+              <a:rPr lang="en-GB" sz="1200" noProof="1">
                 <a:latin typeface="CMU Serif Roman" panose="02000603000000000000" pitchFamily="2" charset="0"/>
                 <a:ea typeface="CMU Serif Roman" panose="02000603000000000000" pitchFamily="2" charset="0"/>
                 <a:cs typeface="CMU Serif Roman" panose="02000603000000000000" pitchFamily="2" charset="0"/>
               </a:rPr>
               <a:t>AFTER</a:t>
             </a:r>
-            <a:endParaRPr lang="en-GB" sz="1100" dirty="0">
+            <a:endParaRPr lang="en-GB" sz="1200" dirty="0">
               <a:latin typeface="CMU Serif Roman" panose="02000603000000000000" pitchFamily="2" charset="0"/>
               <a:ea typeface="CMU Serif Roman" panose="02000603000000000000" pitchFamily="2" charset="0"/>
               <a:cs typeface="CMU Serif Roman" panose="02000603000000000000" pitchFamily="2" charset="0"/>
@@ -10687,7 +10539,7 @@
         </p:nvSpPr>
         <p:spPr>
           <a:xfrm>
-            <a:off x="4679368" y="5576193"/>
+            <a:off x="4679368" y="5623899"/>
             <a:ext cx="289932" cy="412595"/>
           </a:xfrm>
           <a:prstGeom prst="rect">
@@ -10728,7 +10580,7 @@
           <a:lstStyle/>
           <a:p>
             <a:pPr algn="ctr"/>
-            <a:endParaRPr lang="en-GB" dirty="0">
+            <a:endParaRPr lang="en-GB" sz="1200" dirty="0">
               <a:latin typeface="CMU Serif Roman" panose="02000603000000000000" pitchFamily="2" charset="0"/>
               <a:ea typeface="CMU Serif Roman" panose="02000603000000000000" pitchFamily="2" charset="0"/>
               <a:cs typeface="CMU Serif Roman" panose="02000603000000000000" pitchFamily="2" charset="0"/>
@@ -10750,7 +10602,7 @@
         </p:nvSpPr>
         <p:spPr>
           <a:xfrm>
-            <a:off x="5189120" y="5576193"/>
+            <a:off x="5189120" y="5623899"/>
             <a:ext cx="289932" cy="412595"/>
           </a:xfrm>
           <a:prstGeom prst="rect">
@@ -10791,7 +10643,7 @@
           <a:lstStyle/>
           <a:p>
             <a:pPr algn="ctr"/>
-            <a:endParaRPr lang="en-GB" dirty="0">
+            <a:endParaRPr lang="en-GB" sz="1200" dirty="0">
               <a:latin typeface="CMU Serif Roman" panose="02000603000000000000" pitchFamily="2" charset="0"/>
               <a:ea typeface="CMU Serif Roman" panose="02000603000000000000" pitchFamily="2" charset="0"/>
               <a:cs typeface="CMU Serif Roman" panose="02000603000000000000" pitchFamily="2" charset="0"/>
@@ -10813,7 +10665,7 @@
         </p:nvSpPr>
         <p:spPr>
           <a:xfrm>
-            <a:off x="5635919" y="5736108"/>
+            <a:off x="5635919" y="5783814"/>
             <a:ext cx="377026" cy="369332"/>
           </a:xfrm>
           <a:prstGeom prst="rect">
@@ -10852,7 +10704,7 @@
         </p:nvSpPr>
         <p:spPr>
           <a:xfrm>
-            <a:off x="6153421" y="5576193"/>
+            <a:off x="6153421" y="5623899"/>
             <a:ext cx="289932" cy="412595"/>
           </a:xfrm>
           <a:prstGeom prst="rect">
@@ -10893,7 +10745,7 @@
           <a:lstStyle/>
           <a:p>
             <a:pPr algn="ctr"/>
-            <a:endParaRPr lang="en-GB" dirty="0">
+            <a:endParaRPr lang="en-GB" sz="1200" dirty="0">
               <a:latin typeface="CMU Serif Roman" panose="02000603000000000000" pitchFamily="2" charset="0"/>
               <a:ea typeface="CMU Serif Roman" panose="02000603000000000000" pitchFamily="2" charset="0"/>
               <a:cs typeface="CMU Serif Roman" panose="02000603000000000000" pitchFamily="2" charset="0"/>
@@ -10915,7 +10767,7 @@
         </p:nvSpPr>
         <p:spPr>
           <a:xfrm>
-            <a:off x="3264956" y="5571667"/>
+            <a:off x="3264956" y="5619373"/>
             <a:ext cx="289932" cy="412595"/>
           </a:xfrm>
           <a:prstGeom prst="rect">
@@ -10956,7 +10808,7 @@
           <a:lstStyle/>
           <a:p>
             <a:pPr algn="ctr"/>
-            <a:endParaRPr lang="en-GB" dirty="0">
+            <a:endParaRPr lang="en-GB" sz="1200" dirty="0">
               <a:latin typeface="CMU Serif Roman" panose="02000603000000000000" pitchFamily="2" charset="0"/>
               <a:ea typeface="CMU Serif Roman" panose="02000603000000000000" pitchFamily="2" charset="0"/>
               <a:cs typeface="CMU Serif Roman" panose="02000603000000000000" pitchFamily="2" charset="0"/>
@@ -10978,7 +10830,7 @@
         </p:nvSpPr>
         <p:spPr>
           <a:xfrm>
-            <a:off x="3677346" y="5736108"/>
+            <a:off x="3677346" y="5783814"/>
             <a:ext cx="377026" cy="369332"/>
           </a:xfrm>
           <a:prstGeom prst="rect">
@@ -11017,7 +10869,7 @@
         </p:nvSpPr>
         <p:spPr>
           <a:xfrm>
-            <a:off x="4176896" y="5576193"/>
+            <a:off x="4176896" y="5623899"/>
             <a:ext cx="289932" cy="412595"/>
           </a:xfrm>
           <a:prstGeom prst="rect">
@@ -11058,7 +10910,7 @@
           <a:lstStyle/>
           <a:p>
             <a:pPr algn="ctr"/>
-            <a:endParaRPr lang="en-GB" dirty="0">
+            <a:endParaRPr lang="en-GB" sz="1200" dirty="0">
               <a:latin typeface="CMU Serif Roman" panose="02000603000000000000" pitchFamily="2" charset="0"/>
               <a:ea typeface="CMU Serif Roman" panose="02000603000000000000" pitchFamily="2" charset="0"/>
               <a:cs typeface="CMU Serif Roman" panose="02000603000000000000" pitchFamily="2" charset="0"/>
@@ -11121,7 +10973,7 @@
           <a:lstStyle/>
           <a:p>
             <a:pPr algn="ctr"/>
-            <a:endParaRPr lang="en-GB" dirty="0">
+            <a:endParaRPr lang="en-GB" sz="1200" dirty="0">
               <a:latin typeface="CMU Serif Roman" panose="02000603000000000000" pitchFamily="2" charset="0"/>
               <a:ea typeface="CMU Serif Roman" panose="02000603000000000000" pitchFamily="2" charset="0"/>
               <a:cs typeface="CMU Serif Roman" panose="02000603000000000000" pitchFamily="2" charset="0"/>
@@ -11223,7 +11075,7 @@
           <a:lstStyle/>
           <a:p>
             <a:pPr algn="ctr"/>
-            <a:endParaRPr lang="en-GB" dirty="0">
+            <a:endParaRPr lang="en-GB" sz="1200" dirty="0">
               <a:latin typeface="CMU Serif Roman" panose="02000603000000000000" pitchFamily="2" charset="0"/>
               <a:ea typeface="CMU Serif Roman" panose="02000603000000000000" pitchFamily="2" charset="0"/>
               <a:cs typeface="CMU Serif Roman" panose="02000603000000000000" pitchFamily="2" charset="0"/>
@@ -11286,7 +11138,7 @@
           <a:lstStyle/>
           <a:p>
             <a:pPr algn="ctr"/>
-            <a:endParaRPr lang="en-GB" dirty="0">
+            <a:endParaRPr lang="en-GB" sz="1200" dirty="0">
               <a:latin typeface="CMU Serif Roman" panose="02000603000000000000" pitchFamily="2" charset="0"/>
               <a:ea typeface="CMU Serif Roman" panose="02000603000000000000" pitchFamily="2" charset="0"/>
               <a:cs typeface="CMU Serif Roman" panose="02000603000000000000" pitchFamily="2" charset="0"/>
@@ -11349,7 +11201,7 @@
           <a:lstStyle/>
           <a:p>
             <a:pPr algn="ctr"/>
-            <a:endParaRPr lang="en-GB" dirty="0">
+            <a:endParaRPr lang="en-GB" sz="1200" dirty="0">
               <a:latin typeface="CMU Serif Roman" panose="02000603000000000000" pitchFamily="2" charset="0"/>
               <a:ea typeface="CMU Serif Roman" panose="02000603000000000000" pitchFamily="2" charset="0"/>
               <a:cs typeface="CMU Serif Roman" panose="02000603000000000000" pitchFamily="2" charset="0"/>
@@ -11451,7 +11303,7 @@
           <a:lstStyle/>
           <a:p>
             <a:pPr algn="ctr"/>
-            <a:endParaRPr lang="en-GB" dirty="0">
+            <a:endParaRPr lang="en-GB" sz="1200" dirty="0">
               <a:latin typeface="CMU Serif Roman" panose="02000603000000000000" pitchFamily="2" charset="0"/>
               <a:ea typeface="CMU Serif Roman" panose="02000603000000000000" pitchFamily="2" charset="0"/>
               <a:cs typeface="CMU Serif Roman" panose="02000603000000000000" pitchFamily="2" charset="0"/>
@@ -11473,7 +11325,7 @@
         </p:nvSpPr>
         <p:spPr>
           <a:xfrm>
-            <a:off x="9009070" y="4538566"/>
+            <a:off x="9231701" y="4538566"/>
             <a:ext cx="289932" cy="412595"/>
           </a:xfrm>
           <a:prstGeom prst="rect">
@@ -11509,7 +11361,7 @@
           <a:lstStyle/>
           <a:p>
             <a:pPr algn="ctr"/>
-            <a:endParaRPr lang="en-GB" dirty="0">
+            <a:endParaRPr lang="en-GB" sz="1200" dirty="0">
               <a:latin typeface="CMU Serif Roman" panose="02000603000000000000" pitchFamily="2" charset="0"/>
               <a:ea typeface="CMU Serif Roman" panose="02000603000000000000" pitchFamily="2" charset="0"/>
               <a:cs typeface="CMU Serif Roman" panose="02000603000000000000" pitchFamily="2" charset="0"/>
@@ -11531,8 +11383,8 @@
         </p:nvSpPr>
         <p:spPr>
           <a:xfrm>
-            <a:off x="8512163" y="5006891"/>
-            <a:ext cx="1283747" cy="430887"/>
+            <a:off x="8520060" y="5006038"/>
+            <a:ext cx="1713214" cy="461665"/>
           </a:xfrm>
           <a:prstGeom prst="rect">
             <a:avLst/>
@@ -11547,12 +11399,12 @@
           <a:p>
             <a:pPr algn="ctr"/>
             <a:r>
-              <a:rPr lang="en-GB" sz="1100" dirty="0">
+              <a:rPr lang="en-GB" sz="1200" dirty="0">
                 <a:latin typeface="CMU Serif Roman" panose="02000603000000000000" pitchFamily="2" charset="0"/>
                 <a:ea typeface="CMU Serif Roman" panose="02000603000000000000" pitchFamily="2" charset="0"/>
                 <a:cs typeface="CMU Serif Roman" panose="02000603000000000000" pitchFamily="2" charset="0"/>
               </a:rPr>
-              <a:t>Instance QoS current value</a:t>
+              <a:t>new QoS current value of the instance</a:t>
             </a:r>
           </a:p>
         </p:txBody>
@@ -11571,8 +11423,8 @@
         </p:nvSpPr>
         <p:spPr>
           <a:xfrm>
-            <a:off x="984132" y="4549602"/>
-            <a:ext cx="2032929" cy="430887"/>
+            <a:off x="908151" y="4525749"/>
+            <a:ext cx="2188420" cy="461665"/>
           </a:xfrm>
           <a:prstGeom prst="rect">
             <a:avLst/>
@@ -11587,25 +11439,25 @@
           <a:p>
             <a:pPr algn="r"/>
             <a:r>
-              <a:rPr lang="en-GB" sz="1100" noProof="1">
+              <a:rPr lang="en-GB" sz="1200" noProof="1">
                 <a:latin typeface="CMU Serif Roman" panose="02000603000000000000" pitchFamily="2" charset="0"/>
                 <a:ea typeface="CMU Serif Roman" panose="02000603000000000000" pitchFamily="2" charset="0"/>
                 <a:cs typeface="CMU Serif Roman" panose="02000603000000000000" pitchFamily="2" charset="0"/>
               </a:rPr>
-              <a:t>∀ instance of the services</a:t>
+              <a:t>∀ instance of a service having</a:t>
             </a:r>
           </a:p>
           <a:p>
             <a:pPr algn="r"/>
             <a:r>
-              <a:rPr lang="en-GB" sz="1100" noProof="1">
+              <a:rPr lang="en-GB" sz="1200" noProof="1">
                 <a:latin typeface="CMU Serif Roman" panose="02000603000000000000" pitchFamily="2" charset="0"/>
                 <a:ea typeface="CMU Serif Roman" panose="02000603000000000000" pitchFamily="2" charset="0"/>
                 <a:cs typeface="CMU Serif Roman" panose="02000603000000000000" pitchFamily="2" charset="0"/>
               </a:rPr>
-              <a:t>with a new QoS current value</a:t>
-            </a:r>
-            <a:endParaRPr lang="en-GB" sz="1100" dirty="0">
+              <a:t>a new QoS current value</a:t>
+            </a:r>
+            <a:endParaRPr lang="en-GB" sz="1200" dirty="0">
               <a:latin typeface="CMU Serif Roman" panose="02000603000000000000" pitchFamily="2" charset="0"/>
               <a:ea typeface="CMU Serif Roman" panose="02000603000000000000" pitchFamily="2" charset="0"/>
               <a:cs typeface="CMU Serif Roman" panose="02000603000000000000" pitchFamily="2" charset="0"/>
@@ -11627,8 +11479,8 @@
         </p:nvSpPr>
         <p:spPr>
           <a:xfrm>
-            <a:off x="2332257" y="5655641"/>
-            <a:ext cx="684804" cy="261610"/>
+            <a:off x="2389326" y="5703347"/>
+            <a:ext cx="729687" cy="276999"/>
           </a:xfrm>
           <a:prstGeom prst="rect">
             <a:avLst/>
@@ -11643,14 +11495,14 @@
           <a:p>
             <a:pPr algn="ctr"/>
             <a:r>
-              <a:rPr lang="en-GB" sz="1100" noProof="1">
+              <a:rPr lang="en-GB" sz="1200" noProof="1">
                 <a:latin typeface="CMU Serif Roman" panose="02000603000000000000" pitchFamily="2" charset="0"/>
                 <a:ea typeface="CMU Serif Roman" panose="02000603000000000000" pitchFamily="2" charset="0"/>
                 <a:cs typeface="CMU Serif Roman" panose="02000603000000000000" pitchFamily="2" charset="0"/>
               </a:rPr>
               <a:t>AFTER</a:t>
             </a:r>
-            <a:endParaRPr lang="en-GB" sz="1100" dirty="0">
+            <a:endParaRPr lang="en-GB" sz="1200" dirty="0">
               <a:latin typeface="CMU Serif Roman" panose="02000603000000000000" pitchFamily="2" charset="0"/>
               <a:ea typeface="CMU Serif Roman" panose="02000603000000000000" pitchFamily="2" charset="0"/>
               <a:cs typeface="CMU Serif Roman" panose="02000603000000000000" pitchFamily="2" charset="0"/>
@@ -11658,12 +11510,135 @@
           </a:p>
         </p:txBody>
       </p:sp>
+      <p:sp>
+        <p:nvSpPr>
+          <p:cNvPr id="44" name="Parentesi quadra aperta 43">
+            <a:extLst>
+              <a:ext uri="{FF2B5EF4-FFF2-40B4-BE49-F238E27FC236}">
+                <a16:creationId xmlns:a16="http://schemas.microsoft.com/office/drawing/2014/main" id="{E1FC5B5E-37F5-D19D-E8FF-459CCEB4699B}"/>
+              </a:ext>
+            </a:extLst>
+          </p:cNvPr>
+          <p:cNvSpPr/>
+          <p:nvPr/>
+        </p:nvSpPr>
+        <p:spPr>
+          <a:xfrm rot="16200000">
+            <a:off x="5803323" y="4321504"/>
+            <a:ext cx="36000" cy="1512000"/>
+          </a:xfrm>
+          <a:prstGeom prst="leftBracket">
+            <a:avLst/>
+          </a:prstGeom>
+        </p:spPr>
+        <p:style>
+          <a:lnRef idx="1">
+            <a:schemeClr val="accent1"/>
+          </a:lnRef>
+          <a:fillRef idx="0">
+            <a:schemeClr val="accent1"/>
+          </a:fillRef>
+          <a:effectRef idx="0">
+            <a:schemeClr val="accent1"/>
+          </a:effectRef>
+          <a:fontRef idx="minor">
+            <a:schemeClr val="tx1"/>
+          </a:fontRef>
+        </p:style>
+        <p:txBody>
+          <a:bodyPr rtlCol="0" anchor="ctr"/>
+          <a:lstStyle/>
+          <a:p>
+            <a:pPr algn="ctr"/>
+            <a:endParaRPr lang="en-GB" sz="1200" dirty="0">
+              <a:latin typeface="CMU Serif Roman" panose="02000603000000000000" pitchFamily="2" charset="0"/>
+              <a:ea typeface="CMU Serif Roman" panose="02000603000000000000" pitchFamily="2" charset="0"/>
+              <a:cs typeface="CMU Serif Roman" panose="02000603000000000000" pitchFamily="2" charset="0"/>
+            </a:endParaRPr>
+          </a:p>
+        </p:txBody>
+      </p:sp>
+      <p:sp>
+        <p:nvSpPr>
+          <p:cNvPr id="45" name="CasellaDiTesto 44">
+            <a:extLst>
+              <a:ext uri="{FF2B5EF4-FFF2-40B4-BE49-F238E27FC236}">
+                <a16:creationId xmlns:a16="http://schemas.microsoft.com/office/drawing/2014/main" id="{155B923B-A96D-A53B-DF2F-61F19807E192}"/>
+              </a:ext>
+            </a:extLst>
+          </p:cNvPr>
+          <p:cNvSpPr txBox="1"/>
+          <p:nvPr/>
+        </p:nvSpPr>
+        <p:spPr>
+          <a:xfrm>
+            <a:off x="4400418" y="5104690"/>
+            <a:ext cx="2862136" cy="461665"/>
+          </a:xfrm>
+          <a:prstGeom prst="rect">
+            <a:avLst/>
+          </a:prstGeom>
+          <a:noFill/>
+        </p:spPr>
+        <p:txBody>
+          <a:bodyPr wrap="square" rtlCol="0">
+            <a:spAutoFit/>
+          </a:bodyPr>
+          <a:lstStyle/>
+          <a:p>
+            <a:pPr algn="ctr"/>
+            <a:r>
+              <a:rPr lang="en-GB" sz="1200" dirty="0">
+                <a:latin typeface="CMU Concrete Roman" panose="02000603000000000000" pitchFamily="2" charset="0"/>
+                <a:ea typeface="CMU Concrete Roman" panose="02000603000000000000" pitchFamily="2" charset="0"/>
+                <a:cs typeface="CMU Concrete Roman" panose="02000603000000000000" pitchFamily="2" charset="0"/>
+              </a:rPr>
+              <a:t>m ≤ k</a:t>
+            </a:r>
+            <a:r>
+              <a:rPr lang="en-GB" sz="1200" dirty="0">
+                <a:latin typeface="CMU Serif Roman" panose="02000603000000000000" pitchFamily="2" charset="0"/>
+                <a:ea typeface="CMU Serif Roman" panose="02000603000000000000" pitchFamily="2" charset="0"/>
+                <a:cs typeface="CMU Serif Roman" panose="02000603000000000000" pitchFamily="2" charset="0"/>
+              </a:rPr>
+              <a:t> Valid Values</a:t>
+            </a:r>
+          </a:p>
+          <a:p>
+            <a:pPr algn="ctr"/>
+            <a:r>
+              <a:rPr lang="en-GB" sz="1200" dirty="0">
+                <a:latin typeface="CMU Concrete Roman" panose="02000603000000000000" pitchFamily="2" charset="0"/>
+                <a:ea typeface="CMU Concrete Roman" panose="02000603000000000000" pitchFamily="2" charset="0"/>
+                <a:cs typeface="CMU Concrete Roman" panose="02000603000000000000" pitchFamily="2" charset="0"/>
+              </a:rPr>
+              <a:t>+ k-</a:t>
+            </a:r>
+            <a:r>
+              <a:rPr lang="en-GB" sz="1200" dirty="0">
+                <a:latin typeface="CMU Concrete Roman" panose="02000603000000000000" pitchFamily="2" charset="0"/>
+                <a:ea typeface="CMU Concrete Roman" panose="02000603000000000000" pitchFamily="2" charset="0"/>
+                <a:cs typeface="CMU Concrete Roman" panose="02000603000000000000" pitchFamily="2" charset="0"/>
+              </a:rPr>
+              <a:t>m </a:t>
+            </a:r>
+            <a:r>
+              <a:rPr lang="en-GB" sz="1200" dirty="0">
+                <a:latin typeface="CMU Serif Roman" panose="02000603000000000000" pitchFamily="2" charset="0"/>
+                <a:ea typeface="CMU Serif Roman" panose="02000603000000000000" pitchFamily="2" charset="0"/>
+                <a:cs typeface="CMU Serif Roman" panose="02000603000000000000" pitchFamily="2" charset="0"/>
+              </a:rPr>
+              <a:t>Instance QoS current value </a:t>
+            </a:r>
+          </a:p>
+        </p:txBody>
+      </p:sp>
       <p:cxnSp>
         <p:nvCxnSpPr>
-          <p:cNvPr id="41" name="Connettore 2 40">
-            <a:extLst>
-              <a:ext uri="{FF2B5EF4-FFF2-40B4-BE49-F238E27FC236}">
-                <a16:creationId xmlns:a16="http://schemas.microsoft.com/office/drawing/2014/main" id="{D5D7BC19-1E6B-9FD7-2C4B-5BD4B1579922}"/>
+          <p:cNvPr id="3" name="Connettore 2 2">
+            <a:extLst>
+              <a:ext uri="{FF2B5EF4-FFF2-40B4-BE49-F238E27FC236}">
+                <a16:creationId xmlns:a16="http://schemas.microsoft.com/office/drawing/2014/main" id="{E5EDE97A-BB31-5DB6-CDB9-8B58D1C04ABF}"/>
               </a:ext>
             </a:extLst>
           </p:cNvPr>
@@ -11674,8 +11649,8 @@
         </p:nvCxnSpPr>
         <p:spPr>
           <a:xfrm>
-            <a:off x="6718205" y="4777194"/>
-            <a:ext cx="2020627" cy="0"/>
+            <a:off x="6665932" y="2585346"/>
+            <a:ext cx="2328126" cy="0"/>
           </a:xfrm>
           <a:prstGeom prst="straightConnector1">
             <a:avLst/>
@@ -11701,10 +11676,10 @@
       </p:cxnSp>
       <p:sp>
         <p:nvSpPr>
-          <p:cNvPr id="42" name="CasellaDiTesto 41">
-            <a:extLst>
-              <a:ext uri="{FF2B5EF4-FFF2-40B4-BE49-F238E27FC236}">
-                <a16:creationId xmlns:a16="http://schemas.microsoft.com/office/drawing/2014/main" id="{127C5509-6BEA-F43E-07B0-08B3189C7513}"/>
+          <p:cNvPr id="4" name="CasellaDiTesto 3">
+            <a:extLst>
+              <a:ext uri="{FF2B5EF4-FFF2-40B4-BE49-F238E27FC236}">
+                <a16:creationId xmlns:a16="http://schemas.microsoft.com/office/drawing/2014/main" id="{7C6F9E31-8231-4CF7-55EA-EC3A6D280952}"/>
               </a:ext>
             </a:extLst>
           </p:cNvPr>
@@ -11713,8 +11688,8 @@
         </p:nvSpPr>
         <p:spPr>
           <a:xfrm>
-            <a:off x="6693512" y="4510008"/>
-            <a:ext cx="2040943" cy="253916"/>
+            <a:off x="6648143" y="2308347"/>
+            <a:ext cx="2311851" cy="276999"/>
           </a:xfrm>
           <a:prstGeom prst="rect">
             <a:avLst/>
@@ -11728,7 +11703,7 @@
           <a:lstStyle/>
           <a:p>
             <a:r>
-              <a:rPr lang="en-GB" sz="1050" dirty="0">
+              <a:rPr lang="en-GB" sz="1200" dirty="0">
                 <a:latin typeface="CMU Serif Roman" panose="02000603000000000000" pitchFamily="2" charset="0"/>
                 <a:ea typeface="CMU Serif Roman" panose="02000603000000000000" pitchFamily="2" charset="0"/>
                 <a:cs typeface="CMU Serif Roman" panose="02000603000000000000" pitchFamily="2" charset="0"/>
@@ -11738,26 +11713,31 @@
           </a:p>
         </p:txBody>
       </p:sp>
-      <p:sp>
-        <p:nvSpPr>
-          <p:cNvPr id="44" name="Parentesi quadra aperta 43">
-            <a:extLst>
-              <a:ext uri="{FF2B5EF4-FFF2-40B4-BE49-F238E27FC236}">
-                <a16:creationId xmlns:a16="http://schemas.microsoft.com/office/drawing/2014/main" id="{E1FC5B5E-37F5-D19D-E8FF-459CCEB4699B}"/>
-              </a:ext>
-            </a:extLst>
-          </p:cNvPr>
-          <p:cNvSpPr/>
+      <p:cxnSp>
+        <p:nvCxnSpPr>
+          <p:cNvPr id="5" name="Connettore 2 4">
+            <a:extLst>
+              <a:ext uri="{FF2B5EF4-FFF2-40B4-BE49-F238E27FC236}">
+                <a16:creationId xmlns:a16="http://schemas.microsoft.com/office/drawing/2014/main" id="{510CB1E6-8522-2B1E-C063-9864DA1877D2}"/>
+              </a:ext>
+            </a:extLst>
+          </p:cNvPr>
+          <p:cNvCxnSpPr>
+            <a:cxnSpLocks/>
+          </p:cNvCxnSpPr>
           <p:nvPr/>
-        </p:nvSpPr>
-        <p:spPr>
-          <a:xfrm rot="16200000">
-            <a:off x="5803323" y="4321504"/>
-            <a:ext cx="36000" cy="1512000"/>
-          </a:xfrm>
-          <a:prstGeom prst="leftBracket">
+        </p:nvCxnSpPr>
+        <p:spPr>
+          <a:xfrm>
+            <a:off x="6683721" y="4744215"/>
+            <a:ext cx="2328126" cy="0"/>
+          </a:xfrm>
+          <a:prstGeom prst="straightConnector1">
             <a:avLst/>
           </a:prstGeom>
+          <a:ln>
+            <a:tailEnd type="triangle"/>
+          </a:ln>
         </p:spPr>
         <p:style>
           <a:lnRef idx="1">
@@ -11773,25 +11753,13 @@
             <a:schemeClr val="tx1"/>
           </a:fontRef>
         </p:style>
-        <p:txBody>
-          <a:bodyPr rtlCol="0" anchor="ctr"/>
-          <a:lstStyle/>
-          <a:p>
-            <a:pPr algn="ctr"/>
-            <a:endParaRPr lang="en-GB" dirty="0">
-              <a:latin typeface="CMU Serif Roman" panose="02000603000000000000" pitchFamily="2" charset="0"/>
-              <a:ea typeface="CMU Serif Roman" panose="02000603000000000000" pitchFamily="2" charset="0"/>
-              <a:cs typeface="CMU Serif Roman" panose="02000603000000000000" pitchFamily="2" charset="0"/>
-            </a:endParaRPr>
-          </a:p>
-        </p:txBody>
-      </p:sp>
-      <p:sp>
-        <p:nvSpPr>
-          <p:cNvPr id="45" name="CasellaDiTesto 44">
-            <a:extLst>
-              <a:ext uri="{FF2B5EF4-FFF2-40B4-BE49-F238E27FC236}">
-                <a16:creationId xmlns:a16="http://schemas.microsoft.com/office/drawing/2014/main" id="{155B923B-A96D-A53B-DF2F-61F19807E192}"/>
+      </p:cxnSp>
+      <p:sp>
+        <p:nvSpPr>
+          <p:cNvPr id="6" name="CasellaDiTesto 5">
+            <a:extLst>
+              <a:ext uri="{FF2B5EF4-FFF2-40B4-BE49-F238E27FC236}">
+                <a16:creationId xmlns:a16="http://schemas.microsoft.com/office/drawing/2014/main" id="{34A1810D-2DDB-FC81-F969-D875268F0D11}"/>
               </a:ext>
             </a:extLst>
           </p:cNvPr>
@@ -11800,8 +11768,8 @@
         </p:nvSpPr>
         <p:spPr>
           <a:xfrm>
-            <a:off x="5070109" y="5114069"/>
-            <a:ext cx="1512000" cy="261610"/>
+            <a:off x="6665932" y="4467216"/>
+            <a:ext cx="2311851" cy="276999"/>
           </a:xfrm>
           <a:prstGeom prst="rect">
             <a:avLst/>
@@ -11809,27 +11777,18 @@
           <a:noFill/>
         </p:spPr>
         <p:txBody>
-          <a:bodyPr wrap="square" rtlCol="0">
+          <a:bodyPr wrap="none" rtlCol="0">
             <a:spAutoFit/>
           </a:bodyPr>
           <a:lstStyle/>
           <a:p>
-            <a:pPr algn="ctr"/>
-            <a:r>
-              <a:rPr lang="en-GB" sz="1100" dirty="0">
-                <a:latin typeface="CMU Concrete Roman" panose="02000603000000000000" pitchFamily="2" charset="0"/>
-                <a:ea typeface="CMU Concrete Roman" panose="02000603000000000000" pitchFamily="2" charset="0"/>
-                <a:cs typeface="CMU Concrete Roman" panose="02000603000000000000" pitchFamily="2" charset="0"/>
-              </a:rPr>
-              <a:t>m ≤ k</a:t>
-            </a:r>
-            <a:r>
-              <a:rPr lang="en-GB" sz="1100" dirty="0">
+            <a:r>
+              <a:rPr lang="en-GB" sz="1200" dirty="0">
                 <a:latin typeface="CMU Serif Roman" panose="02000603000000000000" pitchFamily="2" charset="0"/>
                 <a:ea typeface="CMU Serif Roman" panose="02000603000000000000" pitchFamily="2" charset="0"/>
                 <a:cs typeface="CMU Serif Roman" panose="02000603000000000000" pitchFamily="2" charset="0"/>
               </a:rPr>
-              <a:t> Valid Values</a:t>
+              <a:t>During each Analysis execution</a:t>
             </a:r>
           </a:p>
         </p:txBody>

--- a/documents/Managing System/MetricsAndQoS/MetricsAndQoS.pptx
+++ b/documents/Managing System/MetricsAndQoS/MetricsAndQoS.pptx
@@ -3046,7 +3046,7 @@
           <a:p>
             <a:fld id="{D758E45E-C8C5-BA4F-AA2C-0C40076B5C28}" type="datetimeFigureOut">
               <a:rPr lang="en-GB" smtClean="0"/>
-              <a:t>07/11/2022</a:t>
+              <a:t>28/11/2022</a:t>
             </a:fld>
             <a:endParaRPr lang="en-GB"/>
           </a:p>
@@ -3547,7 +3547,7 @@
           <a:p>
             <a:fld id="{62C199F6-8AFD-9248-B232-FB99D0FCDA97}" type="datetimeFigureOut">
               <a:rPr lang="en-GB" smtClean="0"/>
-              <a:t>07/11/2022</a:t>
+              <a:t>28/11/2022</a:t>
             </a:fld>
             <a:endParaRPr lang="en-GB" dirty="0"/>
           </a:p>
@@ -3747,7 +3747,7 @@
           <a:p>
             <a:fld id="{62C199F6-8AFD-9248-B232-FB99D0FCDA97}" type="datetimeFigureOut">
               <a:rPr lang="en-GB" smtClean="0"/>
-              <a:t>07/11/2022</a:t>
+              <a:t>28/11/2022</a:t>
             </a:fld>
             <a:endParaRPr lang="en-GB" dirty="0"/>
           </a:p>
@@ -3957,7 +3957,7 @@
           <a:p>
             <a:fld id="{62C199F6-8AFD-9248-B232-FB99D0FCDA97}" type="datetimeFigureOut">
               <a:rPr lang="en-GB" smtClean="0"/>
-              <a:t>07/11/2022</a:t>
+              <a:t>28/11/2022</a:t>
             </a:fld>
             <a:endParaRPr lang="en-GB" dirty="0"/>
           </a:p>
@@ -4157,7 +4157,7 @@
           <a:p>
             <a:fld id="{62C199F6-8AFD-9248-B232-FB99D0FCDA97}" type="datetimeFigureOut">
               <a:rPr lang="en-GB" smtClean="0"/>
-              <a:t>07/11/2022</a:t>
+              <a:t>28/11/2022</a:t>
             </a:fld>
             <a:endParaRPr lang="en-GB" dirty="0"/>
           </a:p>
@@ -4433,7 +4433,7 @@
           <a:p>
             <a:fld id="{62C199F6-8AFD-9248-B232-FB99D0FCDA97}" type="datetimeFigureOut">
               <a:rPr lang="en-GB" smtClean="0"/>
-              <a:t>07/11/2022</a:t>
+              <a:t>28/11/2022</a:t>
             </a:fld>
             <a:endParaRPr lang="en-GB" dirty="0"/>
           </a:p>
@@ -4701,7 +4701,7 @@
           <a:p>
             <a:fld id="{62C199F6-8AFD-9248-B232-FB99D0FCDA97}" type="datetimeFigureOut">
               <a:rPr lang="en-GB" smtClean="0"/>
-              <a:t>07/11/2022</a:t>
+              <a:t>28/11/2022</a:t>
             </a:fld>
             <a:endParaRPr lang="en-GB" dirty="0"/>
           </a:p>
@@ -5116,7 +5116,7 @@
           <a:p>
             <a:fld id="{62C199F6-8AFD-9248-B232-FB99D0FCDA97}" type="datetimeFigureOut">
               <a:rPr lang="en-GB" smtClean="0"/>
-              <a:t>07/11/2022</a:t>
+              <a:t>28/11/2022</a:t>
             </a:fld>
             <a:endParaRPr lang="en-GB" dirty="0"/>
           </a:p>
@@ -5258,7 +5258,7 @@
           <a:p>
             <a:fld id="{62C199F6-8AFD-9248-B232-FB99D0FCDA97}" type="datetimeFigureOut">
               <a:rPr lang="en-GB" smtClean="0"/>
-              <a:t>07/11/2022</a:t>
+              <a:t>28/11/2022</a:t>
             </a:fld>
             <a:endParaRPr lang="en-GB" dirty="0"/>
           </a:p>
@@ -5371,7 +5371,7 @@
           <a:p>
             <a:fld id="{62C199F6-8AFD-9248-B232-FB99D0FCDA97}" type="datetimeFigureOut">
               <a:rPr lang="en-GB" smtClean="0"/>
-              <a:t>07/11/2022</a:t>
+              <a:t>28/11/2022</a:t>
             </a:fld>
             <a:endParaRPr lang="en-GB" dirty="0"/>
           </a:p>
@@ -5684,7 +5684,7 @@
           <a:p>
             <a:fld id="{62C199F6-8AFD-9248-B232-FB99D0FCDA97}" type="datetimeFigureOut">
               <a:rPr lang="en-GB" smtClean="0"/>
-              <a:t>07/11/2022</a:t>
+              <a:t>28/11/2022</a:t>
             </a:fld>
             <a:endParaRPr lang="en-GB" dirty="0"/>
           </a:p>
@@ -5973,7 +5973,7 @@
           <a:p>
             <a:fld id="{62C199F6-8AFD-9248-B232-FB99D0FCDA97}" type="datetimeFigureOut">
               <a:rPr lang="en-GB" smtClean="0"/>
-              <a:t>07/11/2022</a:t>
+              <a:t>28/11/2022</a:t>
             </a:fld>
             <a:endParaRPr lang="en-GB" dirty="0"/>
           </a:p>
@@ -6216,7 +6216,7 @@
           <a:p>
             <a:fld id="{62C199F6-8AFD-9248-B232-FB99D0FCDA97}" type="datetimeFigureOut">
               <a:rPr lang="en-GB" smtClean="0"/>
-              <a:t>07/11/2022</a:t>
+              <a:t>28/11/2022</a:t>
             </a:fld>
             <a:endParaRPr lang="en-GB" dirty="0"/>
           </a:p>
@@ -6646,13 +6646,13 @@
           <p:nvPr>
             <p:extLst>
               <p:ext uri="{D42A27DB-BD31-4B8C-83A1-F6EECF244321}">
-                <p14:modId xmlns:p14="http://schemas.microsoft.com/office/powerpoint/2010/main" val="2356061600"/>
+                <p14:modId xmlns:p14="http://schemas.microsoft.com/office/powerpoint/2010/main" val="480718326"/>
               </p:ext>
             </p:extLst>
           </p:nvPr>
         </p:nvGraphicFramePr>
         <p:xfrm>
-          <a:off x="3277713" y="650688"/>
+          <a:off x="3588435" y="171291"/>
           <a:ext cx="1152634" cy="842534"/>
         </p:xfrm>
         <a:graphic>
@@ -6675,7 +6675,7 @@
         </p:nvSpPr>
         <p:spPr>
           <a:xfrm>
-            <a:off x="3344278" y="1493222"/>
+            <a:off x="3655000" y="1013825"/>
             <a:ext cx="1019503" cy="461665"/>
           </a:xfrm>
           <a:prstGeom prst="rect">
@@ -6716,9 +6716,9 @@
           <p:nvPr/>
         </p:nvCxnSpPr>
         <p:spPr>
-          <a:xfrm>
-            <a:off x="4472097" y="1160749"/>
-            <a:ext cx="3113865" cy="9642"/>
+          <a:xfrm flipV="1">
+            <a:off x="4919328" y="690994"/>
+            <a:ext cx="2666634" cy="2837"/>
           </a:xfrm>
           <a:prstGeom prst="straightConnector1">
             <a:avLst/>
@@ -6756,7 +6756,7 @@
         </p:nvSpPr>
         <p:spPr>
           <a:xfrm>
-            <a:off x="5398533" y="908781"/>
+            <a:off x="5496188" y="429384"/>
             <a:ext cx="1511952" cy="276999"/>
           </a:xfrm>
           <a:prstGeom prst="rect">
@@ -6795,7 +6795,7 @@
         </p:nvSpPr>
         <p:spPr>
           <a:xfrm>
-            <a:off x="8079675" y="702483"/>
+            <a:off x="8079675" y="223086"/>
             <a:ext cx="289932" cy="412595"/>
           </a:xfrm>
           <a:prstGeom prst="rect">
@@ -6853,7 +6853,7 @@
         </p:nvSpPr>
         <p:spPr>
           <a:xfrm>
-            <a:off x="7658517" y="1846608"/>
+            <a:off x="7658517" y="1367211"/>
             <a:ext cx="1543820" cy="461665"/>
           </a:xfrm>
           <a:prstGeom prst="rect">
@@ -6893,7 +6893,7 @@
         </p:nvSpPr>
         <p:spPr>
           <a:xfrm>
-            <a:off x="3464354" y="2607925"/>
+            <a:off x="3464354" y="2128528"/>
             <a:ext cx="289932" cy="412595"/>
           </a:xfrm>
           <a:prstGeom prst="rect">
@@ -6951,7 +6951,7 @@
         </p:nvSpPr>
         <p:spPr>
           <a:xfrm>
-            <a:off x="3974106" y="2607924"/>
+            <a:off x="3974106" y="2128527"/>
             <a:ext cx="289932" cy="412595"/>
           </a:xfrm>
           <a:prstGeom prst="rect">
@@ -7009,7 +7009,7 @@
         </p:nvSpPr>
         <p:spPr>
           <a:xfrm>
-            <a:off x="4445306" y="2766096"/>
+            <a:off x="4445306" y="2286699"/>
             <a:ext cx="377026" cy="369332"/>
           </a:xfrm>
           <a:prstGeom prst="rect">
@@ -7048,7 +7048,7 @@
         </p:nvSpPr>
         <p:spPr>
           <a:xfrm>
-            <a:off x="4953319" y="2607924"/>
+            <a:off x="4953319" y="2128527"/>
             <a:ext cx="289932" cy="412595"/>
           </a:xfrm>
           <a:prstGeom prst="rect">
@@ -7106,7 +7106,7 @@
         </p:nvSpPr>
         <p:spPr>
           <a:xfrm rot="16200000">
-            <a:off x="4322281" y="2105037"/>
+            <a:off x="4322281" y="1625640"/>
             <a:ext cx="61554" cy="2045339"/>
           </a:xfrm>
           <a:prstGeom prst="leftBracket">
@@ -7154,7 +7154,7 @@
         </p:nvSpPr>
         <p:spPr>
           <a:xfrm>
-            <a:off x="3010560" y="3213903"/>
+            <a:off x="3010560" y="2734506"/>
             <a:ext cx="2684996" cy="646331"/>
           </a:xfrm>
           <a:prstGeom prst="rect">
@@ -7274,7 +7274,7 @@
         </p:nvCxnSpPr>
         <p:spPr>
           <a:xfrm>
-            <a:off x="5601196" y="2806761"/>
+            <a:off x="5601196" y="2327364"/>
             <a:ext cx="2468670" cy="0"/>
           </a:xfrm>
           <a:prstGeom prst="straightConnector1">
@@ -7313,7 +7313,7 @@
         </p:nvSpPr>
         <p:spPr>
           <a:xfrm>
-            <a:off x="5674601" y="2545151"/>
+            <a:off x="5674601" y="2065754"/>
             <a:ext cx="2311851" cy="276999"/>
           </a:xfrm>
           <a:prstGeom prst="rect">
@@ -7352,7 +7352,7 @@
         </p:nvSpPr>
         <p:spPr>
           <a:xfrm>
-            <a:off x="8369607" y="2607924"/>
+            <a:off x="8369607" y="2128527"/>
             <a:ext cx="289932" cy="412595"/>
           </a:xfrm>
           <a:prstGeom prst="rect">
@@ -7410,7 +7410,7 @@
         </p:nvSpPr>
         <p:spPr>
           <a:xfrm>
-            <a:off x="3429959" y="2322978"/>
+            <a:off x="3429959" y="1843581"/>
             <a:ext cx="364202" cy="276999"/>
           </a:xfrm>
           <a:prstGeom prst="rect">
@@ -7462,7 +7462,7 @@
         </p:nvSpPr>
         <p:spPr>
           <a:xfrm>
-            <a:off x="7938256" y="3161399"/>
+            <a:off x="7938256" y="2682002"/>
             <a:ext cx="1152633" cy="276999"/>
           </a:xfrm>
           <a:prstGeom prst="rect">
@@ -7502,7 +7502,7 @@
         </p:nvSpPr>
         <p:spPr>
           <a:xfrm>
-            <a:off x="3464354" y="4264929"/>
+            <a:off x="3464354" y="3670118"/>
             <a:ext cx="289932" cy="412595"/>
           </a:xfrm>
           <a:prstGeom prst="rect">
@@ -7565,7 +7565,7 @@
         </p:nvSpPr>
         <p:spPr>
           <a:xfrm>
-            <a:off x="3974106" y="4264929"/>
+            <a:off x="3974106" y="3670118"/>
             <a:ext cx="289932" cy="412595"/>
           </a:xfrm>
           <a:prstGeom prst="rect">
@@ -7628,7 +7628,7 @@
         </p:nvSpPr>
         <p:spPr>
           <a:xfrm>
-            <a:off x="4451819" y="4424844"/>
+            <a:off x="4451819" y="3830033"/>
             <a:ext cx="377026" cy="369332"/>
           </a:xfrm>
           <a:prstGeom prst="rect">
@@ -7667,7 +7667,7 @@
         </p:nvSpPr>
         <p:spPr>
           <a:xfrm>
-            <a:off x="4966117" y="4264929"/>
+            <a:off x="4966117" y="3670118"/>
             <a:ext cx="289932" cy="412595"/>
           </a:xfrm>
           <a:prstGeom prst="rect">
@@ -7730,7 +7730,7 @@
         </p:nvSpPr>
         <p:spPr>
           <a:xfrm>
-            <a:off x="5468589" y="4264929"/>
+            <a:off x="5468589" y="3670118"/>
             <a:ext cx="289932" cy="412595"/>
           </a:xfrm>
           <a:prstGeom prst="rect">
@@ -7793,7 +7793,7 @@
         </p:nvSpPr>
         <p:spPr>
           <a:xfrm>
-            <a:off x="5978341" y="4264929"/>
+            <a:off x="5978341" y="3670118"/>
             <a:ext cx="289932" cy="412595"/>
           </a:xfrm>
           <a:prstGeom prst="rect">
@@ -7856,7 +7856,7 @@
         </p:nvSpPr>
         <p:spPr>
           <a:xfrm>
-            <a:off x="6456054" y="4424844"/>
+            <a:off x="6456054" y="3830033"/>
             <a:ext cx="377026" cy="369332"/>
           </a:xfrm>
           <a:prstGeom prst="rect">
@@ -7895,7 +7895,7 @@
         </p:nvSpPr>
         <p:spPr>
           <a:xfrm>
-            <a:off x="6970352" y="4264929"/>
+            <a:off x="6970352" y="3670118"/>
             <a:ext cx="289932" cy="412595"/>
           </a:xfrm>
           <a:prstGeom prst="rect">
@@ -7960,8 +7960,8 @@
         </p:nvCxnSpPr>
         <p:spPr>
           <a:xfrm flipH="1">
-            <a:off x="7260284" y="3441111"/>
-            <a:ext cx="901748" cy="823818"/>
+            <a:off x="7260284" y="2961714"/>
+            <a:ext cx="901748" cy="709263"/>
           </a:xfrm>
           <a:prstGeom prst="straightConnector1">
             <a:avLst/>
@@ -8002,7 +8002,7 @@
         </p:nvSpPr>
         <p:spPr>
           <a:xfrm>
-            <a:off x="8122719" y="4071404"/>
+            <a:off x="8122719" y="3476593"/>
             <a:ext cx="289932" cy="412595"/>
           </a:xfrm>
           <a:prstGeom prst="rect">
@@ -8065,7 +8065,7 @@
         </p:nvSpPr>
         <p:spPr>
           <a:xfrm>
-            <a:off x="8456408" y="4154376"/>
+            <a:off x="8456408" y="3559565"/>
             <a:ext cx="955711" cy="276999"/>
           </a:xfrm>
           <a:prstGeom prst="rect">
@@ -8104,7 +8104,7 @@
         </p:nvSpPr>
         <p:spPr>
           <a:xfrm>
-            <a:off x="8122719" y="4674378"/>
+            <a:off x="8122719" y="4079567"/>
             <a:ext cx="289932" cy="412595"/>
           </a:xfrm>
           <a:prstGeom prst="rect">
@@ -8167,7 +8167,7 @@
         </p:nvSpPr>
         <p:spPr>
           <a:xfrm>
-            <a:off x="8456408" y="4749870"/>
+            <a:off x="8456408" y="4155059"/>
             <a:ext cx="1063112" cy="276999"/>
           </a:xfrm>
           <a:prstGeom prst="rect">
@@ -8206,7 +8206,7 @@
         </p:nvSpPr>
         <p:spPr>
           <a:xfrm>
-            <a:off x="3150700" y="4695626"/>
+            <a:off x="3150700" y="4100815"/>
             <a:ext cx="917239" cy="276999"/>
           </a:xfrm>
           <a:prstGeom prst="rect">
@@ -8246,7 +8246,7 @@
         </p:nvSpPr>
         <p:spPr>
           <a:xfrm>
-            <a:off x="6608611" y="4695626"/>
+            <a:off x="6608611" y="4100815"/>
             <a:ext cx="1013419" cy="276999"/>
           </a:xfrm>
           <a:prstGeom prst="rect">
@@ -8286,7 +8286,7 @@
         </p:nvSpPr>
         <p:spPr>
           <a:xfrm rot="16200000">
-            <a:off x="5372773" y="2825831"/>
+            <a:off x="5372773" y="2231020"/>
             <a:ext cx="45719" cy="4308529"/>
           </a:xfrm>
           <a:prstGeom prst="leftBracket">
@@ -8334,7 +8334,7 @@
         </p:nvSpPr>
         <p:spPr>
           <a:xfrm>
-            <a:off x="5329557" y="5004810"/>
+            <a:off x="5329557" y="4409999"/>
             <a:ext cx="1016625" cy="276999"/>
           </a:xfrm>
           <a:prstGeom prst="rect">
@@ -8376,7 +8376,7 @@
         </p:nvCxnSpPr>
         <p:spPr>
           <a:xfrm flipH="1">
-            <a:off x="5243251" y="1500715"/>
+            <a:off x="5243251" y="1021318"/>
             <a:ext cx="2981390" cy="1119834"/>
           </a:xfrm>
           <a:prstGeom prst="straightConnector1">
@@ -8412,13 +8412,12 @@
           </p:cNvPr>
           <p:cNvCxnSpPr>
             <a:cxnSpLocks/>
-            <a:endCxn id="82" idx="0"/>
           </p:cNvCxnSpPr>
           <p:nvPr/>
         </p:nvCxnSpPr>
         <p:spPr>
           <a:xfrm>
-            <a:off x="5365842" y="4052812"/>
+            <a:off x="5365842" y="3458001"/>
             <a:ext cx="0" cy="1281279"/>
           </a:xfrm>
           <a:prstGeom prst="line">
@@ -8460,7 +8459,7 @@
         </p:nvSpPr>
         <p:spPr>
           <a:xfrm>
-            <a:off x="4324314" y="5334091"/>
+            <a:off x="4324314" y="4730402"/>
             <a:ext cx="2083055" cy="276999"/>
           </a:xfrm>
           <a:prstGeom prst="rect">
@@ -8500,8 +8499,8 @@
         </p:nvSpPr>
         <p:spPr>
           <a:xfrm>
-            <a:off x="2097074" y="2689152"/>
-            <a:ext cx="974947" cy="276999"/>
+            <a:off x="2097075" y="2209755"/>
+            <a:ext cx="974946" cy="276999"/>
           </a:xfrm>
           <a:prstGeom prst="rect">
             <a:avLst/>
@@ -8541,10 +8540,10 @@
       </p:sp>
       <p:sp>
         <p:nvSpPr>
-          <p:cNvPr id="9" name="CasellaDiTesto 8">
-            <a:extLst>
-              <a:ext uri="{FF2B5EF4-FFF2-40B4-BE49-F238E27FC236}">
-                <a16:creationId xmlns:a16="http://schemas.microsoft.com/office/drawing/2014/main" id="{046DB53E-48F6-5765-5BD1-4A1DE29B65E2}"/>
+          <p:cNvPr id="10" name="CasellaDiTesto 9">
+            <a:extLst>
+              <a:ext uri="{FF2B5EF4-FFF2-40B4-BE49-F238E27FC236}">
+                <a16:creationId xmlns:a16="http://schemas.microsoft.com/office/drawing/2014/main" id="{A2B50703-6CAB-6A91-711F-EE50527D8DCC}"/>
               </a:ext>
             </a:extLst>
           </p:cNvPr>
@@ -8553,61 +8552,8 @@
         </p:nvSpPr>
         <p:spPr>
           <a:xfrm>
-            <a:off x="2097074" y="4340421"/>
-            <a:ext cx="974947" cy="276999"/>
-          </a:xfrm>
-          <a:prstGeom prst="rect">
-            <a:avLst/>
-          </a:prstGeom>
-          <a:noFill/>
-        </p:spPr>
-        <p:txBody>
-          <a:bodyPr wrap="none" rtlCol="0">
-            <a:spAutoFit/>
-          </a:bodyPr>
-          <a:lstStyle/>
-          <a:p>
-            <a:pPr algn="r"/>
-            <a:r>
-              <a:rPr lang="en-GB" sz="1200" noProof="1">
-                <a:latin typeface="CMU Serif Roman" panose="02000603000000000000" pitchFamily="2" charset="0"/>
-                <a:ea typeface="CMU Serif Roman" panose="02000603000000000000" pitchFamily="2" charset="0"/>
-                <a:cs typeface="CMU Serif Roman" panose="02000603000000000000" pitchFamily="2" charset="0"/>
-              </a:rPr>
-              <a:t>∀ instance </a:t>
-            </a:r>
-            <a:r>
-              <a:rPr lang="en-GB" sz="1200" noProof="1">
-                <a:latin typeface="CMU Concrete Roman" panose="02000603000000000000" pitchFamily="2" charset="0"/>
-                <a:ea typeface="CMU Concrete Roman" panose="02000603000000000000" pitchFamily="2" charset="0"/>
-                <a:cs typeface="CMU Concrete Roman" panose="02000603000000000000" pitchFamily="2" charset="0"/>
-              </a:rPr>
-              <a:t>i</a:t>
-            </a:r>
-            <a:endParaRPr lang="en-GB" sz="1200" noProof="1">
-              <a:latin typeface="CMU Serif Roman" panose="02000603000000000000" pitchFamily="2" charset="0"/>
-              <a:ea typeface="CMU Serif Roman" panose="02000603000000000000" pitchFamily="2" charset="0"/>
-              <a:cs typeface="CMU Serif Roman" panose="02000603000000000000" pitchFamily="2" charset="0"/>
-            </a:endParaRPr>
-          </a:p>
-        </p:txBody>
-      </p:sp>
-      <p:sp>
-        <p:nvSpPr>
-          <p:cNvPr id="10" name="CasellaDiTesto 9">
-            <a:extLst>
-              <a:ext uri="{FF2B5EF4-FFF2-40B4-BE49-F238E27FC236}">
-                <a16:creationId xmlns:a16="http://schemas.microsoft.com/office/drawing/2014/main" id="{A2B50703-6CAB-6A91-711F-EE50527D8DCC}"/>
-              </a:ext>
-            </a:extLst>
-          </p:cNvPr>
-          <p:cNvSpPr txBox="1"/>
-          <p:nvPr/>
-        </p:nvSpPr>
-        <p:spPr>
-          <a:xfrm>
-            <a:off x="4472097" y="2322978"/>
-            <a:ext cx="341760" cy="276999"/>
+            <a:off x="3948192" y="1843581"/>
+            <a:ext cx="364202" cy="276999"/>
           </a:xfrm>
           <a:prstGeom prst="rect">
             <a:avLst/>
@@ -8634,7 +8580,7 @@
                 <a:ea typeface="CMU Serif Roman" panose="02000603000000000000" pitchFamily="2" charset="0"/>
                 <a:cs typeface="CMU Serif Roman" panose="02000603000000000000" pitchFamily="2" charset="0"/>
               </a:rPr>
-              <a:t>i</a:t>
+              <a:t>2</a:t>
             </a:r>
             <a:endParaRPr lang="en-GB" sz="1200" baseline="-25000" noProof="1">
               <a:latin typeface="CMU Serif Roman" panose="02000603000000000000" pitchFamily="2" charset="0"/>
@@ -8658,7 +8604,7 @@
         </p:nvSpPr>
         <p:spPr>
           <a:xfrm>
-            <a:off x="4942108" y="2322978"/>
+            <a:off x="4942108" y="1843581"/>
             <a:ext cx="370614" cy="276999"/>
           </a:xfrm>
           <a:prstGeom prst="rect">
@@ -8710,7 +8656,7 @@
         </p:nvSpPr>
         <p:spPr>
           <a:xfrm>
-            <a:off x="7776384" y="505535"/>
+            <a:off x="7776384" y="26138"/>
             <a:ext cx="1308086" cy="1308086"/>
           </a:xfrm>
           <a:prstGeom prst="ellipse">
@@ -8761,7 +8707,7 @@
         </p:nvSpPr>
         <p:spPr>
           <a:xfrm>
-            <a:off x="8625029" y="871020"/>
+            <a:off x="8625029" y="391623"/>
             <a:ext cx="289932" cy="412595"/>
           </a:xfrm>
           <a:prstGeom prst="rect">
@@ -8819,7 +8765,7 @@
         </p:nvSpPr>
         <p:spPr>
           <a:xfrm>
-            <a:off x="8224641" y="1294417"/>
+            <a:off x="8224641" y="815020"/>
             <a:ext cx="289932" cy="412595"/>
           </a:xfrm>
           <a:prstGeom prst="rect">
@@ -8856,6 +8802,602 @@
           <a:p>
             <a:pPr algn="ctr"/>
             <a:endParaRPr lang="en-GB" sz="1200" noProof="1">
+              <a:latin typeface="CMU Serif Roman" panose="02000603000000000000" pitchFamily="2" charset="0"/>
+              <a:ea typeface="CMU Serif Roman" panose="02000603000000000000" pitchFamily="2" charset="0"/>
+              <a:cs typeface="CMU Serif Roman" panose="02000603000000000000" pitchFamily="2" charset="0"/>
+            </a:endParaRPr>
+          </a:p>
+        </p:txBody>
+      </p:sp>
+      <p:sp>
+        <p:nvSpPr>
+          <p:cNvPr id="5" name="CasellaDiTesto 4">
+            <a:extLst>
+              <a:ext uri="{FF2B5EF4-FFF2-40B4-BE49-F238E27FC236}">
+                <a16:creationId xmlns:a16="http://schemas.microsoft.com/office/drawing/2014/main" id="{479CBC4D-2573-731F-B101-F5279FBE0042}"/>
+              </a:ext>
+            </a:extLst>
+          </p:cNvPr>
+          <p:cNvSpPr txBox="1"/>
+          <p:nvPr/>
+        </p:nvSpPr>
+        <p:spPr>
+          <a:xfrm>
+            <a:off x="2097075" y="3750688"/>
+            <a:ext cx="974946" cy="276999"/>
+          </a:xfrm>
+          <a:prstGeom prst="rect">
+            <a:avLst/>
+          </a:prstGeom>
+          <a:noFill/>
+        </p:spPr>
+        <p:txBody>
+          <a:bodyPr wrap="none" rtlCol="0">
+            <a:spAutoFit/>
+          </a:bodyPr>
+          <a:lstStyle/>
+          <a:p>
+            <a:pPr algn="r"/>
+            <a:r>
+              <a:rPr lang="en-GB" sz="1200" noProof="1">
+                <a:latin typeface="CMU Serif Roman" panose="02000603000000000000" pitchFamily="2" charset="0"/>
+                <a:ea typeface="CMU Serif Roman" panose="02000603000000000000" pitchFamily="2" charset="0"/>
+                <a:cs typeface="CMU Serif Roman" panose="02000603000000000000" pitchFamily="2" charset="0"/>
+              </a:rPr>
+              <a:t>∀ instance </a:t>
+            </a:r>
+            <a:r>
+              <a:rPr lang="en-GB" sz="1200" noProof="1">
+                <a:latin typeface="CMU Concrete" panose="02000603000000000000" pitchFamily="2" charset="0"/>
+                <a:ea typeface="CMU Concrete" panose="02000603000000000000" pitchFamily="2" charset="0"/>
+                <a:cs typeface="CMU Concrete" panose="02000603000000000000" pitchFamily="2" charset="0"/>
+              </a:rPr>
+              <a:t>i</a:t>
+            </a:r>
+            <a:endParaRPr lang="en-GB" sz="1200" noProof="1">
+              <a:latin typeface="CMU Serif Roman" panose="02000603000000000000" pitchFamily="2" charset="0"/>
+              <a:ea typeface="CMU Serif Roman" panose="02000603000000000000" pitchFamily="2" charset="0"/>
+              <a:cs typeface="CMU Serif Roman" panose="02000603000000000000" pitchFamily="2" charset="0"/>
+            </a:endParaRPr>
+          </a:p>
+        </p:txBody>
+      </p:sp>
+      <p:sp>
+        <p:nvSpPr>
+          <p:cNvPr id="6" name="Ovale 5">
+            <a:extLst>
+              <a:ext uri="{FF2B5EF4-FFF2-40B4-BE49-F238E27FC236}">
+                <a16:creationId xmlns:a16="http://schemas.microsoft.com/office/drawing/2014/main" id="{878AE42B-6BD8-8FC9-CD85-8B739143E3D1}"/>
+              </a:ext>
+            </a:extLst>
+          </p:cNvPr>
+          <p:cNvSpPr/>
+          <p:nvPr/>
+        </p:nvSpPr>
+        <p:spPr>
+          <a:xfrm>
+            <a:off x="3806760" y="5112779"/>
+            <a:ext cx="1308086" cy="1308086"/>
+          </a:xfrm>
+          <a:prstGeom prst="ellipse">
+            <a:avLst/>
+          </a:prstGeom>
+          <a:solidFill>
+            <a:schemeClr val="bg1"/>
+          </a:solidFill>
+        </p:spPr>
+        <p:style>
+          <a:lnRef idx="2">
+            <a:schemeClr val="accent1">
+              <a:shade val="50000"/>
+            </a:schemeClr>
+          </a:lnRef>
+          <a:fillRef idx="1">
+            <a:schemeClr val="accent1"/>
+          </a:fillRef>
+          <a:effectRef idx="0">
+            <a:schemeClr val="accent1"/>
+          </a:effectRef>
+          <a:fontRef idx="minor">
+            <a:schemeClr val="lt1"/>
+          </a:fontRef>
+        </p:style>
+        <p:txBody>
+          <a:bodyPr rtlCol="0" anchor="ctr"/>
+          <a:lstStyle/>
+          <a:p>
+            <a:pPr algn="ctr"/>
+            <a:endParaRPr lang="en-GB" sz="1200">
+              <a:latin typeface="CMU Serif Roman" panose="02000603000000000000" pitchFamily="2" charset="0"/>
+              <a:ea typeface="CMU Serif Roman" panose="02000603000000000000" pitchFamily="2" charset="0"/>
+              <a:cs typeface="CMU Serif Roman" panose="02000603000000000000" pitchFamily="2" charset="0"/>
+            </a:endParaRPr>
+          </a:p>
+        </p:txBody>
+      </p:sp>
+      <p:sp>
+        <p:nvSpPr>
+          <p:cNvPr id="12" name="Rettangolo 11">
+            <a:extLst>
+              <a:ext uri="{FF2B5EF4-FFF2-40B4-BE49-F238E27FC236}">
+                <a16:creationId xmlns:a16="http://schemas.microsoft.com/office/drawing/2014/main" id="{CC01FC26-9C17-E633-11F2-CE64D12BC54F}"/>
+              </a:ext>
+            </a:extLst>
+          </p:cNvPr>
+          <p:cNvSpPr/>
+          <p:nvPr/>
+        </p:nvSpPr>
+        <p:spPr>
+          <a:xfrm>
+            <a:off x="4037481" y="5342349"/>
+            <a:ext cx="289932" cy="412595"/>
+          </a:xfrm>
+          <a:prstGeom prst="rect">
+            <a:avLst/>
+          </a:prstGeom>
+          <a:pattFill prst="pct40">
+            <a:fgClr>
+              <a:srgbClr val="00B050"/>
+            </a:fgClr>
+            <a:bgClr>
+              <a:schemeClr val="bg1"/>
+            </a:bgClr>
+          </a:pattFill>
+          <a:ln>
+            <a:solidFill>
+              <a:srgbClr val="00B050"/>
+            </a:solidFill>
+          </a:ln>
+        </p:spPr>
+        <p:style>
+          <a:lnRef idx="2">
+            <a:schemeClr val="accent1">
+              <a:shade val="50000"/>
+            </a:schemeClr>
+          </a:lnRef>
+          <a:fillRef idx="1">
+            <a:schemeClr val="accent1"/>
+          </a:fillRef>
+          <a:effectRef idx="0">
+            <a:schemeClr val="accent1"/>
+          </a:effectRef>
+          <a:fontRef idx="minor">
+            <a:schemeClr val="lt1"/>
+          </a:fontRef>
+        </p:style>
+        <p:txBody>
+          <a:bodyPr rtlCol="0" anchor="ctr"/>
+          <a:lstStyle/>
+          <a:p>
+            <a:pPr algn="ctr"/>
+            <a:endParaRPr lang="en-GB" sz="1200" dirty="0">
+              <a:latin typeface="CMU Serif Roman" panose="02000603000000000000" pitchFamily="2" charset="0"/>
+              <a:ea typeface="CMU Serif Roman" panose="02000603000000000000" pitchFamily="2" charset="0"/>
+              <a:cs typeface="CMU Serif Roman" panose="02000603000000000000" pitchFamily="2" charset="0"/>
+            </a:endParaRPr>
+          </a:p>
+        </p:txBody>
+      </p:sp>
+      <p:sp>
+        <p:nvSpPr>
+          <p:cNvPr id="13" name="Rettangolo 12">
+            <a:extLst>
+              <a:ext uri="{FF2B5EF4-FFF2-40B4-BE49-F238E27FC236}">
+                <a16:creationId xmlns:a16="http://schemas.microsoft.com/office/drawing/2014/main" id="{08FB02D4-7D39-0D63-6839-3A00121B563B}"/>
+              </a:ext>
+            </a:extLst>
+          </p:cNvPr>
+          <p:cNvSpPr/>
+          <p:nvPr/>
+        </p:nvSpPr>
+        <p:spPr>
+          <a:xfrm>
+            <a:off x="4629396" y="5409300"/>
+            <a:ext cx="289932" cy="412595"/>
+          </a:xfrm>
+          <a:prstGeom prst="rect">
+            <a:avLst/>
+          </a:prstGeom>
+          <a:pattFill prst="pct40">
+            <a:fgClr>
+              <a:srgbClr val="00B050"/>
+            </a:fgClr>
+            <a:bgClr>
+              <a:schemeClr val="bg1"/>
+            </a:bgClr>
+          </a:pattFill>
+          <a:ln>
+            <a:solidFill>
+              <a:srgbClr val="00B050"/>
+            </a:solidFill>
+          </a:ln>
+        </p:spPr>
+        <p:style>
+          <a:lnRef idx="2">
+            <a:schemeClr val="accent1">
+              <a:shade val="50000"/>
+            </a:schemeClr>
+          </a:lnRef>
+          <a:fillRef idx="1">
+            <a:schemeClr val="accent1"/>
+          </a:fillRef>
+          <a:effectRef idx="0">
+            <a:schemeClr val="accent1"/>
+          </a:effectRef>
+          <a:fontRef idx="minor">
+            <a:schemeClr val="lt1"/>
+          </a:fontRef>
+        </p:style>
+        <p:txBody>
+          <a:bodyPr rtlCol="0" anchor="ctr"/>
+          <a:lstStyle/>
+          <a:p>
+            <a:pPr algn="ctr"/>
+            <a:endParaRPr lang="en-GB" sz="1200" dirty="0">
+              <a:latin typeface="CMU Serif Roman" panose="02000603000000000000" pitchFamily="2" charset="0"/>
+              <a:ea typeface="CMU Serif Roman" panose="02000603000000000000" pitchFamily="2" charset="0"/>
+              <a:cs typeface="CMU Serif Roman" panose="02000603000000000000" pitchFamily="2" charset="0"/>
+            </a:endParaRPr>
+          </a:p>
+        </p:txBody>
+      </p:sp>
+      <p:sp>
+        <p:nvSpPr>
+          <p:cNvPr id="14" name="Rettangolo 13">
+            <a:extLst>
+              <a:ext uri="{FF2B5EF4-FFF2-40B4-BE49-F238E27FC236}">
+                <a16:creationId xmlns:a16="http://schemas.microsoft.com/office/drawing/2014/main" id="{77CCA7EB-A3B1-4DFB-013F-84193B2B743C}"/>
+              </a:ext>
+            </a:extLst>
+          </p:cNvPr>
+          <p:cNvSpPr/>
+          <p:nvPr/>
+        </p:nvSpPr>
+        <p:spPr>
+          <a:xfrm>
+            <a:off x="4312699" y="5898888"/>
+            <a:ext cx="289932" cy="412595"/>
+          </a:xfrm>
+          <a:prstGeom prst="rect">
+            <a:avLst/>
+          </a:prstGeom>
+          <a:pattFill prst="pct40">
+            <a:fgClr>
+              <a:srgbClr val="00B050"/>
+            </a:fgClr>
+            <a:bgClr>
+              <a:schemeClr val="bg1"/>
+            </a:bgClr>
+          </a:pattFill>
+          <a:ln>
+            <a:solidFill>
+              <a:srgbClr val="00B050"/>
+            </a:solidFill>
+          </a:ln>
+        </p:spPr>
+        <p:style>
+          <a:lnRef idx="2">
+            <a:schemeClr val="accent1">
+              <a:shade val="50000"/>
+            </a:schemeClr>
+          </a:lnRef>
+          <a:fillRef idx="1">
+            <a:schemeClr val="accent1"/>
+          </a:fillRef>
+          <a:effectRef idx="0">
+            <a:schemeClr val="accent1"/>
+          </a:effectRef>
+          <a:fontRef idx="minor">
+            <a:schemeClr val="lt1"/>
+          </a:fontRef>
+        </p:style>
+        <p:txBody>
+          <a:bodyPr rtlCol="0" anchor="ctr"/>
+          <a:lstStyle/>
+          <a:p>
+            <a:pPr algn="ctr"/>
+            <a:endParaRPr lang="en-GB" sz="1200" dirty="0">
+              <a:latin typeface="CMU Serif Roman" panose="02000603000000000000" pitchFamily="2" charset="0"/>
+              <a:ea typeface="CMU Serif Roman" panose="02000603000000000000" pitchFamily="2" charset="0"/>
+              <a:cs typeface="CMU Serif Roman" panose="02000603000000000000" pitchFamily="2" charset="0"/>
+            </a:endParaRPr>
+          </a:p>
+        </p:txBody>
+      </p:sp>
+      <p:sp>
+        <p:nvSpPr>
+          <p:cNvPr id="15" name="CasellaDiTesto 14">
+            <a:extLst>
+              <a:ext uri="{FF2B5EF4-FFF2-40B4-BE49-F238E27FC236}">
+                <a16:creationId xmlns:a16="http://schemas.microsoft.com/office/drawing/2014/main" id="{607B12E4-2A29-14B2-8BC1-5496B178FB4F}"/>
+              </a:ext>
+            </a:extLst>
+          </p:cNvPr>
+          <p:cNvSpPr txBox="1"/>
+          <p:nvPr/>
+        </p:nvSpPr>
+        <p:spPr>
+          <a:xfrm>
+            <a:off x="3524557" y="6476029"/>
+            <a:ext cx="1866217" cy="461665"/>
+          </a:xfrm>
+          <a:prstGeom prst="rect">
+            <a:avLst/>
+          </a:prstGeom>
+          <a:noFill/>
+        </p:spPr>
+        <p:txBody>
+          <a:bodyPr wrap="none" rtlCol="0">
+            <a:spAutoFit/>
+          </a:bodyPr>
+          <a:lstStyle/>
+          <a:p>
+            <a:pPr algn="ctr"/>
+            <a:r>
+              <a:rPr lang="en-GB" sz="1200" dirty="0">
+                <a:latin typeface="CMU Serif Roman" panose="02000603000000000000" pitchFamily="2" charset="0"/>
+                <a:ea typeface="CMU Serif Roman" panose="02000603000000000000" pitchFamily="2" charset="0"/>
+                <a:cs typeface="CMU Serif Roman" panose="02000603000000000000" pitchFamily="2" charset="0"/>
+              </a:rPr>
+              <a:t>Latest values of all </a:t>
+            </a:r>
+          </a:p>
+          <a:p>
+            <a:pPr algn="ctr"/>
+            <a:r>
+              <a:rPr lang="en-GB" sz="1200" dirty="0">
+                <a:latin typeface="CMU Serif Roman" panose="02000603000000000000" pitchFamily="2" charset="0"/>
+                <a:ea typeface="CMU Serif Roman" panose="02000603000000000000" pitchFamily="2" charset="0"/>
+                <a:cs typeface="CMU Serif Roman" panose="02000603000000000000" pitchFamily="2" charset="0"/>
+              </a:rPr>
+              <a:t>the instances of a service</a:t>
+            </a:r>
+          </a:p>
+        </p:txBody>
+      </p:sp>
+      <p:cxnSp>
+        <p:nvCxnSpPr>
+          <p:cNvPr id="16" name="Connettore 2 15">
+            <a:extLst>
+              <a:ext uri="{FF2B5EF4-FFF2-40B4-BE49-F238E27FC236}">
+                <a16:creationId xmlns:a16="http://schemas.microsoft.com/office/drawing/2014/main" id="{C80529EB-D4EC-88CB-23B3-FA74B156C67B}"/>
+              </a:ext>
+            </a:extLst>
+          </p:cNvPr>
+          <p:cNvCxnSpPr>
+            <a:cxnSpLocks/>
+          </p:cNvCxnSpPr>
+          <p:nvPr/>
+        </p:nvCxnSpPr>
+        <p:spPr>
+          <a:xfrm>
+            <a:off x="5434618" y="5797833"/>
+            <a:ext cx="2328126" cy="0"/>
+          </a:xfrm>
+          <a:prstGeom prst="straightConnector1">
+            <a:avLst/>
+          </a:prstGeom>
+          <a:ln>
+            <a:tailEnd type="triangle"/>
+          </a:ln>
+        </p:spPr>
+        <p:style>
+          <a:lnRef idx="1">
+            <a:schemeClr val="accent1"/>
+          </a:lnRef>
+          <a:fillRef idx="0">
+            <a:schemeClr val="accent1"/>
+          </a:fillRef>
+          <a:effectRef idx="0">
+            <a:schemeClr val="accent1"/>
+          </a:effectRef>
+          <a:fontRef idx="minor">
+            <a:schemeClr val="tx1"/>
+          </a:fontRef>
+        </p:style>
+      </p:cxnSp>
+      <p:sp>
+        <p:nvSpPr>
+          <p:cNvPr id="18" name="Rettangolo 17">
+            <a:extLst>
+              <a:ext uri="{FF2B5EF4-FFF2-40B4-BE49-F238E27FC236}">
+                <a16:creationId xmlns:a16="http://schemas.microsoft.com/office/drawing/2014/main" id="{D23BC3F9-26D7-03DD-5686-B38AE422D4D7}"/>
+              </a:ext>
+            </a:extLst>
+          </p:cNvPr>
+          <p:cNvSpPr/>
+          <p:nvPr/>
+        </p:nvSpPr>
+        <p:spPr>
+          <a:xfrm>
+            <a:off x="8122762" y="5594678"/>
+            <a:ext cx="289932" cy="412595"/>
+          </a:xfrm>
+          <a:prstGeom prst="rect">
+            <a:avLst/>
+          </a:prstGeom>
+          <a:pattFill prst="pct40">
+            <a:fgClr>
+              <a:srgbClr val="00B050"/>
+            </a:fgClr>
+            <a:bgClr>
+              <a:schemeClr val="bg1"/>
+            </a:bgClr>
+          </a:pattFill>
+          <a:ln>
+            <a:solidFill>
+              <a:srgbClr val="00B050"/>
+            </a:solidFill>
+          </a:ln>
+        </p:spPr>
+        <p:style>
+          <a:lnRef idx="2">
+            <a:schemeClr val="accent1">
+              <a:shade val="50000"/>
+            </a:schemeClr>
+          </a:lnRef>
+          <a:fillRef idx="1">
+            <a:schemeClr val="accent1"/>
+          </a:fillRef>
+          <a:effectRef idx="0">
+            <a:schemeClr val="accent1"/>
+          </a:effectRef>
+          <a:fontRef idx="minor">
+            <a:schemeClr val="lt1"/>
+          </a:fontRef>
+        </p:style>
+        <p:txBody>
+          <a:bodyPr rtlCol="0" anchor="ctr"/>
+          <a:lstStyle/>
+          <a:p>
+            <a:pPr algn="ctr"/>
+            <a:endParaRPr lang="en-GB" sz="1200" dirty="0">
+              <a:latin typeface="CMU Serif Roman" panose="02000603000000000000" pitchFamily="2" charset="0"/>
+              <a:ea typeface="CMU Serif Roman" panose="02000603000000000000" pitchFamily="2" charset="0"/>
+              <a:cs typeface="CMU Serif Roman" panose="02000603000000000000" pitchFamily="2" charset="0"/>
+            </a:endParaRPr>
+          </a:p>
+        </p:txBody>
+      </p:sp>
+      <p:sp>
+        <p:nvSpPr>
+          <p:cNvPr id="20" name="CasellaDiTesto 19">
+            <a:extLst>
+              <a:ext uri="{FF2B5EF4-FFF2-40B4-BE49-F238E27FC236}">
+                <a16:creationId xmlns:a16="http://schemas.microsoft.com/office/drawing/2014/main" id="{8A22AA15-FE4B-B2B3-8047-4AE2D4DD62B3}"/>
+              </a:ext>
+            </a:extLst>
+          </p:cNvPr>
+          <p:cNvSpPr txBox="1"/>
+          <p:nvPr/>
+        </p:nvSpPr>
+        <p:spPr>
+          <a:xfrm>
+            <a:off x="7481153" y="6065835"/>
+            <a:ext cx="1609736" cy="461665"/>
+          </a:xfrm>
+          <a:prstGeom prst="rect">
+            <a:avLst/>
+          </a:prstGeom>
+          <a:noFill/>
+        </p:spPr>
+        <p:txBody>
+          <a:bodyPr wrap="none" rtlCol="0">
+            <a:spAutoFit/>
+          </a:bodyPr>
+          <a:lstStyle/>
+          <a:p>
+            <a:pPr algn="ctr"/>
+            <a:r>
+              <a:rPr lang="en-GB" sz="1200" dirty="0">
+                <a:latin typeface="CMU Serif Roman" panose="02000603000000000000" pitchFamily="2" charset="0"/>
+                <a:ea typeface="CMU Serif Roman" panose="02000603000000000000" pitchFamily="2" charset="0"/>
+                <a:cs typeface="CMU Serif Roman" panose="02000603000000000000" pitchFamily="2" charset="0"/>
+              </a:rPr>
+              <a:t>new QoS latest value</a:t>
+            </a:r>
+          </a:p>
+          <a:p>
+            <a:pPr algn="ctr"/>
+            <a:r>
+              <a:rPr lang="en-GB" sz="1200" dirty="0">
+                <a:latin typeface="CMU Serif Roman" panose="02000603000000000000" pitchFamily="2" charset="0"/>
+                <a:ea typeface="CMU Serif Roman" panose="02000603000000000000" pitchFamily="2" charset="0"/>
+                <a:cs typeface="CMU Serif Roman" panose="02000603000000000000" pitchFamily="2" charset="0"/>
+              </a:rPr>
+              <a:t>of the service</a:t>
+            </a:r>
+          </a:p>
+        </p:txBody>
+      </p:sp>
+      <p:sp>
+        <p:nvSpPr>
+          <p:cNvPr id="23" name="CasellaDiTesto 22">
+            <a:extLst>
+              <a:ext uri="{FF2B5EF4-FFF2-40B4-BE49-F238E27FC236}">
+                <a16:creationId xmlns:a16="http://schemas.microsoft.com/office/drawing/2014/main" id="{F500FFC5-D77A-E744-1601-395B094F25F2}"/>
+              </a:ext>
+            </a:extLst>
+          </p:cNvPr>
+          <p:cNvSpPr txBox="1"/>
+          <p:nvPr/>
+        </p:nvSpPr>
+        <p:spPr>
+          <a:xfrm>
+            <a:off x="5416829" y="5520834"/>
+            <a:ext cx="2311851" cy="276999"/>
+          </a:xfrm>
+          <a:prstGeom prst="rect">
+            <a:avLst/>
+          </a:prstGeom>
+          <a:noFill/>
+        </p:spPr>
+        <p:txBody>
+          <a:bodyPr wrap="none" rtlCol="0">
+            <a:spAutoFit/>
+          </a:bodyPr>
+          <a:lstStyle/>
+          <a:p>
+            <a:r>
+              <a:rPr lang="en-GB" sz="1200" dirty="0">
+                <a:latin typeface="CMU Serif Roman" panose="02000603000000000000" pitchFamily="2" charset="0"/>
+                <a:ea typeface="CMU Serif Roman" panose="02000603000000000000" pitchFamily="2" charset="0"/>
+                <a:cs typeface="CMU Serif Roman" panose="02000603000000000000" pitchFamily="2" charset="0"/>
+              </a:rPr>
+              <a:t>During each Analysis execution</a:t>
+            </a:r>
+          </a:p>
+        </p:txBody>
+      </p:sp>
+      <p:sp>
+        <p:nvSpPr>
+          <p:cNvPr id="24" name="CasellaDiTesto 23">
+            <a:extLst>
+              <a:ext uri="{FF2B5EF4-FFF2-40B4-BE49-F238E27FC236}">
+                <a16:creationId xmlns:a16="http://schemas.microsoft.com/office/drawing/2014/main" id="{78D925C7-23F3-9680-3A40-50F990199ACC}"/>
+              </a:ext>
+            </a:extLst>
+          </p:cNvPr>
+          <p:cNvSpPr txBox="1"/>
+          <p:nvPr/>
+        </p:nvSpPr>
+        <p:spPr>
+          <a:xfrm>
+            <a:off x="988665" y="5548646"/>
+            <a:ext cx="2565126" cy="461665"/>
+          </a:xfrm>
+          <a:prstGeom prst="rect">
+            <a:avLst/>
+          </a:prstGeom>
+          <a:noFill/>
+        </p:spPr>
+        <p:txBody>
+          <a:bodyPr wrap="none" rtlCol="0">
+            <a:spAutoFit/>
+          </a:bodyPr>
+          <a:lstStyle/>
+          <a:p>
+            <a:pPr algn="r"/>
+            <a:r>
+              <a:rPr lang="en-GB" sz="1200" noProof="1">
+                <a:latin typeface="CMU Serif Roman" panose="02000603000000000000" pitchFamily="2" charset="0"/>
+                <a:ea typeface="CMU Serif Roman" panose="02000603000000000000" pitchFamily="2" charset="0"/>
+                <a:cs typeface="CMU Serif Roman" panose="02000603000000000000" pitchFamily="2" charset="0"/>
+              </a:rPr>
+              <a:t>∀ service with at least one instance</a:t>
+            </a:r>
+          </a:p>
+          <a:p>
+            <a:pPr algn="r"/>
+            <a:r>
+              <a:rPr lang="en-GB" sz="1200" noProof="1">
+                <a:latin typeface="CMU Serif Roman" panose="02000603000000000000" pitchFamily="2" charset="0"/>
+                <a:ea typeface="CMU Serif Roman" panose="02000603000000000000" pitchFamily="2" charset="0"/>
+                <a:cs typeface="CMU Serif Roman" panose="02000603000000000000" pitchFamily="2" charset="0"/>
+              </a:rPr>
+              <a:t>with a new latest value</a:t>
+            </a:r>
+            <a:endParaRPr lang="en-GB" sz="1200" dirty="0">
               <a:latin typeface="CMU Serif Roman" panose="02000603000000000000" pitchFamily="2" charset="0"/>
               <a:ea typeface="CMU Serif Roman" panose="02000603000000000000" pitchFamily="2" charset="0"/>
               <a:cs typeface="CMU Serif Roman" panose="02000603000000000000" pitchFamily="2" charset="0"/>
@@ -9482,10 +10024,10 @@
       </p:sp>
       <p:sp>
         <p:nvSpPr>
-          <p:cNvPr id="19" name="Ovale 18">
-            <a:extLst>
-              <a:ext uri="{FF2B5EF4-FFF2-40B4-BE49-F238E27FC236}">
-                <a16:creationId xmlns:a16="http://schemas.microsoft.com/office/drawing/2014/main" id="{51AE9749-CCDE-4BFD-3ADE-9B3C96246797}"/>
+          <p:cNvPr id="86" name="Rettangolo 85">
+            <a:extLst>
+              <a:ext uri="{FF2B5EF4-FFF2-40B4-BE49-F238E27FC236}">
+                <a16:creationId xmlns:a16="http://schemas.microsoft.com/office/drawing/2014/main" id="{535286B7-E41B-E572-52F2-67A5C76356A8}"/>
               </a:ext>
             </a:extLst>
           </p:cNvPr>
@@ -9494,15 +10036,25 @@
         </p:nvSpPr>
         <p:spPr>
           <a:xfrm>
-            <a:off x="4066882" y="200401"/>
-            <a:ext cx="1308086" cy="1308086"/>
-          </a:xfrm>
-          <a:prstGeom prst="ellipse">
+            <a:off x="4679368" y="3476270"/>
+            <a:ext cx="289932" cy="412595"/>
+          </a:xfrm>
+          <a:prstGeom prst="rect">
             <a:avLst/>
           </a:prstGeom>
-          <a:solidFill>
-            <a:schemeClr val="bg1"/>
-          </a:solidFill>
+          <a:pattFill prst="pct40">
+            <a:fgClr>
+              <a:srgbClr val="FF0000"/>
+            </a:fgClr>
+            <a:bgClr>
+              <a:schemeClr val="bg1"/>
+            </a:bgClr>
+          </a:pattFill>
+          <a:ln>
+            <a:solidFill>
+              <a:srgbClr val="FF0000"/>
+            </a:solidFill>
+          </a:ln>
         </p:spPr>
         <p:style>
           <a:lnRef idx="2">
@@ -9525,7 +10077,7 @@
           <a:lstStyle/>
           <a:p>
             <a:pPr algn="ctr"/>
-            <a:endParaRPr lang="en-GB" sz="1200">
+            <a:endParaRPr lang="en-GB" sz="1200" dirty="0">
               <a:latin typeface="CMU Serif Roman" panose="02000603000000000000" pitchFamily="2" charset="0"/>
               <a:ea typeface="CMU Serif Roman" panose="02000603000000000000" pitchFamily="2" charset="0"/>
               <a:cs typeface="CMU Serif Roman" panose="02000603000000000000" pitchFamily="2" charset="0"/>
@@ -9535,10 +10087,10 @@
       </p:sp>
       <p:sp>
         <p:nvSpPr>
-          <p:cNvPr id="26" name="Rettangolo 25">
-            <a:extLst>
-              <a:ext uri="{FF2B5EF4-FFF2-40B4-BE49-F238E27FC236}">
-                <a16:creationId xmlns:a16="http://schemas.microsoft.com/office/drawing/2014/main" id="{5F7C4F12-D6EA-CCB1-82F4-C4461B23AECA}"/>
+          <p:cNvPr id="87" name="Rettangolo 86">
+            <a:extLst>
+              <a:ext uri="{FF2B5EF4-FFF2-40B4-BE49-F238E27FC236}">
+                <a16:creationId xmlns:a16="http://schemas.microsoft.com/office/drawing/2014/main" id="{03EB2BCD-0ECF-D653-E549-F9E7CB777859}"/>
               </a:ext>
             </a:extLst>
           </p:cNvPr>
@@ -9547,7 +10099,1004 @@
         </p:nvSpPr>
         <p:spPr>
           <a:xfrm>
-            <a:off x="4297603" y="429971"/>
+            <a:off x="5189120" y="3476270"/>
+            <a:ext cx="289932" cy="412595"/>
+          </a:xfrm>
+          <a:prstGeom prst="rect">
+            <a:avLst/>
+          </a:prstGeom>
+          <a:pattFill prst="pct40">
+            <a:fgClr>
+              <a:srgbClr val="FF0000"/>
+            </a:fgClr>
+            <a:bgClr>
+              <a:schemeClr val="bg1"/>
+            </a:bgClr>
+          </a:pattFill>
+          <a:ln>
+            <a:solidFill>
+              <a:srgbClr val="FF0000"/>
+            </a:solidFill>
+          </a:ln>
+        </p:spPr>
+        <p:style>
+          <a:lnRef idx="2">
+            <a:schemeClr val="accent1">
+              <a:shade val="50000"/>
+            </a:schemeClr>
+          </a:lnRef>
+          <a:fillRef idx="1">
+            <a:schemeClr val="accent1"/>
+          </a:fillRef>
+          <a:effectRef idx="0">
+            <a:schemeClr val="accent1"/>
+          </a:effectRef>
+          <a:fontRef idx="minor">
+            <a:schemeClr val="lt1"/>
+          </a:fontRef>
+        </p:style>
+        <p:txBody>
+          <a:bodyPr rtlCol="0" anchor="ctr"/>
+          <a:lstStyle/>
+          <a:p>
+            <a:pPr algn="ctr"/>
+            <a:endParaRPr lang="en-GB" sz="1200" dirty="0">
+              <a:latin typeface="CMU Serif Roman" panose="02000603000000000000" pitchFamily="2" charset="0"/>
+              <a:ea typeface="CMU Serif Roman" panose="02000603000000000000" pitchFamily="2" charset="0"/>
+              <a:cs typeface="CMU Serif Roman" panose="02000603000000000000" pitchFamily="2" charset="0"/>
+            </a:endParaRPr>
+          </a:p>
+        </p:txBody>
+      </p:sp>
+      <p:sp>
+        <p:nvSpPr>
+          <p:cNvPr id="88" name="CasellaDiTesto 87">
+            <a:extLst>
+              <a:ext uri="{FF2B5EF4-FFF2-40B4-BE49-F238E27FC236}">
+                <a16:creationId xmlns:a16="http://schemas.microsoft.com/office/drawing/2014/main" id="{6C3509C8-C573-DDFD-07C8-612FFE1A1135}"/>
+              </a:ext>
+            </a:extLst>
+          </p:cNvPr>
+          <p:cNvSpPr txBox="1"/>
+          <p:nvPr/>
+        </p:nvSpPr>
+        <p:spPr>
+          <a:xfrm>
+            <a:off x="5635919" y="3636185"/>
+            <a:ext cx="377026" cy="369332"/>
+          </a:xfrm>
+          <a:prstGeom prst="rect">
+            <a:avLst/>
+          </a:prstGeom>
+          <a:noFill/>
+        </p:spPr>
+        <p:txBody>
+          <a:bodyPr wrap="none" rtlCol="0">
+            <a:spAutoFit/>
+          </a:bodyPr>
+          <a:lstStyle/>
+          <a:p>
+            <a:r>
+              <a:rPr lang="en-GB" dirty="0">
+                <a:latin typeface="CMU Serif Roman" panose="02000603000000000000" pitchFamily="2" charset="0"/>
+                <a:ea typeface="CMU Serif Roman" panose="02000603000000000000" pitchFamily="2" charset="0"/>
+                <a:cs typeface="CMU Serif Roman" panose="02000603000000000000" pitchFamily="2" charset="0"/>
+              </a:rPr>
+              <a:t>…</a:t>
+            </a:r>
+          </a:p>
+        </p:txBody>
+      </p:sp>
+      <p:sp>
+        <p:nvSpPr>
+          <p:cNvPr id="89" name="Rettangolo 88">
+            <a:extLst>
+              <a:ext uri="{FF2B5EF4-FFF2-40B4-BE49-F238E27FC236}">
+                <a16:creationId xmlns:a16="http://schemas.microsoft.com/office/drawing/2014/main" id="{4CB2A7DB-F467-55F6-0971-732643CADE87}"/>
+              </a:ext>
+            </a:extLst>
+          </p:cNvPr>
+          <p:cNvSpPr/>
+          <p:nvPr/>
+        </p:nvSpPr>
+        <p:spPr>
+          <a:xfrm>
+            <a:off x="6153421" y="3476270"/>
+            <a:ext cx="289932" cy="412595"/>
+          </a:xfrm>
+          <a:prstGeom prst="rect">
+            <a:avLst/>
+          </a:prstGeom>
+          <a:pattFill prst="pct40">
+            <a:fgClr>
+              <a:srgbClr val="FF0000"/>
+            </a:fgClr>
+            <a:bgClr>
+              <a:schemeClr val="bg1"/>
+            </a:bgClr>
+          </a:pattFill>
+          <a:ln>
+            <a:solidFill>
+              <a:srgbClr val="FF0000"/>
+            </a:solidFill>
+          </a:ln>
+        </p:spPr>
+        <p:style>
+          <a:lnRef idx="2">
+            <a:schemeClr val="accent1">
+              <a:shade val="50000"/>
+            </a:schemeClr>
+          </a:lnRef>
+          <a:fillRef idx="1">
+            <a:schemeClr val="accent1"/>
+          </a:fillRef>
+          <a:effectRef idx="0">
+            <a:schemeClr val="accent1"/>
+          </a:effectRef>
+          <a:fontRef idx="minor">
+            <a:schemeClr val="lt1"/>
+          </a:fontRef>
+        </p:style>
+        <p:txBody>
+          <a:bodyPr rtlCol="0" anchor="ctr"/>
+          <a:lstStyle/>
+          <a:p>
+            <a:pPr algn="ctr"/>
+            <a:endParaRPr lang="en-GB" sz="1200" dirty="0">
+              <a:latin typeface="CMU Serif Roman" panose="02000603000000000000" pitchFamily="2" charset="0"/>
+              <a:ea typeface="CMU Serif Roman" panose="02000603000000000000" pitchFamily="2" charset="0"/>
+              <a:cs typeface="CMU Serif Roman" panose="02000603000000000000" pitchFamily="2" charset="0"/>
+            </a:endParaRPr>
+          </a:p>
+        </p:txBody>
+      </p:sp>
+      <p:sp>
+        <p:nvSpPr>
+          <p:cNvPr id="90" name="Rettangolo 89">
+            <a:extLst>
+              <a:ext uri="{FF2B5EF4-FFF2-40B4-BE49-F238E27FC236}">
+                <a16:creationId xmlns:a16="http://schemas.microsoft.com/office/drawing/2014/main" id="{8F5D39CA-6351-CC93-E09F-2B4064A4D7E6}"/>
+              </a:ext>
+            </a:extLst>
+          </p:cNvPr>
+          <p:cNvSpPr/>
+          <p:nvPr/>
+        </p:nvSpPr>
+        <p:spPr>
+          <a:xfrm>
+            <a:off x="3264956" y="3476270"/>
+            <a:ext cx="289932" cy="412595"/>
+          </a:xfrm>
+          <a:prstGeom prst="rect">
+            <a:avLst/>
+          </a:prstGeom>
+          <a:pattFill prst="pct40">
+            <a:fgClr>
+              <a:srgbClr val="FF0000"/>
+            </a:fgClr>
+            <a:bgClr>
+              <a:schemeClr val="bg1"/>
+            </a:bgClr>
+          </a:pattFill>
+          <a:ln>
+            <a:solidFill>
+              <a:srgbClr val="FF0000"/>
+            </a:solidFill>
+          </a:ln>
+        </p:spPr>
+        <p:style>
+          <a:lnRef idx="2">
+            <a:schemeClr val="accent1">
+              <a:shade val="50000"/>
+            </a:schemeClr>
+          </a:lnRef>
+          <a:fillRef idx="1">
+            <a:schemeClr val="accent1"/>
+          </a:fillRef>
+          <a:effectRef idx="0">
+            <a:schemeClr val="accent1"/>
+          </a:effectRef>
+          <a:fontRef idx="minor">
+            <a:schemeClr val="lt1"/>
+          </a:fontRef>
+        </p:style>
+        <p:txBody>
+          <a:bodyPr rtlCol="0" anchor="ctr"/>
+          <a:lstStyle/>
+          <a:p>
+            <a:pPr algn="ctr"/>
+            <a:endParaRPr lang="en-GB" sz="1200" dirty="0">
+              <a:latin typeface="CMU Serif Roman" panose="02000603000000000000" pitchFamily="2" charset="0"/>
+              <a:ea typeface="CMU Serif Roman" panose="02000603000000000000" pitchFamily="2" charset="0"/>
+              <a:cs typeface="CMU Serif Roman" panose="02000603000000000000" pitchFamily="2" charset="0"/>
+            </a:endParaRPr>
+          </a:p>
+        </p:txBody>
+      </p:sp>
+      <p:sp>
+        <p:nvSpPr>
+          <p:cNvPr id="92" name="CasellaDiTesto 91">
+            <a:extLst>
+              <a:ext uri="{FF2B5EF4-FFF2-40B4-BE49-F238E27FC236}">
+                <a16:creationId xmlns:a16="http://schemas.microsoft.com/office/drawing/2014/main" id="{D2265E0A-0D79-0082-89A6-3C5D10E0889E}"/>
+              </a:ext>
+            </a:extLst>
+          </p:cNvPr>
+          <p:cNvSpPr txBox="1"/>
+          <p:nvPr/>
+        </p:nvSpPr>
+        <p:spPr>
+          <a:xfrm>
+            <a:off x="3677346" y="3636185"/>
+            <a:ext cx="377026" cy="369332"/>
+          </a:xfrm>
+          <a:prstGeom prst="rect">
+            <a:avLst/>
+          </a:prstGeom>
+          <a:noFill/>
+        </p:spPr>
+        <p:txBody>
+          <a:bodyPr wrap="none" rtlCol="0">
+            <a:spAutoFit/>
+          </a:bodyPr>
+          <a:lstStyle/>
+          <a:p>
+            <a:r>
+              <a:rPr lang="en-GB" dirty="0">
+                <a:latin typeface="CMU Serif Roman" panose="02000603000000000000" pitchFamily="2" charset="0"/>
+                <a:ea typeface="CMU Serif Roman" panose="02000603000000000000" pitchFamily="2" charset="0"/>
+                <a:cs typeface="CMU Serif Roman" panose="02000603000000000000" pitchFamily="2" charset="0"/>
+              </a:rPr>
+              <a:t>…</a:t>
+            </a:r>
+          </a:p>
+        </p:txBody>
+      </p:sp>
+      <p:sp>
+        <p:nvSpPr>
+          <p:cNvPr id="93" name="Rettangolo 92">
+            <a:extLst>
+              <a:ext uri="{FF2B5EF4-FFF2-40B4-BE49-F238E27FC236}">
+                <a16:creationId xmlns:a16="http://schemas.microsoft.com/office/drawing/2014/main" id="{790DC27D-71AC-4C28-E72B-A7B794063AF9}"/>
+              </a:ext>
+            </a:extLst>
+          </p:cNvPr>
+          <p:cNvSpPr/>
+          <p:nvPr/>
+        </p:nvSpPr>
+        <p:spPr>
+          <a:xfrm>
+            <a:off x="4176896" y="3476270"/>
+            <a:ext cx="289932" cy="412595"/>
+          </a:xfrm>
+          <a:prstGeom prst="rect">
+            <a:avLst/>
+          </a:prstGeom>
+          <a:pattFill prst="pct40">
+            <a:fgClr>
+              <a:srgbClr val="FF0000"/>
+            </a:fgClr>
+            <a:bgClr>
+              <a:schemeClr val="bg1"/>
+            </a:bgClr>
+          </a:pattFill>
+          <a:ln>
+            <a:solidFill>
+              <a:srgbClr val="FF0000"/>
+            </a:solidFill>
+          </a:ln>
+        </p:spPr>
+        <p:style>
+          <a:lnRef idx="2">
+            <a:schemeClr val="accent1">
+              <a:shade val="50000"/>
+            </a:schemeClr>
+          </a:lnRef>
+          <a:fillRef idx="1">
+            <a:schemeClr val="accent1"/>
+          </a:fillRef>
+          <a:effectRef idx="0">
+            <a:schemeClr val="accent1"/>
+          </a:effectRef>
+          <a:fontRef idx="minor">
+            <a:schemeClr val="lt1"/>
+          </a:fontRef>
+        </p:style>
+        <p:txBody>
+          <a:bodyPr rtlCol="0" anchor="ctr"/>
+          <a:lstStyle/>
+          <a:p>
+            <a:pPr algn="ctr"/>
+            <a:endParaRPr lang="en-GB" sz="1200" dirty="0">
+              <a:latin typeface="CMU Serif Roman" panose="02000603000000000000" pitchFamily="2" charset="0"/>
+              <a:ea typeface="CMU Serif Roman" panose="02000603000000000000" pitchFamily="2" charset="0"/>
+              <a:cs typeface="CMU Serif Roman" panose="02000603000000000000" pitchFamily="2" charset="0"/>
+            </a:endParaRPr>
+          </a:p>
+        </p:txBody>
+      </p:sp>
+      <p:sp>
+        <p:nvSpPr>
+          <p:cNvPr id="11" name="CasellaDiTesto 10">
+            <a:extLst>
+              <a:ext uri="{FF2B5EF4-FFF2-40B4-BE49-F238E27FC236}">
+                <a16:creationId xmlns:a16="http://schemas.microsoft.com/office/drawing/2014/main" id="{DE11A1A7-639A-9D21-048A-A92A1F17C430}"/>
+              </a:ext>
+            </a:extLst>
+          </p:cNvPr>
+          <p:cNvSpPr txBox="1"/>
+          <p:nvPr/>
+        </p:nvSpPr>
+        <p:spPr>
+          <a:xfrm>
+            <a:off x="1413097" y="2355285"/>
+            <a:ext cx="1683474" cy="461665"/>
+          </a:xfrm>
+          <a:prstGeom prst="rect">
+            <a:avLst/>
+          </a:prstGeom>
+          <a:noFill/>
+        </p:spPr>
+        <p:txBody>
+          <a:bodyPr wrap="none" rtlCol="0">
+            <a:spAutoFit/>
+          </a:bodyPr>
+          <a:lstStyle/>
+          <a:p>
+            <a:pPr algn="r"/>
+            <a:r>
+              <a:rPr lang="en-GB" sz="1200" noProof="1">
+                <a:latin typeface="CMU Serif Roman" panose="02000603000000000000" pitchFamily="2" charset="0"/>
+                <a:ea typeface="CMU Serif Roman" panose="02000603000000000000" pitchFamily="2" charset="0"/>
+                <a:cs typeface="CMU Serif Roman" panose="02000603000000000000" pitchFamily="2" charset="0"/>
+              </a:rPr>
+              <a:t>∀ service with at least</a:t>
+            </a:r>
+          </a:p>
+          <a:p>
+            <a:pPr algn="r"/>
+            <a:r>
+              <a:rPr lang="en-GB" sz="1200" noProof="1">
+                <a:latin typeface="CMU Concrete Roman" panose="02000603000000000000" pitchFamily="2" charset="0"/>
+                <a:ea typeface="CMU Concrete Roman" panose="02000603000000000000" pitchFamily="2" charset="0"/>
+                <a:cs typeface="CMU Concrete Roman" panose="02000603000000000000" pitchFamily="2" charset="0"/>
+              </a:rPr>
+              <a:t>k=AWS</a:t>
+            </a:r>
+            <a:r>
+              <a:rPr lang="en-GB" sz="1200" noProof="1">
+                <a:latin typeface="CMU Serif Roman" panose="02000603000000000000" pitchFamily="2" charset="0"/>
+                <a:ea typeface="CMU Serif Roman" panose="02000603000000000000" pitchFamily="2" charset="0"/>
+                <a:cs typeface="CMU Serif Roman" panose="02000603000000000000" pitchFamily="2" charset="0"/>
+              </a:rPr>
+              <a:t> valid values</a:t>
+            </a:r>
+            <a:endParaRPr lang="en-GB" sz="1200" dirty="0">
+              <a:latin typeface="CMU Serif Roman" panose="02000603000000000000" pitchFamily="2" charset="0"/>
+              <a:ea typeface="CMU Serif Roman" panose="02000603000000000000" pitchFamily="2" charset="0"/>
+              <a:cs typeface="CMU Serif Roman" panose="02000603000000000000" pitchFamily="2" charset="0"/>
+            </a:endParaRPr>
+          </a:p>
+        </p:txBody>
+      </p:sp>
+      <p:sp>
+        <p:nvSpPr>
+          <p:cNvPr id="12" name="CasellaDiTesto 11">
+            <a:extLst>
+              <a:ext uri="{FF2B5EF4-FFF2-40B4-BE49-F238E27FC236}">
+                <a16:creationId xmlns:a16="http://schemas.microsoft.com/office/drawing/2014/main" id="{928F3205-50A0-EDB3-F989-467F34DCB4A2}"/>
+              </a:ext>
+            </a:extLst>
+          </p:cNvPr>
+          <p:cNvSpPr txBox="1"/>
+          <p:nvPr/>
+        </p:nvSpPr>
+        <p:spPr>
+          <a:xfrm>
+            <a:off x="2389326" y="3549008"/>
+            <a:ext cx="729687" cy="276999"/>
+          </a:xfrm>
+          <a:prstGeom prst="rect">
+            <a:avLst/>
+          </a:prstGeom>
+          <a:noFill/>
+        </p:spPr>
+        <p:txBody>
+          <a:bodyPr wrap="none" rtlCol="0">
+            <a:spAutoFit/>
+          </a:bodyPr>
+          <a:lstStyle/>
+          <a:p>
+            <a:pPr algn="ctr"/>
+            <a:r>
+              <a:rPr lang="en-GB" sz="1200" noProof="1">
+                <a:latin typeface="CMU Serif Roman" panose="02000603000000000000" pitchFamily="2" charset="0"/>
+                <a:ea typeface="CMU Serif Roman" panose="02000603000000000000" pitchFamily="2" charset="0"/>
+                <a:cs typeface="CMU Serif Roman" panose="02000603000000000000" pitchFamily="2" charset="0"/>
+              </a:rPr>
+              <a:t>AFTER</a:t>
+            </a:r>
+            <a:endParaRPr lang="en-GB" sz="1200" dirty="0">
+              <a:latin typeface="CMU Serif Roman" panose="02000603000000000000" pitchFamily="2" charset="0"/>
+              <a:ea typeface="CMU Serif Roman" panose="02000603000000000000" pitchFamily="2" charset="0"/>
+              <a:cs typeface="CMU Serif Roman" panose="02000603000000000000" pitchFamily="2" charset="0"/>
+            </a:endParaRPr>
+          </a:p>
+        </p:txBody>
+      </p:sp>
+      <p:sp>
+        <p:nvSpPr>
+          <p:cNvPr id="13" name="Rettangolo 12">
+            <a:extLst>
+              <a:ext uri="{FF2B5EF4-FFF2-40B4-BE49-F238E27FC236}">
+                <a16:creationId xmlns:a16="http://schemas.microsoft.com/office/drawing/2014/main" id="{27C4A987-B36B-E39C-DE2A-D8976C54584A}"/>
+              </a:ext>
+            </a:extLst>
+          </p:cNvPr>
+          <p:cNvSpPr/>
+          <p:nvPr/>
+        </p:nvSpPr>
+        <p:spPr>
+          <a:xfrm>
+            <a:off x="4679368" y="5623899"/>
+            <a:ext cx="289932" cy="412595"/>
+          </a:xfrm>
+          <a:prstGeom prst="rect">
+            <a:avLst/>
+          </a:prstGeom>
+          <a:pattFill prst="pct40">
+            <a:fgClr>
+              <a:srgbClr val="FF0000"/>
+            </a:fgClr>
+            <a:bgClr>
+              <a:schemeClr val="bg1"/>
+            </a:bgClr>
+          </a:pattFill>
+          <a:ln>
+            <a:solidFill>
+              <a:srgbClr val="FF0000"/>
+            </a:solidFill>
+          </a:ln>
+        </p:spPr>
+        <p:style>
+          <a:lnRef idx="2">
+            <a:schemeClr val="accent1">
+              <a:shade val="50000"/>
+            </a:schemeClr>
+          </a:lnRef>
+          <a:fillRef idx="1">
+            <a:schemeClr val="accent1"/>
+          </a:fillRef>
+          <a:effectRef idx="0">
+            <a:schemeClr val="accent1"/>
+          </a:effectRef>
+          <a:fontRef idx="minor">
+            <a:schemeClr val="lt1"/>
+          </a:fontRef>
+        </p:style>
+        <p:txBody>
+          <a:bodyPr rtlCol="0" anchor="ctr"/>
+          <a:lstStyle/>
+          <a:p>
+            <a:pPr algn="ctr"/>
+            <a:endParaRPr lang="en-GB" sz="1200" dirty="0">
+              <a:latin typeface="CMU Serif Roman" panose="02000603000000000000" pitchFamily="2" charset="0"/>
+              <a:ea typeface="CMU Serif Roman" panose="02000603000000000000" pitchFamily="2" charset="0"/>
+              <a:cs typeface="CMU Serif Roman" panose="02000603000000000000" pitchFamily="2" charset="0"/>
+            </a:endParaRPr>
+          </a:p>
+        </p:txBody>
+      </p:sp>
+      <p:sp>
+        <p:nvSpPr>
+          <p:cNvPr id="14" name="Rettangolo 13">
+            <a:extLst>
+              <a:ext uri="{FF2B5EF4-FFF2-40B4-BE49-F238E27FC236}">
+                <a16:creationId xmlns:a16="http://schemas.microsoft.com/office/drawing/2014/main" id="{51A1277A-4F8C-679F-196E-C79CD8D7F40C}"/>
+              </a:ext>
+            </a:extLst>
+          </p:cNvPr>
+          <p:cNvSpPr/>
+          <p:nvPr/>
+        </p:nvSpPr>
+        <p:spPr>
+          <a:xfrm>
+            <a:off x="5189120" y="5623899"/>
+            <a:ext cx="289932" cy="412595"/>
+          </a:xfrm>
+          <a:prstGeom prst="rect">
+            <a:avLst/>
+          </a:prstGeom>
+          <a:pattFill prst="pct40">
+            <a:fgClr>
+              <a:srgbClr val="FF0000"/>
+            </a:fgClr>
+            <a:bgClr>
+              <a:schemeClr val="bg1"/>
+            </a:bgClr>
+          </a:pattFill>
+          <a:ln>
+            <a:solidFill>
+              <a:srgbClr val="FF0000"/>
+            </a:solidFill>
+          </a:ln>
+        </p:spPr>
+        <p:style>
+          <a:lnRef idx="2">
+            <a:schemeClr val="accent1">
+              <a:shade val="50000"/>
+            </a:schemeClr>
+          </a:lnRef>
+          <a:fillRef idx="1">
+            <a:schemeClr val="accent1"/>
+          </a:fillRef>
+          <a:effectRef idx="0">
+            <a:schemeClr val="accent1"/>
+          </a:effectRef>
+          <a:fontRef idx="minor">
+            <a:schemeClr val="lt1"/>
+          </a:fontRef>
+        </p:style>
+        <p:txBody>
+          <a:bodyPr rtlCol="0" anchor="ctr"/>
+          <a:lstStyle/>
+          <a:p>
+            <a:pPr algn="ctr"/>
+            <a:endParaRPr lang="en-GB" sz="1200" dirty="0">
+              <a:latin typeface="CMU Serif Roman" panose="02000603000000000000" pitchFamily="2" charset="0"/>
+              <a:ea typeface="CMU Serif Roman" panose="02000603000000000000" pitchFamily="2" charset="0"/>
+              <a:cs typeface="CMU Serif Roman" panose="02000603000000000000" pitchFamily="2" charset="0"/>
+            </a:endParaRPr>
+          </a:p>
+        </p:txBody>
+      </p:sp>
+      <p:sp>
+        <p:nvSpPr>
+          <p:cNvPr id="15" name="CasellaDiTesto 14">
+            <a:extLst>
+              <a:ext uri="{FF2B5EF4-FFF2-40B4-BE49-F238E27FC236}">
+                <a16:creationId xmlns:a16="http://schemas.microsoft.com/office/drawing/2014/main" id="{C3AD82F8-6BE1-77F9-5AB5-D26B6D1D2CB5}"/>
+              </a:ext>
+            </a:extLst>
+          </p:cNvPr>
+          <p:cNvSpPr txBox="1"/>
+          <p:nvPr/>
+        </p:nvSpPr>
+        <p:spPr>
+          <a:xfrm>
+            <a:off x="5635919" y="5783814"/>
+            <a:ext cx="377026" cy="369332"/>
+          </a:xfrm>
+          <a:prstGeom prst="rect">
+            <a:avLst/>
+          </a:prstGeom>
+          <a:noFill/>
+        </p:spPr>
+        <p:txBody>
+          <a:bodyPr wrap="none" rtlCol="0">
+            <a:spAutoFit/>
+          </a:bodyPr>
+          <a:lstStyle/>
+          <a:p>
+            <a:r>
+              <a:rPr lang="en-GB" dirty="0">
+                <a:latin typeface="CMU Serif Roman" panose="02000603000000000000" pitchFamily="2" charset="0"/>
+                <a:ea typeface="CMU Serif Roman" panose="02000603000000000000" pitchFamily="2" charset="0"/>
+                <a:cs typeface="CMU Serif Roman" panose="02000603000000000000" pitchFamily="2" charset="0"/>
+              </a:rPr>
+              <a:t>…</a:t>
+            </a:r>
+          </a:p>
+        </p:txBody>
+      </p:sp>
+      <p:sp>
+        <p:nvSpPr>
+          <p:cNvPr id="16" name="Rettangolo 15">
+            <a:extLst>
+              <a:ext uri="{FF2B5EF4-FFF2-40B4-BE49-F238E27FC236}">
+                <a16:creationId xmlns:a16="http://schemas.microsoft.com/office/drawing/2014/main" id="{CE76E69C-98C4-933A-910B-6050544EE37D}"/>
+              </a:ext>
+            </a:extLst>
+          </p:cNvPr>
+          <p:cNvSpPr/>
+          <p:nvPr/>
+        </p:nvSpPr>
+        <p:spPr>
+          <a:xfrm>
+            <a:off x="6153421" y="5623899"/>
+            <a:ext cx="289932" cy="412595"/>
+          </a:xfrm>
+          <a:prstGeom prst="rect">
+            <a:avLst/>
+          </a:prstGeom>
+          <a:pattFill prst="pct40">
+            <a:fgClr>
+              <a:srgbClr val="FF0000"/>
+            </a:fgClr>
+            <a:bgClr>
+              <a:schemeClr val="bg1"/>
+            </a:bgClr>
+          </a:pattFill>
+          <a:ln>
+            <a:solidFill>
+              <a:srgbClr val="FF0000"/>
+            </a:solidFill>
+          </a:ln>
+        </p:spPr>
+        <p:style>
+          <a:lnRef idx="2">
+            <a:schemeClr val="accent1">
+              <a:shade val="50000"/>
+            </a:schemeClr>
+          </a:lnRef>
+          <a:fillRef idx="1">
+            <a:schemeClr val="accent1"/>
+          </a:fillRef>
+          <a:effectRef idx="0">
+            <a:schemeClr val="accent1"/>
+          </a:effectRef>
+          <a:fontRef idx="minor">
+            <a:schemeClr val="lt1"/>
+          </a:fontRef>
+        </p:style>
+        <p:txBody>
+          <a:bodyPr rtlCol="0" anchor="ctr"/>
+          <a:lstStyle/>
+          <a:p>
+            <a:pPr algn="ctr"/>
+            <a:endParaRPr lang="en-GB" sz="1200" dirty="0">
+              <a:latin typeface="CMU Serif Roman" panose="02000603000000000000" pitchFamily="2" charset="0"/>
+              <a:ea typeface="CMU Serif Roman" panose="02000603000000000000" pitchFamily="2" charset="0"/>
+              <a:cs typeface="CMU Serif Roman" panose="02000603000000000000" pitchFamily="2" charset="0"/>
+            </a:endParaRPr>
+          </a:p>
+        </p:txBody>
+      </p:sp>
+      <p:sp>
+        <p:nvSpPr>
+          <p:cNvPr id="17" name="Rettangolo 16">
+            <a:extLst>
+              <a:ext uri="{FF2B5EF4-FFF2-40B4-BE49-F238E27FC236}">
+                <a16:creationId xmlns:a16="http://schemas.microsoft.com/office/drawing/2014/main" id="{7541B3DA-F3DA-1AAF-5C8A-7D67BA240AEF}"/>
+              </a:ext>
+            </a:extLst>
+          </p:cNvPr>
+          <p:cNvSpPr/>
+          <p:nvPr/>
+        </p:nvSpPr>
+        <p:spPr>
+          <a:xfrm>
+            <a:off x="3264956" y="5619373"/>
+            <a:ext cx="289932" cy="412595"/>
+          </a:xfrm>
+          <a:prstGeom prst="rect">
+            <a:avLst/>
+          </a:prstGeom>
+          <a:pattFill prst="pct40">
+            <a:fgClr>
+              <a:srgbClr val="FF0000"/>
+            </a:fgClr>
+            <a:bgClr>
+              <a:schemeClr val="bg1"/>
+            </a:bgClr>
+          </a:pattFill>
+          <a:ln>
+            <a:solidFill>
+              <a:srgbClr val="FF0000"/>
+            </a:solidFill>
+          </a:ln>
+        </p:spPr>
+        <p:style>
+          <a:lnRef idx="2">
+            <a:schemeClr val="accent1">
+              <a:shade val="50000"/>
+            </a:schemeClr>
+          </a:lnRef>
+          <a:fillRef idx="1">
+            <a:schemeClr val="accent1"/>
+          </a:fillRef>
+          <a:effectRef idx="0">
+            <a:schemeClr val="accent1"/>
+          </a:effectRef>
+          <a:fontRef idx="minor">
+            <a:schemeClr val="lt1"/>
+          </a:fontRef>
+        </p:style>
+        <p:txBody>
+          <a:bodyPr rtlCol="0" anchor="ctr"/>
+          <a:lstStyle/>
+          <a:p>
+            <a:pPr algn="ctr"/>
+            <a:endParaRPr lang="en-GB" sz="1200" dirty="0">
+              <a:latin typeface="CMU Serif Roman" panose="02000603000000000000" pitchFamily="2" charset="0"/>
+              <a:ea typeface="CMU Serif Roman" panose="02000603000000000000" pitchFamily="2" charset="0"/>
+              <a:cs typeface="CMU Serif Roman" panose="02000603000000000000" pitchFamily="2" charset="0"/>
+            </a:endParaRPr>
+          </a:p>
+        </p:txBody>
+      </p:sp>
+      <p:sp>
+        <p:nvSpPr>
+          <p:cNvPr id="18" name="CasellaDiTesto 17">
+            <a:extLst>
+              <a:ext uri="{FF2B5EF4-FFF2-40B4-BE49-F238E27FC236}">
+                <a16:creationId xmlns:a16="http://schemas.microsoft.com/office/drawing/2014/main" id="{2132E438-A487-3B99-476C-86257AAD87F4}"/>
+              </a:ext>
+            </a:extLst>
+          </p:cNvPr>
+          <p:cNvSpPr txBox="1"/>
+          <p:nvPr/>
+        </p:nvSpPr>
+        <p:spPr>
+          <a:xfrm>
+            <a:off x="3677346" y="5783814"/>
+            <a:ext cx="377026" cy="369332"/>
+          </a:xfrm>
+          <a:prstGeom prst="rect">
+            <a:avLst/>
+          </a:prstGeom>
+          <a:noFill/>
+        </p:spPr>
+        <p:txBody>
+          <a:bodyPr wrap="none" rtlCol="0">
+            <a:spAutoFit/>
+          </a:bodyPr>
+          <a:lstStyle/>
+          <a:p>
+            <a:r>
+              <a:rPr lang="en-GB" dirty="0">
+                <a:latin typeface="CMU Serif Roman" panose="02000603000000000000" pitchFamily="2" charset="0"/>
+                <a:ea typeface="CMU Serif Roman" panose="02000603000000000000" pitchFamily="2" charset="0"/>
+                <a:cs typeface="CMU Serif Roman" panose="02000603000000000000" pitchFamily="2" charset="0"/>
+              </a:rPr>
+              <a:t>…</a:t>
+            </a:r>
+          </a:p>
+        </p:txBody>
+      </p:sp>
+      <p:sp>
+        <p:nvSpPr>
+          <p:cNvPr id="20" name="Rettangolo 19">
+            <a:extLst>
+              <a:ext uri="{FF2B5EF4-FFF2-40B4-BE49-F238E27FC236}">
+                <a16:creationId xmlns:a16="http://schemas.microsoft.com/office/drawing/2014/main" id="{7FFBC33B-D036-AA79-1797-EE84D1FDA8C1}"/>
+              </a:ext>
+            </a:extLst>
+          </p:cNvPr>
+          <p:cNvSpPr/>
+          <p:nvPr/>
+        </p:nvSpPr>
+        <p:spPr>
+          <a:xfrm>
+            <a:off x="4176896" y="5623899"/>
+            <a:ext cx="289932" cy="412595"/>
+          </a:xfrm>
+          <a:prstGeom prst="rect">
+            <a:avLst/>
+          </a:prstGeom>
+          <a:pattFill prst="pct40">
+            <a:fgClr>
+              <a:srgbClr val="FF0000"/>
+            </a:fgClr>
+            <a:bgClr>
+              <a:schemeClr val="bg1"/>
+            </a:bgClr>
+          </a:pattFill>
+          <a:ln>
+            <a:solidFill>
+              <a:srgbClr val="FF0000"/>
+            </a:solidFill>
+          </a:ln>
+        </p:spPr>
+        <p:style>
+          <a:lnRef idx="2">
+            <a:schemeClr val="accent1">
+              <a:shade val="50000"/>
+            </a:schemeClr>
+          </a:lnRef>
+          <a:fillRef idx="1">
+            <a:schemeClr val="accent1"/>
+          </a:fillRef>
+          <a:effectRef idx="0">
+            <a:schemeClr val="accent1"/>
+          </a:effectRef>
+          <a:fontRef idx="minor">
+            <a:schemeClr val="lt1"/>
+          </a:fontRef>
+        </p:style>
+        <p:txBody>
+          <a:bodyPr rtlCol="0" anchor="ctr"/>
+          <a:lstStyle/>
+          <a:p>
+            <a:pPr algn="ctr"/>
+            <a:endParaRPr lang="en-GB" sz="1200" dirty="0">
+              <a:latin typeface="CMU Serif Roman" panose="02000603000000000000" pitchFamily="2" charset="0"/>
+              <a:ea typeface="CMU Serif Roman" panose="02000603000000000000" pitchFamily="2" charset="0"/>
+              <a:cs typeface="CMU Serif Roman" panose="02000603000000000000" pitchFamily="2" charset="0"/>
+            </a:endParaRPr>
+          </a:p>
+        </p:txBody>
+      </p:sp>
+      <p:sp>
+        <p:nvSpPr>
+          <p:cNvPr id="21" name="Rettangolo 20">
+            <a:extLst>
+              <a:ext uri="{FF2B5EF4-FFF2-40B4-BE49-F238E27FC236}">
+                <a16:creationId xmlns:a16="http://schemas.microsoft.com/office/drawing/2014/main" id="{6D9B299F-7D51-7097-3DA7-6D3050C83CFD}"/>
+              </a:ext>
+            </a:extLst>
+          </p:cNvPr>
+          <p:cNvSpPr/>
+          <p:nvPr/>
+        </p:nvSpPr>
+        <p:spPr>
+          <a:xfrm>
+            <a:off x="3264956" y="4538566"/>
+            <a:ext cx="289932" cy="412595"/>
+          </a:xfrm>
+          <a:prstGeom prst="rect">
+            <a:avLst/>
+          </a:prstGeom>
+          <a:pattFill prst="pct40">
+            <a:fgClr>
+              <a:srgbClr val="FF0000"/>
+            </a:fgClr>
+            <a:bgClr>
+              <a:schemeClr val="bg1"/>
+            </a:bgClr>
+          </a:pattFill>
+          <a:ln>
+            <a:solidFill>
+              <a:srgbClr val="FF0000"/>
+            </a:solidFill>
+          </a:ln>
+        </p:spPr>
+        <p:style>
+          <a:lnRef idx="2">
+            <a:schemeClr val="accent1">
+              <a:shade val="50000"/>
+            </a:schemeClr>
+          </a:lnRef>
+          <a:fillRef idx="1">
+            <a:schemeClr val="accent1"/>
+          </a:fillRef>
+          <a:effectRef idx="0">
+            <a:schemeClr val="accent1"/>
+          </a:effectRef>
+          <a:fontRef idx="minor">
+            <a:schemeClr val="lt1"/>
+          </a:fontRef>
+        </p:style>
+        <p:txBody>
+          <a:bodyPr rtlCol="0" anchor="ctr"/>
+          <a:lstStyle/>
+          <a:p>
+            <a:pPr algn="ctr"/>
+            <a:endParaRPr lang="en-GB" sz="1200" dirty="0">
+              <a:latin typeface="CMU Serif Roman" panose="02000603000000000000" pitchFamily="2" charset="0"/>
+              <a:ea typeface="CMU Serif Roman" panose="02000603000000000000" pitchFamily="2" charset="0"/>
+              <a:cs typeface="CMU Serif Roman" panose="02000603000000000000" pitchFamily="2" charset="0"/>
+            </a:endParaRPr>
+          </a:p>
+        </p:txBody>
+      </p:sp>
+      <p:sp>
+        <p:nvSpPr>
+          <p:cNvPr id="22" name="CasellaDiTesto 21">
+            <a:extLst>
+              <a:ext uri="{FF2B5EF4-FFF2-40B4-BE49-F238E27FC236}">
+                <a16:creationId xmlns:a16="http://schemas.microsoft.com/office/drawing/2014/main" id="{422F9008-C556-0E22-4429-E92A8E95BDC3}"/>
+              </a:ext>
+            </a:extLst>
+          </p:cNvPr>
+          <p:cNvSpPr txBox="1"/>
+          <p:nvPr/>
+        </p:nvSpPr>
+        <p:spPr>
+          <a:xfrm>
+            <a:off x="3677346" y="4703007"/>
+            <a:ext cx="377026" cy="369332"/>
+          </a:xfrm>
+          <a:prstGeom prst="rect">
+            <a:avLst/>
+          </a:prstGeom>
+          <a:noFill/>
+        </p:spPr>
+        <p:txBody>
+          <a:bodyPr wrap="none" rtlCol="0">
+            <a:spAutoFit/>
+          </a:bodyPr>
+          <a:lstStyle/>
+          <a:p>
+            <a:r>
+              <a:rPr lang="en-GB" dirty="0">
+                <a:latin typeface="CMU Serif Roman" panose="02000603000000000000" pitchFamily="2" charset="0"/>
+                <a:ea typeface="CMU Serif Roman" panose="02000603000000000000" pitchFamily="2" charset="0"/>
+                <a:cs typeface="CMU Serif Roman" panose="02000603000000000000" pitchFamily="2" charset="0"/>
+              </a:rPr>
+              <a:t>…</a:t>
+            </a:r>
+          </a:p>
+        </p:txBody>
+      </p:sp>
+      <p:sp>
+        <p:nvSpPr>
+          <p:cNvPr id="23" name="Rettangolo 22">
+            <a:extLst>
+              <a:ext uri="{FF2B5EF4-FFF2-40B4-BE49-F238E27FC236}">
+                <a16:creationId xmlns:a16="http://schemas.microsoft.com/office/drawing/2014/main" id="{73F5638C-675F-2E89-21A6-3FBD9EF5E491}"/>
+              </a:ext>
+            </a:extLst>
+          </p:cNvPr>
+          <p:cNvSpPr/>
+          <p:nvPr/>
+        </p:nvSpPr>
+        <p:spPr>
+          <a:xfrm>
+            <a:off x="4176896" y="4543092"/>
+            <a:ext cx="289932" cy="412595"/>
+          </a:xfrm>
+          <a:prstGeom prst="rect">
+            <a:avLst/>
+          </a:prstGeom>
+          <a:pattFill prst="pct40">
+            <a:fgClr>
+              <a:srgbClr val="FF0000"/>
+            </a:fgClr>
+            <a:bgClr>
+              <a:schemeClr val="bg1"/>
+            </a:bgClr>
+          </a:pattFill>
+          <a:ln>
+            <a:solidFill>
+              <a:srgbClr val="FF0000"/>
+            </a:solidFill>
+          </a:ln>
+        </p:spPr>
+        <p:style>
+          <a:lnRef idx="2">
+            <a:schemeClr val="accent1">
+              <a:shade val="50000"/>
+            </a:schemeClr>
+          </a:lnRef>
+          <a:fillRef idx="1">
+            <a:schemeClr val="accent1"/>
+          </a:fillRef>
+          <a:effectRef idx="0">
+            <a:schemeClr val="accent1"/>
+          </a:effectRef>
+          <a:fontRef idx="minor">
+            <a:schemeClr val="lt1"/>
+          </a:fontRef>
+        </p:style>
+        <p:txBody>
+          <a:bodyPr rtlCol="0" anchor="ctr"/>
+          <a:lstStyle/>
+          <a:p>
+            <a:pPr algn="ctr"/>
+            <a:endParaRPr lang="en-GB" sz="1200" dirty="0">
+              <a:latin typeface="CMU Serif Roman" panose="02000603000000000000" pitchFamily="2" charset="0"/>
+              <a:ea typeface="CMU Serif Roman" panose="02000603000000000000" pitchFamily="2" charset="0"/>
+              <a:cs typeface="CMU Serif Roman" panose="02000603000000000000" pitchFamily="2" charset="0"/>
+            </a:endParaRPr>
+          </a:p>
+        </p:txBody>
+      </p:sp>
+      <p:sp>
+        <p:nvSpPr>
+          <p:cNvPr id="24" name="Rettangolo 23">
+            <a:extLst>
+              <a:ext uri="{FF2B5EF4-FFF2-40B4-BE49-F238E27FC236}">
+                <a16:creationId xmlns:a16="http://schemas.microsoft.com/office/drawing/2014/main" id="{4328BBC2-93DC-427B-D661-1122C7CE437A}"/>
+              </a:ext>
+            </a:extLst>
+          </p:cNvPr>
+          <p:cNvSpPr/>
+          <p:nvPr/>
+        </p:nvSpPr>
+        <p:spPr>
+          <a:xfrm>
+            <a:off x="4679368" y="4543092"/>
             <a:ext cx="289932" cy="412595"/>
           </a:xfrm>
           <a:prstGeom prst="rect">
@@ -9598,10 +11147,10 @@
       </p:sp>
       <p:sp>
         <p:nvSpPr>
-          <p:cNvPr id="36" name="Rettangolo 35">
-            <a:extLst>
-              <a:ext uri="{FF2B5EF4-FFF2-40B4-BE49-F238E27FC236}">
-                <a16:creationId xmlns:a16="http://schemas.microsoft.com/office/drawing/2014/main" id="{D72F764C-288F-6DFA-C727-A1951BA24F08}"/>
+          <p:cNvPr id="25" name="Rettangolo 24">
+            <a:extLst>
+              <a:ext uri="{FF2B5EF4-FFF2-40B4-BE49-F238E27FC236}">
+                <a16:creationId xmlns:a16="http://schemas.microsoft.com/office/drawing/2014/main" id="{48BA98DC-D260-48D4-ACA5-C104C6F0F791}"/>
               </a:ext>
             </a:extLst>
           </p:cNvPr>
@@ -9610,7 +11159,7 @@
         </p:nvSpPr>
         <p:spPr>
           <a:xfrm>
-            <a:off x="4889518" y="496922"/>
+            <a:off x="5189120" y="4543092"/>
             <a:ext cx="289932" cy="412595"/>
           </a:xfrm>
           <a:prstGeom prst="rect">
@@ -9661,10 +11210,49 @@
       </p:sp>
       <p:sp>
         <p:nvSpPr>
-          <p:cNvPr id="37" name="Rettangolo 36">
-            <a:extLst>
-              <a:ext uri="{FF2B5EF4-FFF2-40B4-BE49-F238E27FC236}">
-                <a16:creationId xmlns:a16="http://schemas.microsoft.com/office/drawing/2014/main" id="{44A85217-A72E-BF80-04BD-5C23F5E1AD20}"/>
+          <p:cNvPr id="27" name="CasellaDiTesto 26">
+            <a:extLst>
+              <a:ext uri="{FF2B5EF4-FFF2-40B4-BE49-F238E27FC236}">
+                <a16:creationId xmlns:a16="http://schemas.microsoft.com/office/drawing/2014/main" id="{1B5F5CCB-3F47-AEF7-E5F9-C098C2D3268B}"/>
+              </a:ext>
+            </a:extLst>
+          </p:cNvPr>
+          <p:cNvSpPr txBox="1"/>
+          <p:nvPr/>
+        </p:nvSpPr>
+        <p:spPr>
+          <a:xfrm>
+            <a:off x="5635919" y="4703007"/>
+            <a:ext cx="377026" cy="369332"/>
+          </a:xfrm>
+          <a:prstGeom prst="rect">
+            <a:avLst/>
+          </a:prstGeom>
+          <a:noFill/>
+        </p:spPr>
+        <p:txBody>
+          <a:bodyPr wrap="none" rtlCol="0">
+            <a:spAutoFit/>
+          </a:bodyPr>
+          <a:lstStyle/>
+          <a:p>
+            <a:r>
+              <a:rPr lang="en-GB" dirty="0">
+                <a:latin typeface="CMU Serif Roman" panose="02000603000000000000" pitchFamily="2" charset="0"/>
+                <a:ea typeface="CMU Serif Roman" panose="02000603000000000000" pitchFamily="2" charset="0"/>
+                <a:cs typeface="CMU Serif Roman" panose="02000603000000000000" pitchFamily="2" charset="0"/>
+              </a:rPr>
+              <a:t>…</a:t>
+            </a:r>
+          </a:p>
+        </p:txBody>
+      </p:sp>
+      <p:sp>
+        <p:nvSpPr>
+          <p:cNvPr id="28" name="Rettangolo 27">
+            <a:extLst>
+              <a:ext uri="{FF2B5EF4-FFF2-40B4-BE49-F238E27FC236}">
+                <a16:creationId xmlns:a16="http://schemas.microsoft.com/office/drawing/2014/main" id="{322334DF-A97A-0E8F-2225-F10FCDDCB06A}"/>
               </a:ext>
             </a:extLst>
           </p:cNvPr>
@@ -9673,7 +11261,7 @@
         </p:nvSpPr>
         <p:spPr>
           <a:xfrm>
-            <a:off x="4572821" y="986510"/>
+            <a:off x="6153421" y="4543092"/>
             <a:ext cx="289932" cy="412595"/>
           </a:xfrm>
           <a:prstGeom prst="rect">
@@ -9724,1595 +11312,6 @@
       </p:sp>
       <p:sp>
         <p:nvSpPr>
-          <p:cNvPr id="38" name="CasellaDiTesto 37">
-            <a:extLst>
-              <a:ext uri="{FF2B5EF4-FFF2-40B4-BE49-F238E27FC236}">
-                <a16:creationId xmlns:a16="http://schemas.microsoft.com/office/drawing/2014/main" id="{F5651320-6C03-F7D1-7AB6-C3CEDC250C8A}"/>
-              </a:ext>
-            </a:extLst>
-          </p:cNvPr>
-          <p:cNvSpPr txBox="1"/>
-          <p:nvPr/>
-        </p:nvSpPr>
-        <p:spPr>
-          <a:xfrm>
-            <a:off x="3784679" y="1652431"/>
-            <a:ext cx="1866217" cy="461665"/>
-          </a:xfrm>
-          <a:prstGeom prst="rect">
-            <a:avLst/>
-          </a:prstGeom>
-          <a:noFill/>
-        </p:spPr>
-        <p:txBody>
-          <a:bodyPr wrap="none" rtlCol="0">
-            <a:spAutoFit/>
-          </a:bodyPr>
-          <a:lstStyle/>
-          <a:p>
-            <a:pPr algn="ctr"/>
-            <a:r>
-              <a:rPr lang="en-GB" sz="1200" dirty="0">
-                <a:latin typeface="CMU Serif Roman" panose="02000603000000000000" pitchFamily="2" charset="0"/>
-                <a:ea typeface="CMU Serif Roman" panose="02000603000000000000" pitchFamily="2" charset="0"/>
-                <a:cs typeface="CMU Serif Roman" panose="02000603000000000000" pitchFamily="2" charset="0"/>
-              </a:rPr>
-              <a:t>Latest values of all </a:t>
-            </a:r>
-          </a:p>
-          <a:p>
-            <a:pPr algn="ctr"/>
-            <a:r>
-              <a:rPr lang="en-GB" sz="1200" dirty="0">
-                <a:latin typeface="CMU Serif Roman" panose="02000603000000000000" pitchFamily="2" charset="0"/>
-                <a:ea typeface="CMU Serif Roman" panose="02000603000000000000" pitchFamily="2" charset="0"/>
-                <a:cs typeface="CMU Serif Roman" panose="02000603000000000000" pitchFamily="2" charset="0"/>
-              </a:rPr>
-              <a:t>the instances of a service</a:t>
-            </a:r>
-          </a:p>
-        </p:txBody>
-      </p:sp>
-      <p:cxnSp>
-        <p:nvCxnSpPr>
-          <p:cNvPr id="39" name="Connettore 2 38">
-            <a:extLst>
-              <a:ext uri="{FF2B5EF4-FFF2-40B4-BE49-F238E27FC236}">
-                <a16:creationId xmlns:a16="http://schemas.microsoft.com/office/drawing/2014/main" id="{13C929AF-EA29-B6E8-6C07-FA81BD384DD4}"/>
-              </a:ext>
-            </a:extLst>
-          </p:cNvPr>
-          <p:cNvCxnSpPr>
-            <a:cxnSpLocks/>
-          </p:cNvCxnSpPr>
-          <p:nvPr/>
-        </p:nvCxnSpPr>
-        <p:spPr>
-          <a:xfrm>
-            <a:off x="5694740" y="885455"/>
-            <a:ext cx="2328126" cy="0"/>
-          </a:xfrm>
-          <a:prstGeom prst="straightConnector1">
-            <a:avLst/>
-          </a:prstGeom>
-          <a:ln>
-            <a:tailEnd type="triangle"/>
-          </a:ln>
-        </p:spPr>
-        <p:style>
-          <a:lnRef idx="1">
-            <a:schemeClr val="accent1"/>
-          </a:lnRef>
-          <a:fillRef idx="0">
-            <a:schemeClr val="accent1"/>
-          </a:fillRef>
-          <a:effectRef idx="0">
-            <a:schemeClr val="accent1"/>
-          </a:effectRef>
-          <a:fontRef idx="minor">
-            <a:schemeClr val="tx1"/>
-          </a:fontRef>
-        </p:style>
-      </p:cxnSp>
-      <p:sp>
-        <p:nvSpPr>
-          <p:cNvPr id="64" name="Rettangolo 63">
-            <a:extLst>
-              <a:ext uri="{FF2B5EF4-FFF2-40B4-BE49-F238E27FC236}">
-                <a16:creationId xmlns:a16="http://schemas.microsoft.com/office/drawing/2014/main" id="{10D73B22-69FA-ABE5-2613-50A6D11EDA7F}"/>
-              </a:ext>
-            </a:extLst>
-          </p:cNvPr>
-          <p:cNvSpPr/>
-          <p:nvPr/>
-        </p:nvSpPr>
-        <p:spPr>
-          <a:xfrm>
-            <a:off x="8382884" y="682300"/>
-            <a:ext cx="289932" cy="412595"/>
-          </a:xfrm>
-          <a:prstGeom prst="rect">
-            <a:avLst/>
-          </a:prstGeom>
-          <a:pattFill prst="pct40">
-            <a:fgClr>
-              <a:srgbClr val="00B050"/>
-            </a:fgClr>
-            <a:bgClr>
-              <a:schemeClr val="bg1"/>
-            </a:bgClr>
-          </a:pattFill>
-          <a:ln>
-            <a:solidFill>
-              <a:srgbClr val="00B050"/>
-            </a:solidFill>
-          </a:ln>
-        </p:spPr>
-        <p:style>
-          <a:lnRef idx="2">
-            <a:schemeClr val="accent1">
-              <a:shade val="50000"/>
-            </a:schemeClr>
-          </a:lnRef>
-          <a:fillRef idx="1">
-            <a:schemeClr val="accent1"/>
-          </a:fillRef>
-          <a:effectRef idx="0">
-            <a:schemeClr val="accent1"/>
-          </a:effectRef>
-          <a:fontRef idx="minor">
-            <a:schemeClr val="lt1"/>
-          </a:fontRef>
-        </p:style>
-        <p:txBody>
-          <a:bodyPr rtlCol="0" anchor="ctr"/>
-          <a:lstStyle/>
-          <a:p>
-            <a:pPr algn="ctr"/>
-            <a:endParaRPr lang="en-GB" sz="1200" dirty="0">
-              <a:latin typeface="CMU Serif Roman" panose="02000603000000000000" pitchFamily="2" charset="0"/>
-              <a:ea typeface="CMU Serif Roman" panose="02000603000000000000" pitchFamily="2" charset="0"/>
-              <a:cs typeface="CMU Serif Roman" panose="02000603000000000000" pitchFamily="2" charset="0"/>
-            </a:endParaRPr>
-          </a:p>
-        </p:txBody>
-      </p:sp>
-      <p:sp>
-        <p:nvSpPr>
-          <p:cNvPr id="65" name="CasellaDiTesto 64">
-            <a:extLst>
-              <a:ext uri="{FF2B5EF4-FFF2-40B4-BE49-F238E27FC236}">
-                <a16:creationId xmlns:a16="http://schemas.microsoft.com/office/drawing/2014/main" id="{46DCE52E-2D76-07DC-EF7A-F6360D1AF781}"/>
-              </a:ext>
-            </a:extLst>
-          </p:cNvPr>
-          <p:cNvSpPr txBox="1"/>
-          <p:nvPr/>
-        </p:nvSpPr>
-        <p:spPr>
-          <a:xfrm>
-            <a:off x="7741275" y="1153457"/>
-            <a:ext cx="1609736" cy="461665"/>
-          </a:xfrm>
-          <a:prstGeom prst="rect">
-            <a:avLst/>
-          </a:prstGeom>
-          <a:noFill/>
-        </p:spPr>
-        <p:txBody>
-          <a:bodyPr wrap="none" rtlCol="0">
-            <a:spAutoFit/>
-          </a:bodyPr>
-          <a:lstStyle/>
-          <a:p>
-            <a:pPr algn="ctr"/>
-            <a:r>
-              <a:rPr lang="en-GB" sz="1200" dirty="0">
-                <a:latin typeface="CMU Serif Roman" panose="02000603000000000000" pitchFamily="2" charset="0"/>
-                <a:ea typeface="CMU Serif Roman" panose="02000603000000000000" pitchFamily="2" charset="0"/>
-                <a:cs typeface="CMU Serif Roman" panose="02000603000000000000" pitchFamily="2" charset="0"/>
-              </a:rPr>
-              <a:t>new QoS latest value</a:t>
-            </a:r>
-          </a:p>
-          <a:p>
-            <a:pPr algn="ctr"/>
-            <a:r>
-              <a:rPr lang="en-GB" sz="1200" dirty="0">
-                <a:latin typeface="CMU Serif Roman" panose="02000603000000000000" pitchFamily="2" charset="0"/>
-                <a:ea typeface="CMU Serif Roman" panose="02000603000000000000" pitchFamily="2" charset="0"/>
-                <a:cs typeface="CMU Serif Roman" panose="02000603000000000000" pitchFamily="2" charset="0"/>
-              </a:rPr>
-              <a:t>of the service</a:t>
-            </a:r>
-          </a:p>
-        </p:txBody>
-      </p:sp>
-      <p:sp>
-        <p:nvSpPr>
-          <p:cNvPr id="86" name="Rettangolo 85">
-            <a:extLst>
-              <a:ext uri="{FF2B5EF4-FFF2-40B4-BE49-F238E27FC236}">
-                <a16:creationId xmlns:a16="http://schemas.microsoft.com/office/drawing/2014/main" id="{535286B7-E41B-E572-52F2-67A5C76356A8}"/>
-              </a:ext>
-            </a:extLst>
-          </p:cNvPr>
-          <p:cNvSpPr/>
-          <p:nvPr/>
-        </p:nvSpPr>
-        <p:spPr>
-          <a:xfrm>
-            <a:off x="4679368" y="3476270"/>
-            <a:ext cx="289932" cy="412595"/>
-          </a:xfrm>
-          <a:prstGeom prst="rect">
-            <a:avLst/>
-          </a:prstGeom>
-          <a:pattFill prst="pct40">
-            <a:fgClr>
-              <a:srgbClr val="FF0000"/>
-            </a:fgClr>
-            <a:bgClr>
-              <a:schemeClr val="bg1"/>
-            </a:bgClr>
-          </a:pattFill>
-          <a:ln>
-            <a:solidFill>
-              <a:srgbClr val="FF0000"/>
-            </a:solidFill>
-          </a:ln>
-        </p:spPr>
-        <p:style>
-          <a:lnRef idx="2">
-            <a:schemeClr val="accent1">
-              <a:shade val="50000"/>
-            </a:schemeClr>
-          </a:lnRef>
-          <a:fillRef idx="1">
-            <a:schemeClr val="accent1"/>
-          </a:fillRef>
-          <a:effectRef idx="0">
-            <a:schemeClr val="accent1"/>
-          </a:effectRef>
-          <a:fontRef idx="minor">
-            <a:schemeClr val="lt1"/>
-          </a:fontRef>
-        </p:style>
-        <p:txBody>
-          <a:bodyPr rtlCol="0" anchor="ctr"/>
-          <a:lstStyle/>
-          <a:p>
-            <a:pPr algn="ctr"/>
-            <a:endParaRPr lang="en-GB" sz="1200" dirty="0">
-              <a:latin typeface="CMU Serif Roman" panose="02000603000000000000" pitchFamily="2" charset="0"/>
-              <a:ea typeface="CMU Serif Roman" panose="02000603000000000000" pitchFamily="2" charset="0"/>
-              <a:cs typeface="CMU Serif Roman" panose="02000603000000000000" pitchFamily="2" charset="0"/>
-            </a:endParaRPr>
-          </a:p>
-        </p:txBody>
-      </p:sp>
-      <p:sp>
-        <p:nvSpPr>
-          <p:cNvPr id="87" name="Rettangolo 86">
-            <a:extLst>
-              <a:ext uri="{FF2B5EF4-FFF2-40B4-BE49-F238E27FC236}">
-                <a16:creationId xmlns:a16="http://schemas.microsoft.com/office/drawing/2014/main" id="{03EB2BCD-0ECF-D653-E549-F9E7CB777859}"/>
-              </a:ext>
-            </a:extLst>
-          </p:cNvPr>
-          <p:cNvSpPr/>
-          <p:nvPr/>
-        </p:nvSpPr>
-        <p:spPr>
-          <a:xfrm>
-            <a:off x="5189120" y="3476270"/>
-            <a:ext cx="289932" cy="412595"/>
-          </a:xfrm>
-          <a:prstGeom prst="rect">
-            <a:avLst/>
-          </a:prstGeom>
-          <a:pattFill prst="pct40">
-            <a:fgClr>
-              <a:srgbClr val="FF0000"/>
-            </a:fgClr>
-            <a:bgClr>
-              <a:schemeClr val="bg1"/>
-            </a:bgClr>
-          </a:pattFill>
-          <a:ln>
-            <a:solidFill>
-              <a:srgbClr val="FF0000"/>
-            </a:solidFill>
-          </a:ln>
-        </p:spPr>
-        <p:style>
-          <a:lnRef idx="2">
-            <a:schemeClr val="accent1">
-              <a:shade val="50000"/>
-            </a:schemeClr>
-          </a:lnRef>
-          <a:fillRef idx="1">
-            <a:schemeClr val="accent1"/>
-          </a:fillRef>
-          <a:effectRef idx="0">
-            <a:schemeClr val="accent1"/>
-          </a:effectRef>
-          <a:fontRef idx="minor">
-            <a:schemeClr val="lt1"/>
-          </a:fontRef>
-        </p:style>
-        <p:txBody>
-          <a:bodyPr rtlCol="0" anchor="ctr"/>
-          <a:lstStyle/>
-          <a:p>
-            <a:pPr algn="ctr"/>
-            <a:endParaRPr lang="en-GB" sz="1200" dirty="0">
-              <a:latin typeface="CMU Serif Roman" panose="02000603000000000000" pitchFamily="2" charset="0"/>
-              <a:ea typeface="CMU Serif Roman" panose="02000603000000000000" pitchFamily="2" charset="0"/>
-              <a:cs typeface="CMU Serif Roman" panose="02000603000000000000" pitchFamily="2" charset="0"/>
-            </a:endParaRPr>
-          </a:p>
-        </p:txBody>
-      </p:sp>
-      <p:sp>
-        <p:nvSpPr>
-          <p:cNvPr id="88" name="CasellaDiTesto 87">
-            <a:extLst>
-              <a:ext uri="{FF2B5EF4-FFF2-40B4-BE49-F238E27FC236}">
-                <a16:creationId xmlns:a16="http://schemas.microsoft.com/office/drawing/2014/main" id="{6C3509C8-C573-DDFD-07C8-612FFE1A1135}"/>
-              </a:ext>
-            </a:extLst>
-          </p:cNvPr>
-          <p:cNvSpPr txBox="1"/>
-          <p:nvPr/>
-        </p:nvSpPr>
-        <p:spPr>
-          <a:xfrm>
-            <a:off x="5635919" y="3636185"/>
-            <a:ext cx="377026" cy="369332"/>
-          </a:xfrm>
-          <a:prstGeom prst="rect">
-            <a:avLst/>
-          </a:prstGeom>
-          <a:noFill/>
-        </p:spPr>
-        <p:txBody>
-          <a:bodyPr wrap="none" rtlCol="0">
-            <a:spAutoFit/>
-          </a:bodyPr>
-          <a:lstStyle/>
-          <a:p>
-            <a:r>
-              <a:rPr lang="en-GB" dirty="0">
-                <a:latin typeface="CMU Serif Roman" panose="02000603000000000000" pitchFamily="2" charset="0"/>
-                <a:ea typeface="CMU Serif Roman" panose="02000603000000000000" pitchFamily="2" charset="0"/>
-                <a:cs typeface="CMU Serif Roman" panose="02000603000000000000" pitchFamily="2" charset="0"/>
-              </a:rPr>
-              <a:t>…</a:t>
-            </a:r>
-          </a:p>
-        </p:txBody>
-      </p:sp>
-      <p:sp>
-        <p:nvSpPr>
-          <p:cNvPr id="89" name="Rettangolo 88">
-            <a:extLst>
-              <a:ext uri="{FF2B5EF4-FFF2-40B4-BE49-F238E27FC236}">
-                <a16:creationId xmlns:a16="http://schemas.microsoft.com/office/drawing/2014/main" id="{4CB2A7DB-F467-55F6-0971-732643CADE87}"/>
-              </a:ext>
-            </a:extLst>
-          </p:cNvPr>
-          <p:cNvSpPr/>
-          <p:nvPr/>
-        </p:nvSpPr>
-        <p:spPr>
-          <a:xfrm>
-            <a:off x="6153421" y="3476270"/>
-            <a:ext cx="289932" cy="412595"/>
-          </a:xfrm>
-          <a:prstGeom prst="rect">
-            <a:avLst/>
-          </a:prstGeom>
-          <a:pattFill prst="pct40">
-            <a:fgClr>
-              <a:srgbClr val="FF0000"/>
-            </a:fgClr>
-            <a:bgClr>
-              <a:schemeClr val="bg1"/>
-            </a:bgClr>
-          </a:pattFill>
-          <a:ln>
-            <a:solidFill>
-              <a:srgbClr val="FF0000"/>
-            </a:solidFill>
-          </a:ln>
-        </p:spPr>
-        <p:style>
-          <a:lnRef idx="2">
-            <a:schemeClr val="accent1">
-              <a:shade val="50000"/>
-            </a:schemeClr>
-          </a:lnRef>
-          <a:fillRef idx="1">
-            <a:schemeClr val="accent1"/>
-          </a:fillRef>
-          <a:effectRef idx="0">
-            <a:schemeClr val="accent1"/>
-          </a:effectRef>
-          <a:fontRef idx="minor">
-            <a:schemeClr val="lt1"/>
-          </a:fontRef>
-        </p:style>
-        <p:txBody>
-          <a:bodyPr rtlCol="0" anchor="ctr"/>
-          <a:lstStyle/>
-          <a:p>
-            <a:pPr algn="ctr"/>
-            <a:endParaRPr lang="en-GB" sz="1200" dirty="0">
-              <a:latin typeface="CMU Serif Roman" panose="02000603000000000000" pitchFamily="2" charset="0"/>
-              <a:ea typeface="CMU Serif Roman" panose="02000603000000000000" pitchFamily="2" charset="0"/>
-              <a:cs typeface="CMU Serif Roman" panose="02000603000000000000" pitchFamily="2" charset="0"/>
-            </a:endParaRPr>
-          </a:p>
-        </p:txBody>
-      </p:sp>
-      <p:sp>
-        <p:nvSpPr>
-          <p:cNvPr id="90" name="Rettangolo 89">
-            <a:extLst>
-              <a:ext uri="{FF2B5EF4-FFF2-40B4-BE49-F238E27FC236}">
-                <a16:creationId xmlns:a16="http://schemas.microsoft.com/office/drawing/2014/main" id="{8F5D39CA-6351-CC93-E09F-2B4064A4D7E6}"/>
-              </a:ext>
-            </a:extLst>
-          </p:cNvPr>
-          <p:cNvSpPr/>
-          <p:nvPr/>
-        </p:nvSpPr>
-        <p:spPr>
-          <a:xfrm>
-            <a:off x="3264956" y="3476270"/>
-            <a:ext cx="289932" cy="412595"/>
-          </a:xfrm>
-          <a:prstGeom prst="rect">
-            <a:avLst/>
-          </a:prstGeom>
-          <a:pattFill prst="pct40">
-            <a:fgClr>
-              <a:srgbClr val="FF0000"/>
-            </a:fgClr>
-            <a:bgClr>
-              <a:schemeClr val="bg1"/>
-            </a:bgClr>
-          </a:pattFill>
-          <a:ln>
-            <a:solidFill>
-              <a:srgbClr val="FF0000"/>
-            </a:solidFill>
-          </a:ln>
-        </p:spPr>
-        <p:style>
-          <a:lnRef idx="2">
-            <a:schemeClr val="accent1">
-              <a:shade val="50000"/>
-            </a:schemeClr>
-          </a:lnRef>
-          <a:fillRef idx="1">
-            <a:schemeClr val="accent1"/>
-          </a:fillRef>
-          <a:effectRef idx="0">
-            <a:schemeClr val="accent1"/>
-          </a:effectRef>
-          <a:fontRef idx="minor">
-            <a:schemeClr val="lt1"/>
-          </a:fontRef>
-        </p:style>
-        <p:txBody>
-          <a:bodyPr rtlCol="0" anchor="ctr"/>
-          <a:lstStyle/>
-          <a:p>
-            <a:pPr algn="ctr"/>
-            <a:endParaRPr lang="en-GB" sz="1200" dirty="0">
-              <a:latin typeface="CMU Serif Roman" panose="02000603000000000000" pitchFamily="2" charset="0"/>
-              <a:ea typeface="CMU Serif Roman" panose="02000603000000000000" pitchFamily="2" charset="0"/>
-              <a:cs typeface="CMU Serif Roman" panose="02000603000000000000" pitchFamily="2" charset="0"/>
-            </a:endParaRPr>
-          </a:p>
-        </p:txBody>
-      </p:sp>
-      <p:sp>
-        <p:nvSpPr>
-          <p:cNvPr id="92" name="CasellaDiTesto 91">
-            <a:extLst>
-              <a:ext uri="{FF2B5EF4-FFF2-40B4-BE49-F238E27FC236}">
-                <a16:creationId xmlns:a16="http://schemas.microsoft.com/office/drawing/2014/main" id="{D2265E0A-0D79-0082-89A6-3C5D10E0889E}"/>
-              </a:ext>
-            </a:extLst>
-          </p:cNvPr>
-          <p:cNvSpPr txBox="1"/>
-          <p:nvPr/>
-        </p:nvSpPr>
-        <p:spPr>
-          <a:xfrm>
-            <a:off x="3677346" y="3636185"/>
-            <a:ext cx="377026" cy="369332"/>
-          </a:xfrm>
-          <a:prstGeom prst="rect">
-            <a:avLst/>
-          </a:prstGeom>
-          <a:noFill/>
-        </p:spPr>
-        <p:txBody>
-          <a:bodyPr wrap="none" rtlCol="0">
-            <a:spAutoFit/>
-          </a:bodyPr>
-          <a:lstStyle/>
-          <a:p>
-            <a:r>
-              <a:rPr lang="en-GB" dirty="0">
-                <a:latin typeface="CMU Serif Roman" panose="02000603000000000000" pitchFamily="2" charset="0"/>
-                <a:ea typeface="CMU Serif Roman" panose="02000603000000000000" pitchFamily="2" charset="0"/>
-                <a:cs typeface="CMU Serif Roman" panose="02000603000000000000" pitchFamily="2" charset="0"/>
-              </a:rPr>
-              <a:t>…</a:t>
-            </a:r>
-          </a:p>
-        </p:txBody>
-      </p:sp>
-      <p:sp>
-        <p:nvSpPr>
-          <p:cNvPr id="93" name="Rettangolo 92">
-            <a:extLst>
-              <a:ext uri="{FF2B5EF4-FFF2-40B4-BE49-F238E27FC236}">
-                <a16:creationId xmlns:a16="http://schemas.microsoft.com/office/drawing/2014/main" id="{790DC27D-71AC-4C28-E72B-A7B794063AF9}"/>
-              </a:ext>
-            </a:extLst>
-          </p:cNvPr>
-          <p:cNvSpPr/>
-          <p:nvPr/>
-        </p:nvSpPr>
-        <p:spPr>
-          <a:xfrm>
-            <a:off x="4176896" y="3476270"/>
-            <a:ext cx="289932" cy="412595"/>
-          </a:xfrm>
-          <a:prstGeom prst="rect">
-            <a:avLst/>
-          </a:prstGeom>
-          <a:pattFill prst="pct40">
-            <a:fgClr>
-              <a:srgbClr val="FF0000"/>
-            </a:fgClr>
-            <a:bgClr>
-              <a:schemeClr val="bg1"/>
-            </a:bgClr>
-          </a:pattFill>
-          <a:ln>
-            <a:solidFill>
-              <a:srgbClr val="FF0000"/>
-            </a:solidFill>
-          </a:ln>
-        </p:spPr>
-        <p:style>
-          <a:lnRef idx="2">
-            <a:schemeClr val="accent1">
-              <a:shade val="50000"/>
-            </a:schemeClr>
-          </a:lnRef>
-          <a:fillRef idx="1">
-            <a:schemeClr val="accent1"/>
-          </a:fillRef>
-          <a:effectRef idx="0">
-            <a:schemeClr val="accent1"/>
-          </a:effectRef>
-          <a:fontRef idx="minor">
-            <a:schemeClr val="lt1"/>
-          </a:fontRef>
-        </p:style>
-        <p:txBody>
-          <a:bodyPr rtlCol="0" anchor="ctr"/>
-          <a:lstStyle/>
-          <a:p>
-            <a:pPr algn="ctr"/>
-            <a:endParaRPr lang="en-GB" sz="1200" dirty="0">
-              <a:latin typeface="CMU Serif Roman" panose="02000603000000000000" pitchFamily="2" charset="0"/>
-              <a:ea typeface="CMU Serif Roman" panose="02000603000000000000" pitchFamily="2" charset="0"/>
-              <a:cs typeface="CMU Serif Roman" panose="02000603000000000000" pitchFamily="2" charset="0"/>
-            </a:endParaRPr>
-          </a:p>
-        </p:txBody>
-      </p:sp>
-      <p:sp>
-        <p:nvSpPr>
-          <p:cNvPr id="95" name="CasellaDiTesto 94">
-            <a:extLst>
-              <a:ext uri="{FF2B5EF4-FFF2-40B4-BE49-F238E27FC236}">
-                <a16:creationId xmlns:a16="http://schemas.microsoft.com/office/drawing/2014/main" id="{06DA23A0-A721-D6E2-C982-8AAF3D539D47}"/>
-              </a:ext>
-            </a:extLst>
-          </p:cNvPr>
-          <p:cNvSpPr txBox="1"/>
-          <p:nvPr/>
-        </p:nvSpPr>
-        <p:spPr>
-          <a:xfrm>
-            <a:off x="5676951" y="608456"/>
-            <a:ext cx="2311851" cy="276999"/>
-          </a:xfrm>
-          <a:prstGeom prst="rect">
-            <a:avLst/>
-          </a:prstGeom>
-          <a:noFill/>
-        </p:spPr>
-        <p:txBody>
-          <a:bodyPr wrap="none" rtlCol="0">
-            <a:spAutoFit/>
-          </a:bodyPr>
-          <a:lstStyle/>
-          <a:p>
-            <a:r>
-              <a:rPr lang="en-GB" sz="1200" dirty="0">
-                <a:latin typeface="CMU Serif Roman" panose="02000603000000000000" pitchFamily="2" charset="0"/>
-                <a:ea typeface="CMU Serif Roman" panose="02000603000000000000" pitchFamily="2" charset="0"/>
-                <a:cs typeface="CMU Serif Roman" panose="02000603000000000000" pitchFamily="2" charset="0"/>
-              </a:rPr>
-              <a:t>During each Analysis execution</a:t>
-            </a:r>
-          </a:p>
-        </p:txBody>
-      </p:sp>
-      <p:sp>
-        <p:nvSpPr>
-          <p:cNvPr id="10" name="CasellaDiTesto 9">
-            <a:extLst>
-              <a:ext uri="{FF2B5EF4-FFF2-40B4-BE49-F238E27FC236}">
-                <a16:creationId xmlns:a16="http://schemas.microsoft.com/office/drawing/2014/main" id="{AC9C5121-B7F9-A58F-3F26-8F0EDA4F3175}"/>
-              </a:ext>
-            </a:extLst>
-          </p:cNvPr>
-          <p:cNvSpPr txBox="1"/>
-          <p:nvPr/>
-        </p:nvSpPr>
-        <p:spPr>
-          <a:xfrm>
-            <a:off x="1100150" y="656741"/>
-            <a:ext cx="2565126" cy="461665"/>
-          </a:xfrm>
-          <a:prstGeom prst="rect">
-            <a:avLst/>
-          </a:prstGeom>
-          <a:noFill/>
-        </p:spPr>
-        <p:txBody>
-          <a:bodyPr wrap="none" rtlCol="0">
-            <a:spAutoFit/>
-          </a:bodyPr>
-          <a:lstStyle/>
-          <a:p>
-            <a:pPr algn="r"/>
-            <a:r>
-              <a:rPr lang="en-GB" sz="1200" noProof="1">
-                <a:latin typeface="CMU Serif Roman" panose="02000603000000000000" pitchFamily="2" charset="0"/>
-                <a:ea typeface="CMU Serif Roman" panose="02000603000000000000" pitchFamily="2" charset="0"/>
-                <a:cs typeface="CMU Serif Roman" panose="02000603000000000000" pitchFamily="2" charset="0"/>
-              </a:rPr>
-              <a:t>∀ service with at least one instance</a:t>
-            </a:r>
-          </a:p>
-          <a:p>
-            <a:pPr algn="r"/>
-            <a:r>
-              <a:rPr lang="en-GB" sz="1200" noProof="1">
-                <a:latin typeface="CMU Serif Roman" panose="02000603000000000000" pitchFamily="2" charset="0"/>
-                <a:ea typeface="CMU Serif Roman" panose="02000603000000000000" pitchFamily="2" charset="0"/>
-                <a:cs typeface="CMU Serif Roman" panose="02000603000000000000" pitchFamily="2" charset="0"/>
-              </a:rPr>
-              <a:t>with a new latest value</a:t>
-            </a:r>
-            <a:endParaRPr lang="en-GB" sz="1200" dirty="0">
-              <a:latin typeface="CMU Serif Roman" panose="02000603000000000000" pitchFamily="2" charset="0"/>
-              <a:ea typeface="CMU Serif Roman" panose="02000603000000000000" pitchFamily="2" charset="0"/>
-              <a:cs typeface="CMU Serif Roman" panose="02000603000000000000" pitchFamily="2" charset="0"/>
-            </a:endParaRPr>
-          </a:p>
-        </p:txBody>
-      </p:sp>
-      <p:sp>
-        <p:nvSpPr>
-          <p:cNvPr id="11" name="CasellaDiTesto 10">
-            <a:extLst>
-              <a:ext uri="{FF2B5EF4-FFF2-40B4-BE49-F238E27FC236}">
-                <a16:creationId xmlns:a16="http://schemas.microsoft.com/office/drawing/2014/main" id="{DE11A1A7-639A-9D21-048A-A92A1F17C430}"/>
-              </a:ext>
-            </a:extLst>
-          </p:cNvPr>
-          <p:cNvSpPr txBox="1"/>
-          <p:nvPr/>
-        </p:nvSpPr>
-        <p:spPr>
-          <a:xfrm>
-            <a:off x="1413097" y="2355285"/>
-            <a:ext cx="1683474" cy="461665"/>
-          </a:xfrm>
-          <a:prstGeom prst="rect">
-            <a:avLst/>
-          </a:prstGeom>
-          <a:noFill/>
-        </p:spPr>
-        <p:txBody>
-          <a:bodyPr wrap="none" rtlCol="0">
-            <a:spAutoFit/>
-          </a:bodyPr>
-          <a:lstStyle/>
-          <a:p>
-            <a:pPr algn="r"/>
-            <a:r>
-              <a:rPr lang="en-GB" sz="1200" noProof="1">
-                <a:latin typeface="CMU Serif Roman" panose="02000603000000000000" pitchFamily="2" charset="0"/>
-                <a:ea typeface="CMU Serif Roman" panose="02000603000000000000" pitchFamily="2" charset="0"/>
-                <a:cs typeface="CMU Serif Roman" panose="02000603000000000000" pitchFamily="2" charset="0"/>
-              </a:rPr>
-              <a:t>∀ service with at least</a:t>
-            </a:r>
-          </a:p>
-          <a:p>
-            <a:pPr algn="r"/>
-            <a:r>
-              <a:rPr lang="en-GB" sz="1200" noProof="1">
-                <a:latin typeface="CMU Concrete Roman" panose="02000603000000000000" pitchFamily="2" charset="0"/>
-                <a:ea typeface="CMU Concrete Roman" panose="02000603000000000000" pitchFamily="2" charset="0"/>
-                <a:cs typeface="CMU Concrete Roman" panose="02000603000000000000" pitchFamily="2" charset="0"/>
-              </a:rPr>
-              <a:t>k=AWS</a:t>
-            </a:r>
-            <a:r>
-              <a:rPr lang="en-GB" sz="1200" noProof="1">
-                <a:latin typeface="CMU Serif Roman" panose="02000603000000000000" pitchFamily="2" charset="0"/>
-                <a:ea typeface="CMU Serif Roman" panose="02000603000000000000" pitchFamily="2" charset="0"/>
-                <a:cs typeface="CMU Serif Roman" panose="02000603000000000000" pitchFamily="2" charset="0"/>
-              </a:rPr>
-              <a:t> valid values</a:t>
-            </a:r>
-            <a:endParaRPr lang="en-GB" sz="1200" dirty="0">
-              <a:latin typeface="CMU Serif Roman" panose="02000603000000000000" pitchFamily="2" charset="0"/>
-              <a:ea typeface="CMU Serif Roman" panose="02000603000000000000" pitchFamily="2" charset="0"/>
-              <a:cs typeface="CMU Serif Roman" panose="02000603000000000000" pitchFamily="2" charset="0"/>
-            </a:endParaRPr>
-          </a:p>
-        </p:txBody>
-      </p:sp>
-      <p:sp>
-        <p:nvSpPr>
-          <p:cNvPr id="12" name="CasellaDiTesto 11">
-            <a:extLst>
-              <a:ext uri="{FF2B5EF4-FFF2-40B4-BE49-F238E27FC236}">
-                <a16:creationId xmlns:a16="http://schemas.microsoft.com/office/drawing/2014/main" id="{928F3205-50A0-EDB3-F989-467F34DCB4A2}"/>
-              </a:ext>
-            </a:extLst>
-          </p:cNvPr>
-          <p:cNvSpPr txBox="1"/>
-          <p:nvPr/>
-        </p:nvSpPr>
-        <p:spPr>
-          <a:xfrm>
-            <a:off x="2389326" y="3549008"/>
-            <a:ext cx="729687" cy="276999"/>
-          </a:xfrm>
-          <a:prstGeom prst="rect">
-            <a:avLst/>
-          </a:prstGeom>
-          <a:noFill/>
-        </p:spPr>
-        <p:txBody>
-          <a:bodyPr wrap="none" rtlCol="0">
-            <a:spAutoFit/>
-          </a:bodyPr>
-          <a:lstStyle/>
-          <a:p>
-            <a:pPr algn="ctr"/>
-            <a:r>
-              <a:rPr lang="en-GB" sz="1200" noProof="1">
-                <a:latin typeface="CMU Serif Roman" panose="02000603000000000000" pitchFamily="2" charset="0"/>
-                <a:ea typeface="CMU Serif Roman" panose="02000603000000000000" pitchFamily="2" charset="0"/>
-                <a:cs typeface="CMU Serif Roman" panose="02000603000000000000" pitchFamily="2" charset="0"/>
-              </a:rPr>
-              <a:t>AFTER</a:t>
-            </a:r>
-            <a:endParaRPr lang="en-GB" sz="1200" dirty="0">
-              <a:latin typeface="CMU Serif Roman" panose="02000603000000000000" pitchFamily="2" charset="0"/>
-              <a:ea typeface="CMU Serif Roman" panose="02000603000000000000" pitchFamily="2" charset="0"/>
-              <a:cs typeface="CMU Serif Roman" panose="02000603000000000000" pitchFamily="2" charset="0"/>
-            </a:endParaRPr>
-          </a:p>
-        </p:txBody>
-      </p:sp>
-      <p:sp>
-        <p:nvSpPr>
-          <p:cNvPr id="13" name="Rettangolo 12">
-            <a:extLst>
-              <a:ext uri="{FF2B5EF4-FFF2-40B4-BE49-F238E27FC236}">
-                <a16:creationId xmlns:a16="http://schemas.microsoft.com/office/drawing/2014/main" id="{27C4A987-B36B-E39C-DE2A-D8976C54584A}"/>
-              </a:ext>
-            </a:extLst>
-          </p:cNvPr>
-          <p:cNvSpPr/>
-          <p:nvPr/>
-        </p:nvSpPr>
-        <p:spPr>
-          <a:xfrm>
-            <a:off x="4679368" y="5623899"/>
-            <a:ext cx="289932" cy="412595"/>
-          </a:xfrm>
-          <a:prstGeom prst="rect">
-            <a:avLst/>
-          </a:prstGeom>
-          <a:pattFill prst="pct40">
-            <a:fgClr>
-              <a:srgbClr val="FF0000"/>
-            </a:fgClr>
-            <a:bgClr>
-              <a:schemeClr val="bg1"/>
-            </a:bgClr>
-          </a:pattFill>
-          <a:ln>
-            <a:solidFill>
-              <a:srgbClr val="FF0000"/>
-            </a:solidFill>
-          </a:ln>
-        </p:spPr>
-        <p:style>
-          <a:lnRef idx="2">
-            <a:schemeClr val="accent1">
-              <a:shade val="50000"/>
-            </a:schemeClr>
-          </a:lnRef>
-          <a:fillRef idx="1">
-            <a:schemeClr val="accent1"/>
-          </a:fillRef>
-          <a:effectRef idx="0">
-            <a:schemeClr val="accent1"/>
-          </a:effectRef>
-          <a:fontRef idx="minor">
-            <a:schemeClr val="lt1"/>
-          </a:fontRef>
-        </p:style>
-        <p:txBody>
-          <a:bodyPr rtlCol="0" anchor="ctr"/>
-          <a:lstStyle/>
-          <a:p>
-            <a:pPr algn="ctr"/>
-            <a:endParaRPr lang="en-GB" sz="1200" dirty="0">
-              <a:latin typeface="CMU Serif Roman" panose="02000603000000000000" pitchFamily="2" charset="0"/>
-              <a:ea typeface="CMU Serif Roman" panose="02000603000000000000" pitchFamily="2" charset="0"/>
-              <a:cs typeface="CMU Serif Roman" panose="02000603000000000000" pitchFamily="2" charset="0"/>
-            </a:endParaRPr>
-          </a:p>
-        </p:txBody>
-      </p:sp>
-      <p:sp>
-        <p:nvSpPr>
-          <p:cNvPr id="14" name="Rettangolo 13">
-            <a:extLst>
-              <a:ext uri="{FF2B5EF4-FFF2-40B4-BE49-F238E27FC236}">
-                <a16:creationId xmlns:a16="http://schemas.microsoft.com/office/drawing/2014/main" id="{51A1277A-4F8C-679F-196E-C79CD8D7F40C}"/>
-              </a:ext>
-            </a:extLst>
-          </p:cNvPr>
-          <p:cNvSpPr/>
-          <p:nvPr/>
-        </p:nvSpPr>
-        <p:spPr>
-          <a:xfrm>
-            <a:off x="5189120" y="5623899"/>
-            <a:ext cx="289932" cy="412595"/>
-          </a:xfrm>
-          <a:prstGeom prst="rect">
-            <a:avLst/>
-          </a:prstGeom>
-          <a:pattFill prst="pct40">
-            <a:fgClr>
-              <a:srgbClr val="FF0000"/>
-            </a:fgClr>
-            <a:bgClr>
-              <a:schemeClr val="bg1"/>
-            </a:bgClr>
-          </a:pattFill>
-          <a:ln>
-            <a:solidFill>
-              <a:srgbClr val="FF0000"/>
-            </a:solidFill>
-          </a:ln>
-        </p:spPr>
-        <p:style>
-          <a:lnRef idx="2">
-            <a:schemeClr val="accent1">
-              <a:shade val="50000"/>
-            </a:schemeClr>
-          </a:lnRef>
-          <a:fillRef idx="1">
-            <a:schemeClr val="accent1"/>
-          </a:fillRef>
-          <a:effectRef idx="0">
-            <a:schemeClr val="accent1"/>
-          </a:effectRef>
-          <a:fontRef idx="minor">
-            <a:schemeClr val="lt1"/>
-          </a:fontRef>
-        </p:style>
-        <p:txBody>
-          <a:bodyPr rtlCol="0" anchor="ctr"/>
-          <a:lstStyle/>
-          <a:p>
-            <a:pPr algn="ctr"/>
-            <a:endParaRPr lang="en-GB" sz="1200" dirty="0">
-              <a:latin typeface="CMU Serif Roman" panose="02000603000000000000" pitchFamily="2" charset="0"/>
-              <a:ea typeface="CMU Serif Roman" panose="02000603000000000000" pitchFamily="2" charset="0"/>
-              <a:cs typeface="CMU Serif Roman" panose="02000603000000000000" pitchFamily="2" charset="0"/>
-            </a:endParaRPr>
-          </a:p>
-        </p:txBody>
-      </p:sp>
-      <p:sp>
-        <p:nvSpPr>
-          <p:cNvPr id="15" name="CasellaDiTesto 14">
-            <a:extLst>
-              <a:ext uri="{FF2B5EF4-FFF2-40B4-BE49-F238E27FC236}">
-                <a16:creationId xmlns:a16="http://schemas.microsoft.com/office/drawing/2014/main" id="{C3AD82F8-6BE1-77F9-5AB5-D26B6D1D2CB5}"/>
-              </a:ext>
-            </a:extLst>
-          </p:cNvPr>
-          <p:cNvSpPr txBox="1"/>
-          <p:nvPr/>
-        </p:nvSpPr>
-        <p:spPr>
-          <a:xfrm>
-            <a:off x="5635919" y="5783814"/>
-            <a:ext cx="377026" cy="369332"/>
-          </a:xfrm>
-          <a:prstGeom prst="rect">
-            <a:avLst/>
-          </a:prstGeom>
-          <a:noFill/>
-        </p:spPr>
-        <p:txBody>
-          <a:bodyPr wrap="none" rtlCol="0">
-            <a:spAutoFit/>
-          </a:bodyPr>
-          <a:lstStyle/>
-          <a:p>
-            <a:r>
-              <a:rPr lang="en-GB" dirty="0">
-                <a:latin typeface="CMU Serif Roman" panose="02000603000000000000" pitchFamily="2" charset="0"/>
-                <a:ea typeface="CMU Serif Roman" panose="02000603000000000000" pitchFamily="2" charset="0"/>
-                <a:cs typeface="CMU Serif Roman" panose="02000603000000000000" pitchFamily="2" charset="0"/>
-              </a:rPr>
-              <a:t>…</a:t>
-            </a:r>
-          </a:p>
-        </p:txBody>
-      </p:sp>
-      <p:sp>
-        <p:nvSpPr>
-          <p:cNvPr id="16" name="Rettangolo 15">
-            <a:extLst>
-              <a:ext uri="{FF2B5EF4-FFF2-40B4-BE49-F238E27FC236}">
-                <a16:creationId xmlns:a16="http://schemas.microsoft.com/office/drawing/2014/main" id="{CE76E69C-98C4-933A-910B-6050544EE37D}"/>
-              </a:ext>
-            </a:extLst>
-          </p:cNvPr>
-          <p:cNvSpPr/>
-          <p:nvPr/>
-        </p:nvSpPr>
-        <p:spPr>
-          <a:xfrm>
-            <a:off x="6153421" y="5623899"/>
-            <a:ext cx="289932" cy="412595"/>
-          </a:xfrm>
-          <a:prstGeom prst="rect">
-            <a:avLst/>
-          </a:prstGeom>
-          <a:pattFill prst="pct40">
-            <a:fgClr>
-              <a:srgbClr val="FF0000"/>
-            </a:fgClr>
-            <a:bgClr>
-              <a:schemeClr val="bg1"/>
-            </a:bgClr>
-          </a:pattFill>
-          <a:ln>
-            <a:solidFill>
-              <a:srgbClr val="FF0000"/>
-            </a:solidFill>
-          </a:ln>
-        </p:spPr>
-        <p:style>
-          <a:lnRef idx="2">
-            <a:schemeClr val="accent1">
-              <a:shade val="50000"/>
-            </a:schemeClr>
-          </a:lnRef>
-          <a:fillRef idx="1">
-            <a:schemeClr val="accent1"/>
-          </a:fillRef>
-          <a:effectRef idx="0">
-            <a:schemeClr val="accent1"/>
-          </a:effectRef>
-          <a:fontRef idx="minor">
-            <a:schemeClr val="lt1"/>
-          </a:fontRef>
-        </p:style>
-        <p:txBody>
-          <a:bodyPr rtlCol="0" anchor="ctr"/>
-          <a:lstStyle/>
-          <a:p>
-            <a:pPr algn="ctr"/>
-            <a:endParaRPr lang="en-GB" sz="1200" dirty="0">
-              <a:latin typeface="CMU Serif Roman" panose="02000603000000000000" pitchFamily="2" charset="0"/>
-              <a:ea typeface="CMU Serif Roman" panose="02000603000000000000" pitchFamily="2" charset="0"/>
-              <a:cs typeface="CMU Serif Roman" panose="02000603000000000000" pitchFamily="2" charset="0"/>
-            </a:endParaRPr>
-          </a:p>
-        </p:txBody>
-      </p:sp>
-      <p:sp>
-        <p:nvSpPr>
-          <p:cNvPr id="17" name="Rettangolo 16">
-            <a:extLst>
-              <a:ext uri="{FF2B5EF4-FFF2-40B4-BE49-F238E27FC236}">
-                <a16:creationId xmlns:a16="http://schemas.microsoft.com/office/drawing/2014/main" id="{7541B3DA-F3DA-1AAF-5C8A-7D67BA240AEF}"/>
-              </a:ext>
-            </a:extLst>
-          </p:cNvPr>
-          <p:cNvSpPr/>
-          <p:nvPr/>
-        </p:nvSpPr>
-        <p:spPr>
-          <a:xfrm>
-            <a:off x="3264956" y="5619373"/>
-            <a:ext cx="289932" cy="412595"/>
-          </a:xfrm>
-          <a:prstGeom prst="rect">
-            <a:avLst/>
-          </a:prstGeom>
-          <a:pattFill prst="pct40">
-            <a:fgClr>
-              <a:srgbClr val="FF0000"/>
-            </a:fgClr>
-            <a:bgClr>
-              <a:schemeClr val="bg1"/>
-            </a:bgClr>
-          </a:pattFill>
-          <a:ln>
-            <a:solidFill>
-              <a:srgbClr val="FF0000"/>
-            </a:solidFill>
-          </a:ln>
-        </p:spPr>
-        <p:style>
-          <a:lnRef idx="2">
-            <a:schemeClr val="accent1">
-              <a:shade val="50000"/>
-            </a:schemeClr>
-          </a:lnRef>
-          <a:fillRef idx="1">
-            <a:schemeClr val="accent1"/>
-          </a:fillRef>
-          <a:effectRef idx="0">
-            <a:schemeClr val="accent1"/>
-          </a:effectRef>
-          <a:fontRef idx="minor">
-            <a:schemeClr val="lt1"/>
-          </a:fontRef>
-        </p:style>
-        <p:txBody>
-          <a:bodyPr rtlCol="0" anchor="ctr"/>
-          <a:lstStyle/>
-          <a:p>
-            <a:pPr algn="ctr"/>
-            <a:endParaRPr lang="en-GB" sz="1200" dirty="0">
-              <a:latin typeface="CMU Serif Roman" panose="02000603000000000000" pitchFamily="2" charset="0"/>
-              <a:ea typeface="CMU Serif Roman" panose="02000603000000000000" pitchFamily="2" charset="0"/>
-              <a:cs typeface="CMU Serif Roman" panose="02000603000000000000" pitchFamily="2" charset="0"/>
-            </a:endParaRPr>
-          </a:p>
-        </p:txBody>
-      </p:sp>
-      <p:sp>
-        <p:nvSpPr>
-          <p:cNvPr id="18" name="CasellaDiTesto 17">
-            <a:extLst>
-              <a:ext uri="{FF2B5EF4-FFF2-40B4-BE49-F238E27FC236}">
-                <a16:creationId xmlns:a16="http://schemas.microsoft.com/office/drawing/2014/main" id="{2132E438-A487-3B99-476C-86257AAD87F4}"/>
-              </a:ext>
-            </a:extLst>
-          </p:cNvPr>
-          <p:cNvSpPr txBox="1"/>
-          <p:nvPr/>
-        </p:nvSpPr>
-        <p:spPr>
-          <a:xfrm>
-            <a:off x="3677346" y="5783814"/>
-            <a:ext cx="377026" cy="369332"/>
-          </a:xfrm>
-          <a:prstGeom prst="rect">
-            <a:avLst/>
-          </a:prstGeom>
-          <a:noFill/>
-        </p:spPr>
-        <p:txBody>
-          <a:bodyPr wrap="none" rtlCol="0">
-            <a:spAutoFit/>
-          </a:bodyPr>
-          <a:lstStyle/>
-          <a:p>
-            <a:r>
-              <a:rPr lang="en-GB" dirty="0">
-                <a:latin typeface="CMU Serif Roman" panose="02000603000000000000" pitchFamily="2" charset="0"/>
-                <a:ea typeface="CMU Serif Roman" panose="02000603000000000000" pitchFamily="2" charset="0"/>
-                <a:cs typeface="CMU Serif Roman" panose="02000603000000000000" pitchFamily="2" charset="0"/>
-              </a:rPr>
-              <a:t>…</a:t>
-            </a:r>
-          </a:p>
-        </p:txBody>
-      </p:sp>
-      <p:sp>
-        <p:nvSpPr>
-          <p:cNvPr id="20" name="Rettangolo 19">
-            <a:extLst>
-              <a:ext uri="{FF2B5EF4-FFF2-40B4-BE49-F238E27FC236}">
-                <a16:creationId xmlns:a16="http://schemas.microsoft.com/office/drawing/2014/main" id="{7FFBC33B-D036-AA79-1797-EE84D1FDA8C1}"/>
-              </a:ext>
-            </a:extLst>
-          </p:cNvPr>
-          <p:cNvSpPr/>
-          <p:nvPr/>
-        </p:nvSpPr>
-        <p:spPr>
-          <a:xfrm>
-            <a:off x="4176896" y="5623899"/>
-            <a:ext cx="289932" cy="412595"/>
-          </a:xfrm>
-          <a:prstGeom prst="rect">
-            <a:avLst/>
-          </a:prstGeom>
-          <a:pattFill prst="pct40">
-            <a:fgClr>
-              <a:srgbClr val="FF0000"/>
-            </a:fgClr>
-            <a:bgClr>
-              <a:schemeClr val="bg1"/>
-            </a:bgClr>
-          </a:pattFill>
-          <a:ln>
-            <a:solidFill>
-              <a:srgbClr val="FF0000"/>
-            </a:solidFill>
-          </a:ln>
-        </p:spPr>
-        <p:style>
-          <a:lnRef idx="2">
-            <a:schemeClr val="accent1">
-              <a:shade val="50000"/>
-            </a:schemeClr>
-          </a:lnRef>
-          <a:fillRef idx="1">
-            <a:schemeClr val="accent1"/>
-          </a:fillRef>
-          <a:effectRef idx="0">
-            <a:schemeClr val="accent1"/>
-          </a:effectRef>
-          <a:fontRef idx="minor">
-            <a:schemeClr val="lt1"/>
-          </a:fontRef>
-        </p:style>
-        <p:txBody>
-          <a:bodyPr rtlCol="0" anchor="ctr"/>
-          <a:lstStyle/>
-          <a:p>
-            <a:pPr algn="ctr"/>
-            <a:endParaRPr lang="en-GB" sz="1200" dirty="0">
-              <a:latin typeface="CMU Serif Roman" panose="02000603000000000000" pitchFamily="2" charset="0"/>
-              <a:ea typeface="CMU Serif Roman" panose="02000603000000000000" pitchFamily="2" charset="0"/>
-              <a:cs typeface="CMU Serif Roman" panose="02000603000000000000" pitchFamily="2" charset="0"/>
-            </a:endParaRPr>
-          </a:p>
-        </p:txBody>
-      </p:sp>
-      <p:sp>
-        <p:nvSpPr>
-          <p:cNvPr id="21" name="Rettangolo 20">
-            <a:extLst>
-              <a:ext uri="{FF2B5EF4-FFF2-40B4-BE49-F238E27FC236}">
-                <a16:creationId xmlns:a16="http://schemas.microsoft.com/office/drawing/2014/main" id="{6D9B299F-7D51-7097-3DA7-6D3050C83CFD}"/>
-              </a:ext>
-            </a:extLst>
-          </p:cNvPr>
-          <p:cNvSpPr/>
-          <p:nvPr/>
-        </p:nvSpPr>
-        <p:spPr>
-          <a:xfrm>
-            <a:off x="3264956" y="4538566"/>
-            <a:ext cx="289932" cy="412595"/>
-          </a:xfrm>
-          <a:prstGeom prst="rect">
-            <a:avLst/>
-          </a:prstGeom>
-          <a:pattFill prst="pct40">
-            <a:fgClr>
-              <a:srgbClr val="FF0000"/>
-            </a:fgClr>
-            <a:bgClr>
-              <a:schemeClr val="bg1"/>
-            </a:bgClr>
-          </a:pattFill>
-          <a:ln>
-            <a:solidFill>
-              <a:srgbClr val="FF0000"/>
-            </a:solidFill>
-          </a:ln>
-        </p:spPr>
-        <p:style>
-          <a:lnRef idx="2">
-            <a:schemeClr val="accent1">
-              <a:shade val="50000"/>
-            </a:schemeClr>
-          </a:lnRef>
-          <a:fillRef idx="1">
-            <a:schemeClr val="accent1"/>
-          </a:fillRef>
-          <a:effectRef idx="0">
-            <a:schemeClr val="accent1"/>
-          </a:effectRef>
-          <a:fontRef idx="minor">
-            <a:schemeClr val="lt1"/>
-          </a:fontRef>
-        </p:style>
-        <p:txBody>
-          <a:bodyPr rtlCol="0" anchor="ctr"/>
-          <a:lstStyle/>
-          <a:p>
-            <a:pPr algn="ctr"/>
-            <a:endParaRPr lang="en-GB" sz="1200" dirty="0">
-              <a:latin typeface="CMU Serif Roman" panose="02000603000000000000" pitchFamily="2" charset="0"/>
-              <a:ea typeface="CMU Serif Roman" panose="02000603000000000000" pitchFamily="2" charset="0"/>
-              <a:cs typeface="CMU Serif Roman" panose="02000603000000000000" pitchFamily="2" charset="0"/>
-            </a:endParaRPr>
-          </a:p>
-        </p:txBody>
-      </p:sp>
-      <p:sp>
-        <p:nvSpPr>
-          <p:cNvPr id="22" name="CasellaDiTesto 21">
-            <a:extLst>
-              <a:ext uri="{FF2B5EF4-FFF2-40B4-BE49-F238E27FC236}">
-                <a16:creationId xmlns:a16="http://schemas.microsoft.com/office/drawing/2014/main" id="{422F9008-C556-0E22-4429-E92A8E95BDC3}"/>
-              </a:ext>
-            </a:extLst>
-          </p:cNvPr>
-          <p:cNvSpPr txBox="1"/>
-          <p:nvPr/>
-        </p:nvSpPr>
-        <p:spPr>
-          <a:xfrm>
-            <a:off x="3677346" y="4703007"/>
-            <a:ext cx="377026" cy="369332"/>
-          </a:xfrm>
-          <a:prstGeom prst="rect">
-            <a:avLst/>
-          </a:prstGeom>
-          <a:noFill/>
-        </p:spPr>
-        <p:txBody>
-          <a:bodyPr wrap="none" rtlCol="0">
-            <a:spAutoFit/>
-          </a:bodyPr>
-          <a:lstStyle/>
-          <a:p>
-            <a:r>
-              <a:rPr lang="en-GB" dirty="0">
-                <a:latin typeface="CMU Serif Roman" panose="02000603000000000000" pitchFamily="2" charset="0"/>
-                <a:ea typeface="CMU Serif Roman" panose="02000603000000000000" pitchFamily="2" charset="0"/>
-                <a:cs typeface="CMU Serif Roman" panose="02000603000000000000" pitchFamily="2" charset="0"/>
-              </a:rPr>
-              <a:t>…</a:t>
-            </a:r>
-          </a:p>
-        </p:txBody>
-      </p:sp>
-      <p:sp>
-        <p:nvSpPr>
-          <p:cNvPr id="23" name="Rettangolo 22">
-            <a:extLst>
-              <a:ext uri="{FF2B5EF4-FFF2-40B4-BE49-F238E27FC236}">
-                <a16:creationId xmlns:a16="http://schemas.microsoft.com/office/drawing/2014/main" id="{73F5638C-675F-2E89-21A6-3FBD9EF5E491}"/>
-              </a:ext>
-            </a:extLst>
-          </p:cNvPr>
-          <p:cNvSpPr/>
-          <p:nvPr/>
-        </p:nvSpPr>
-        <p:spPr>
-          <a:xfrm>
-            <a:off x="4176896" y="4543092"/>
-            <a:ext cx="289932" cy="412595"/>
-          </a:xfrm>
-          <a:prstGeom prst="rect">
-            <a:avLst/>
-          </a:prstGeom>
-          <a:pattFill prst="pct40">
-            <a:fgClr>
-              <a:srgbClr val="FF0000"/>
-            </a:fgClr>
-            <a:bgClr>
-              <a:schemeClr val="bg1"/>
-            </a:bgClr>
-          </a:pattFill>
-          <a:ln>
-            <a:solidFill>
-              <a:srgbClr val="FF0000"/>
-            </a:solidFill>
-          </a:ln>
-        </p:spPr>
-        <p:style>
-          <a:lnRef idx="2">
-            <a:schemeClr val="accent1">
-              <a:shade val="50000"/>
-            </a:schemeClr>
-          </a:lnRef>
-          <a:fillRef idx="1">
-            <a:schemeClr val="accent1"/>
-          </a:fillRef>
-          <a:effectRef idx="0">
-            <a:schemeClr val="accent1"/>
-          </a:effectRef>
-          <a:fontRef idx="minor">
-            <a:schemeClr val="lt1"/>
-          </a:fontRef>
-        </p:style>
-        <p:txBody>
-          <a:bodyPr rtlCol="0" anchor="ctr"/>
-          <a:lstStyle/>
-          <a:p>
-            <a:pPr algn="ctr"/>
-            <a:endParaRPr lang="en-GB" sz="1200" dirty="0">
-              <a:latin typeface="CMU Serif Roman" panose="02000603000000000000" pitchFamily="2" charset="0"/>
-              <a:ea typeface="CMU Serif Roman" panose="02000603000000000000" pitchFamily="2" charset="0"/>
-              <a:cs typeface="CMU Serif Roman" panose="02000603000000000000" pitchFamily="2" charset="0"/>
-            </a:endParaRPr>
-          </a:p>
-        </p:txBody>
-      </p:sp>
-      <p:sp>
-        <p:nvSpPr>
-          <p:cNvPr id="24" name="Rettangolo 23">
-            <a:extLst>
-              <a:ext uri="{FF2B5EF4-FFF2-40B4-BE49-F238E27FC236}">
-                <a16:creationId xmlns:a16="http://schemas.microsoft.com/office/drawing/2014/main" id="{4328BBC2-93DC-427B-D661-1122C7CE437A}"/>
-              </a:ext>
-            </a:extLst>
-          </p:cNvPr>
-          <p:cNvSpPr/>
-          <p:nvPr/>
-        </p:nvSpPr>
-        <p:spPr>
-          <a:xfrm>
-            <a:off x="4679368" y="4543092"/>
-            <a:ext cx="289932" cy="412595"/>
-          </a:xfrm>
-          <a:prstGeom prst="rect">
-            <a:avLst/>
-          </a:prstGeom>
-          <a:pattFill prst="pct40">
-            <a:fgClr>
-              <a:srgbClr val="00B050"/>
-            </a:fgClr>
-            <a:bgClr>
-              <a:schemeClr val="bg1"/>
-            </a:bgClr>
-          </a:pattFill>
-          <a:ln>
-            <a:solidFill>
-              <a:srgbClr val="00B050"/>
-            </a:solidFill>
-          </a:ln>
-        </p:spPr>
-        <p:style>
-          <a:lnRef idx="2">
-            <a:schemeClr val="accent1">
-              <a:shade val="50000"/>
-            </a:schemeClr>
-          </a:lnRef>
-          <a:fillRef idx="1">
-            <a:schemeClr val="accent1"/>
-          </a:fillRef>
-          <a:effectRef idx="0">
-            <a:schemeClr val="accent1"/>
-          </a:effectRef>
-          <a:fontRef idx="minor">
-            <a:schemeClr val="lt1"/>
-          </a:fontRef>
-        </p:style>
-        <p:txBody>
-          <a:bodyPr rtlCol="0" anchor="ctr"/>
-          <a:lstStyle/>
-          <a:p>
-            <a:pPr algn="ctr"/>
-            <a:endParaRPr lang="en-GB" sz="1200" dirty="0">
-              <a:latin typeface="CMU Serif Roman" panose="02000603000000000000" pitchFamily="2" charset="0"/>
-              <a:ea typeface="CMU Serif Roman" panose="02000603000000000000" pitchFamily="2" charset="0"/>
-              <a:cs typeface="CMU Serif Roman" panose="02000603000000000000" pitchFamily="2" charset="0"/>
-            </a:endParaRPr>
-          </a:p>
-        </p:txBody>
-      </p:sp>
-      <p:sp>
-        <p:nvSpPr>
-          <p:cNvPr id="25" name="Rettangolo 24">
-            <a:extLst>
-              <a:ext uri="{FF2B5EF4-FFF2-40B4-BE49-F238E27FC236}">
-                <a16:creationId xmlns:a16="http://schemas.microsoft.com/office/drawing/2014/main" id="{48BA98DC-D260-48D4-ACA5-C104C6F0F791}"/>
-              </a:ext>
-            </a:extLst>
-          </p:cNvPr>
-          <p:cNvSpPr/>
-          <p:nvPr/>
-        </p:nvSpPr>
-        <p:spPr>
-          <a:xfrm>
-            <a:off x="5189120" y="4543092"/>
-            <a:ext cx="289932" cy="412595"/>
-          </a:xfrm>
-          <a:prstGeom prst="rect">
-            <a:avLst/>
-          </a:prstGeom>
-          <a:pattFill prst="pct40">
-            <a:fgClr>
-              <a:srgbClr val="00B050"/>
-            </a:fgClr>
-            <a:bgClr>
-              <a:schemeClr val="bg1"/>
-            </a:bgClr>
-          </a:pattFill>
-          <a:ln>
-            <a:solidFill>
-              <a:srgbClr val="00B050"/>
-            </a:solidFill>
-          </a:ln>
-        </p:spPr>
-        <p:style>
-          <a:lnRef idx="2">
-            <a:schemeClr val="accent1">
-              <a:shade val="50000"/>
-            </a:schemeClr>
-          </a:lnRef>
-          <a:fillRef idx="1">
-            <a:schemeClr val="accent1"/>
-          </a:fillRef>
-          <a:effectRef idx="0">
-            <a:schemeClr val="accent1"/>
-          </a:effectRef>
-          <a:fontRef idx="minor">
-            <a:schemeClr val="lt1"/>
-          </a:fontRef>
-        </p:style>
-        <p:txBody>
-          <a:bodyPr rtlCol="0" anchor="ctr"/>
-          <a:lstStyle/>
-          <a:p>
-            <a:pPr algn="ctr"/>
-            <a:endParaRPr lang="en-GB" sz="1200" dirty="0">
-              <a:latin typeface="CMU Serif Roman" panose="02000603000000000000" pitchFamily="2" charset="0"/>
-              <a:ea typeface="CMU Serif Roman" panose="02000603000000000000" pitchFamily="2" charset="0"/>
-              <a:cs typeface="CMU Serif Roman" panose="02000603000000000000" pitchFamily="2" charset="0"/>
-            </a:endParaRPr>
-          </a:p>
-        </p:txBody>
-      </p:sp>
-      <p:sp>
-        <p:nvSpPr>
-          <p:cNvPr id="27" name="CasellaDiTesto 26">
-            <a:extLst>
-              <a:ext uri="{FF2B5EF4-FFF2-40B4-BE49-F238E27FC236}">
-                <a16:creationId xmlns:a16="http://schemas.microsoft.com/office/drawing/2014/main" id="{1B5F5CCB-3F47-AEF7-E5F9-C098C2D3268B}"/>
-              </a:ext>
-            </a:extLst>
-          </p:cNvPr>
-          <p:cNvSpPr txBox="1"/>
-          <p:nvPr/>
-        </p:nvSpPr>
-        <p:spPr>
-          <a:xfrm>
-            <a:off x="5635919" y="4703007"/>
-            <a:ext cx="377026" cy="369332"/>
-          </a:xfrm>
-          <a:prstGeom prst="rect">
-            <a:avLst/>
-          </a:prstGeom>
-          <a:noFill/>
-        </p:spPr>
-        <p:txBody>
-          <a:bodyPr wrap="none" rtlCol="0">
-            <a:spAutoFit/>
-          </a:bodyPr>
-          <a:lstStyle/>
-          <a:p>
-            <a:r>
-              <a:rPr lang="en-GB" dirty="0">
-                <a:latin typeface="CMU Serif Roman" panose="02000603000000000000" pitchFamily="2" charset="0"/>
-                <a:ea typeface="CMU Serif Roman" panose="02000603000000000000" pitchFamily="2" charset="0"/>
-                <a:cs typeface="CMU Serif Roman" panose="02000603000000000000" pitchFamily="2" charset="0"/>
-              </a:rPr>
-              <a:t>…</a:t>
-            </a:r>
-          </a:p>
-        </p:txBody>
-      </p:sp>
-      <p:sp>
-        <p:nvSpPr>
-          <p:cNvPr id="28" name="Rettangolo 27">
-            <a:extLst>
-              <a:ext uri="{FF2B5EF4-FFF2-40B4-BE49-F238E27FC236}">
-                <a16:creationId xmlns:a16="http://schemas.microsoft.com/office/drawing/2014/main" id="{322334DF-A97A-0E8F-2225-F10FCDDCB06A}"/>
-              </a:ext>
-            </a:extLst>
-          </p:cNvPr>
-          <p:cNvSpPr/>
-          <p:nvPr/>
-        </p:nvSpPr>
-        <p:spPr>
-          <a:xfrm>
-            <a:off x="6153421" y="4543092"/>
-            <a:ext cx="289932" cy="412595"/>
-          </a:xfrm>
-          <a:prstGeom prst="rect">
-            <a:avLst/>
-          </a:prstGeom>
-          <a:pattFill prst="pct40">
-            <a:fgClr>
-              <a:srgbClr val="00B050"/>
-            </a:fgClr>
-            <a:bgClr>
-              <a:schemeClr val="bg1"/>
-            </a:bgClr>
-          </a:pattFill>
-          <a:ln>
-            <a:solidFill>
-              <a:srgbClr val="00B050"/>
-            </a:solidFill>
-          </a:ln>
-        </p:spPr>
-        <p:style>
-          <a:lnRef idx="2">
-            <a:schemeClr val="accent1">
-              <a:shade val="50000"/>
-            </a:schemeClr>
-          </a:lnRef>
-          <a:fillRef idx="1">
-            <a:schemeClr val="accent1"/>
-          </a:fillRef>
-          <a:effectRef idx="0">
-            <a:schemeClr val="accent1"/>
-          </a:effectRef>
-          <a:fontRef idx="minor">
-            <a:schemeClr val="lt1"/>
-          </a:fontRef>
-        </p:style>
-        <p:txBody>
-          <a:bodyPr rtlCol="0" anchor="ctr"/>
-          <a:lstStyle/>
-          <a:p>
-            <a:pPr algn="ctr"/>
-            <a:endParaRPr lang="en-GB" sz="1200" dirty="0">
-              <a:latin typeface="CMU Serif Roman" panose="02000603000000000000" pitchFamily="2" charset="0"/>
-              <a:ea typeface="CMU Serif Roman" panose="02000603000000000000" pitchFamily="2" charset="0"/>
-              <a:cs typeface="CMU Serif Roman" panose="02000603000000000000" pitchFamily="2" charset="0"/>
-            </a:endParaRPr>
-          </a:p>
-        </p:txBody>
-      </p:sp>
-      <p:sp>
-        <p:nvSpPr>
           <p:cNvPr id="29" name="Rettangolo 28">
             <a:extLst>
               <a:ext uri="{FF2B5EF4-FFF2-40B4-BE49-F238E27FC236}">
@@ -11612,15 +11611,7 @@
                 <a:ea typeface="CMU Concrete Roman" panose="02000603000000000000" pitchFamily="2" charset="0"/>
                 <a:cs typeface="CMU Concrete Roman" panose="02000603000000000000" pitchFamily="2" charset="0"/>
               </a:rPr>
-              <a:t>+ k-</a:t>
-            </a:r>
-            <a:r>
-              <a:rPr lang="en-GB" sz="1200" dirty="0">
-                <a:latin typeface="CMU Concrete Roman" panose="02000603000000000000" pitchFamily="2" charset="0"/>
-                <a:ea typeface="CMU Concrete Roman" panose="02000603000000000000" pitchFamily="2" charset="0"/>
-                <a:cs typeface="CMU Concrete Roman" panose="02000603000000000000" pitchFamily="2" charset="0"/>
-              </a:rPr>
-              <a:t>m </a:t>
+              <a:t>+ k-m </a:t>
             </a:r>
             <a:r>
               <a:rPr lang="en-GB" sz="1200" dirty="0">
